--- a/assignments/P2/Presentation.pptx
+++ b/assignments/P2/Presentation.pptx
@@ -42,6 +42,7 @@
     <p:sldId id="289" r:id="rId37"/>
     <p:sldId id="290" r:id="rId38"/>
     <p:sldId id="291" r:id="rId39"/>
+    <p:sldId id="292" r:id="rId40"/>
   </p:sldIdLst>
   <p:sldSz cx="12192000" cy="6858000"/>
   <p:notesSz cx="7772400" cy="10058400"/>
@@ -3254,7 +3255,7 @@
         <p:spPr>
           <a:xfrm>
             <a:off x="1523880" y="1122480"/>
-            <a:ext cx="9142200" cy="2385720"/>
+            <a:ext cx="9141480" cy="2385000"/>
           </a:xfrm>
           <a:prstGeom prst="rect">
             <a:avLst/>
@@ -3318,7 +3319,7 @@
         <p:spPr>
           <a:xfrm>
             <a:off x="1523880" y="3602160"/>
-            <a:ext cx="9142200" cy="1653840"/>
+            <a:ext cx="9141480" cy="1653120"/>
           </a:xfrm>
           <a:prstGeom prst="rect">
             <a:avLst/>
@@ -3414,14 +3415,14 @@
       </p:grpSpPr>
       <p:sp>
         <p:nvSpPr>
-          <p:cNvPr id="96" name="CustomShape 1"/>
+          <p:cNvPr id="104" name="CustomShape 1"/>
           <p:cNvSpPr/>
           <p:nvPr/>
         </p:nvSpPr>
         <p:spPr>
           <a:xfrm>
             <a:off x="838080" y="230400"/>
-            <a:ext cx="10513800" cy="774360"/>
+            <a:ext cx="10513080" cy="773640"/>
           </a:xfrm>
           <a:prstGeom prst="rect">
             <a:avLst/>
@@ -3463,14 +3464,14 @@
       </p:sp>
       <p:sp>
         <p:nvSpPr>
-          <p:cNvPr id="97" name="CustomShape 2"/>
+          <p:cNvPr id="105" name="CustomShape 2"/>
           <p:cNvSpPr/>
           <p:nvPr/>
         </p:nvSpPr>
         <p:spPr>
           <a:xfrm>
             <a:off x="676080" y="1097280"/>
-            <a:ext cx="10845360" cy="5757480"/>
+            <a:ext cx="10844640" cy="5756760"/>
           </a:xfrm>
           <a:prstGeom prst="rect">
             <a:avLst/>
@@ -3491,7 +3492,7 @@
             <a:normAutofit/>
           </a:bodyPr>
           <a:p>
-            <a:pPr marL="432000" indent="-323640">
+            <a:pPr marL="432000" indent="-322920">
               <a:lnSpc>
                 <a:spcPct val="100000"/>
               </a:lnSpc>
@@ -3507,7 +3508,11 @@
             </a:pPr>
             <a:r>
               <a:rPr b="0" lang="en-US" sz="3200" spc="-1" strike="noStrike">
-                <a:latin typeface="Arial"/>
+                <a:solidFill>
+                  <a:srgbClr val="000000"/>
+                </a:solidFill>
+                <a:latin typeface="Arial"/>
+                <a:ea typeface="DejaVu Sans"/>
               </a:rPr>
               <a:t>(These rules are ran if second or third rule in 2a apply)</a:t>
             </a:r>
@@ -3516,7 +3521,7 @@
             </a:endParaRPr>
           </a:p>
           <a:p>
-            <a:pPr marL="432000" indent="-323640">
+            <a:pPr marL="432000" indent="-322920">
               <a:lnSpc>
                 <a:spcPct val="100000"/>
               </a:lnSpc>
@@ -3536,6 +3541,7 @@
                   <a:srgbClr val="ff0000"/>
                 </a:solidFill>
                 <a:latin typeface="Arial"/>
+                <a:ea typeface="DejaVu Sans"/>
               </a:rPr>
               <a:t>                       </a:t>
             </a:r>
@@ -3545,6 +3551,7 @@
                   <a:srgbClr val="ff0000"/>
                 </a:solidFill>
                 <a:latin typeface="Arial"/>
+                <a:ea typeface="DejaVu Sans"/>
               </a:rPr>
               <a:t>AT-&gt; ATE</a:t>
             </a:r>
@@ -3553,7 +3560,7 @@
             </a:endParaRPr>
           </a:p>
           <a:p>
-            <a:pPr lvl="1" marL="864000" indent="-323640">
+            <a:pPr lvl="1" marL="864000" indent="-322920">
               <a:lnSpc>
                 <a:spcPct val="100000"/>
               </a:lnSpc>
@@ -3573,6 +3580,7 @@
                   <a:srgbClr val="ff0000"/>
                 </a:solidFill>
                 <a:latin typeface="Arial"/>
+                <a:ea typeface="DejaVu Sans"/>
               </a:rPr>
               <a:t>conflat(ed) -&gt; conflate</a:t>
             </a:r>
@@ -3581,7 +3589,7 @@
             </a:endParaRPr>
           </a:p>
           <a:p>
-            <a:pPr marL="432000" indent="-323640">
+            <a:pPr marL="432000" indent="-322920">
               <a:lnSpc>
                 <a:spcPct val="100000"/>
               </a:lnSpc>
@@ -3601,6 +3609,7 @@
                   <a:srgbClr val="ff0000"/>
                 </a:solidFill>
                 <a:latin typeface="Arial"/>
+                <a:ea typeface="DejaVu Sans"/>
               </a:rPr>
               <a:t>                       </a:t>
             </a:r>
@@ -3610,6 +3619,7 @@
                   <a:srgbClr val="ff0000"/>
                 </a:solidFill>
                 <a:latin typeface="Arial"/>
+                <a:ea typeface="DejaVu Sans"/>
               </a:rPr>
               <a:t>BL -&gt; BLE</a:t>
             </a:r>
@@ -3618,7 +3628,7 @@
             </a:endParaRPr>
           </a:p>
           <a:p>
-            <a:pPr lvl="1" marL="864000" indent="-323640">
+            <a:pPr lvl="1" marL="864000" indent="-322920">
               <a:lnSpc>
                 <a:spcPct val="100000"/>
               </a:lnSpc>
@@ -3638,6 +3648,7 @@
                   <a:srgbClr val="ff0000"/>
                 </a:solidFill>
                 <a:latin typeface="Arial"/>
+                <a:ea typeface="DejaVu Sans"/>
               </a:rPr>
               <a:t>Troubl(ing) -&gt; trouble</a:t>
             </a:r>
@@ -3646,7 +3657,7 @@
             </a:endParaRPr>
           </a:p>
           <a:p>
-            <a:pPr marL="432000" indent="-323640">
+            <a:pPr marL="432000" indent="-322920">
               <a:lnSpc>
                 <a:spcPct val="100000"/>
               </a:lnSpc>
@@ -3666,6 +3677,7 @@
                   <a:srgbClr val="ff0000"/>
                 </a:solidFill>
                 <a:latin typeface="Arial"/>
+                <a:ea typeface="DejaVu Sans"/>
               </a:rPr>
               <a:t>(*d &amp; ! (*L or *S or *Z)) -&gt; single letter </a:t>
             </a:r>
@@ -3674,7 +3686,7 @@
             </a:endParaRPr>
           </a:p>
           <a:p>
-            <a:pPr lvl="1" marL="864000" indent="-323640">
+            <a:pPr lvl="1" marL="864000" indent="-322920">
               <a:lnSpc>
                 <a:spcPct val="100000"/>
               </a:lnSpc>
@@ -3695,6 +3707,7 @@
                 </a:solidFill>
                 <a:uFillTx/>
                 <a:latin typeface="Arial"/>
+                <a:ea typeface="DejaVu Sans"/>
               </a:rPr>
               <a:t>Condition verified</a:t>
             </a:r>
@@ -3704,6 +3717,7 @@
                   <a:srgbClr val="ff0000"/>
                 </a:solidFill>
                 <a:latin typeface="Arial"/>
+                <a:ea typeface="DejaVu Sans"/>
               </a:rPr>
               <a:t>: hopp(ing) -&gt; hop, tann(ed) -&gt; tan</a:t>
             </a:r>
@@ -3712,7 +3726,7 @@
             </a:endParaRPr>
           </a:p>
           <a:p>
-            <a:pPr lvl="1" marL="864000" indent="-323640">
+            <a:pPr lvl="1" marL="864000" indent="-322920">
               <a:lnSpc>
                 <a:spcPct val="100000"/>
               </a:lnSpc>
@@ -3733,6 +3747,7 @@
                 </a:solidFill>
                 <a:uFillTx/>
                 <a:latin typeface="Arial"/>
+                <a:ea typeface="DejaVu Sans"/>
               </a:rPr>
               <a:t>Condition not verified</a:t>
             </a:r>
@@ -3742,6 +3757,7 @@
                   <a:srgbClr val="ff0000"/>
                 </a:solidFill>
                 <a:latin typeface="Arial"/>
+                <a:ea typeface="DejaVu Sans"/>
               </a:rPr>
               <a:t>: fall(ing) -&gt; fall</a:t>
             </a:r>
@@ -3750,7 +3766,7 @@
             </a:endParaRPr>
           </a:p>
           <a:p>
-            <a:pPr marL="432000" indent="-323640">
+            <a:pPr marL="432000" indent="-322920">
               <a:lnSpc>
                 <a:spcPct val="100000"/>
               </a:lnSpc>
@@ -3770,6 +3786,7 @@
                   <a:srgbClr val="ff0000"/>
                 </a:solidFill>
                 <a:latin typeface="Arial"/>
+                <a:ea typeface="DejaVu Sans"/>
               </a:rPr>
               <a:t>(m=1 &amp; *o)             -&gt; E </a:t>
             </a:r>
@@ -3778,7 +3795,7 @@
             </a:endParaRPr>
           </a:p>
           <a:p>
-            <a:pPr lvl="1" marL="864000" indent="-323640">
+            <a:pPr lvl="1" marL="864000" indent="-322920">
               <a:lnSpc>
                 <a:spcPct val="100000"/>
               </a:lnSpc>
@@ -3799,6 +3816,7 @@
                 </a:solidFill>
                 <a:uFillTx/>
                 <a:latin typeface="Arial"/>
+                <a:ea typeface="DejaVu Sans"/>
               </a:rPr>
               <a:t>Condition verified</a:t>
             </a:r>
@@ -3808,6 +3826,7 @@
                   <a:srgbClr val="ff0000"/>
                 </a:solidFill>
                 <a:latin typeface="Arial"/>
+                <a:ea typeface="DejaVu Sans"/>
               </a:rPr>
               <a:t>: fil(ing) </a:t>
             </a:r>
@@ -3817,6 +3836,7 @@
                   <a:srgbClr val="ff0000"/>
                 </a:solidFill>
                 <a:latin typeface="Arial"/>
+                <a:ea typeface="DejaVu Sans"/>
               </a:rPr>
               <a:t>-&gt; </a:t>
             </a:r>
@@ -3826,6 +3846,7 @@
                   <a:srgbClr val="ff0000"/>
                 </a:solidFill>
                 <a:latin typeface="Arial"/>
+                <a:ea typeface="DejaVu Sans"/>
               </a:rPr>
               <a:t>file</a:t>
             </a:r>
@@ -3834,7 +3855,7 @@
             </a:endParaRPr>
           </a:p>
           <a:p>
-            <a:pPr lvl="1" marL="864000" indent="-323640">
+            <a:pPr lvl="1" marL="864000" indent="-322920">
               <a:lnSpc>
                 <a:spcPct val="100000"/>
               </a:lnSpc>
@@ -3855,6 +3876,7 @@
                 </a:solidFill>
                 <a:uFillTx/>
                 <a:latin typeface="Arial"/>
+                <a:ea typeface="DejaVu Sans"/>
               </a:rPr>
               <a:t>Condition not verified</a:t>
             </a:r>
@@ -3864,6 +3886,7 @@
                   <a:srgbClr val="ff0000"/>
                 </a:solidFill>
                 <a:latin typeface="Arial"/>
+                <a:ea typeface="DejaVu Sans"/>
               </a:rPr>
               <a:t>: fail -&gt; fail</a:t>
             </a:r>
@@ -3872,7 +3895,7 @@
             </a:endParaRPr>
           </a:p>
           <a:p>
-            <a:pPr marL="742680" indent="-285120">
+            <a:pPr marL="742680" indent="-284400">
               <a:lnSpc>
                 <a:spcPct val="100000"/>
               </a:lnSpc>
@@ -3881,6 +3904,46 @@
               </a:spcBef>
             </a:pPr>
             <a:endParaRPr b="0" lang="en-US" sz="2800" spc="-1" strike="noStrike">
+              <a:latin typeface="Arial"/>
+            </a:endParaRPr>
+          </a:p>
+        </p:txBody>
+      </p:sp>
+      <p:sp>
+        <p:nvSpPr>
+          <p:cNvPr id="106" name="TextShape 3"/>
+          <p:cNvSpPr txBox="1"/>
+          <p:nvPr/>
+        </p:nvSpPr>
+        <p:spPr>
+          <a:xfrm>
+            <a:off x="182880" y="6309720"/>
+            <a:ext cx="365760" cy="399960"/>
+          </a:xfrm>
+          <a:prstGeom prst="rect">
+            <a:avLst/>
+          </a:prstGeom>
+          <a:noFill/>
+          <a:ln>
+            <a:noFill/>
+          </a:ln>
+        </p:spPr>
+        <p:txBody>
+          <a:bodyPr lIns="90000" rIns="90000" tIns="45000" bIns="45000"/>
+          <a:p>
+            <a:r>
+              <a:rPr b="1" lang="en-US" sz="2200" spc="-1" strike="noStrike">
+                <a:solidFill>
+                  <a:srgbClr val="ce181e"/>
+                </a:solidFill>
+                <a:latin typeface="Arial"/>
+              </a:rPr>
+              <a:t>8</a:t>
+            </a:r>
+            <a:endParaRPr b="1" lang="en-US" sz="2200" spc="-1" strike="noStrike">
+              <a:solidFill>
+                <a:srgbClr val="ce181e"/>
+              </a:solidFill>
               <a:latin typeface="Arial"/>
             </a:endParaRPr>
           </a:p>
@@ -3937,14 +4000,14 @@
       </p:grpSpPr>
       <p:sp>
         <p:nvSpPr>
-          <p:cNvPr id="98" name="CustomShape 1"/>
+          <p:cNvPr id="107" name="CustomShape 1"/>
           <p:cNvSpPr/>
           <p:nvPr/>
         </p:nvSpPr>
         <p:spPr>
           <a:xfrm>
             <a:off x="838080" y="365040"/>
-            <a:ext cx="10513800" cy="1323720"/>
+            <a:ext cx="10513080" cy="1323000"/>
           </a:xfrm>
           <a:prstGeom prst="rect">
             <a:avLst/>
@@ -3981,14 +4044,14 @@
       </p:sp>
       <p:sp>
         <p:nvSpPr>
-          <p:cNvPr id="99" name="CustomShape 2"/>
+          <p:cNvPr id="108" name="CustomShape 2"/>
           <p:cNvSpPr/>
           <p:nvPr/>
         </p:nvSpPr>
         <p:spPr>
           <a:xfrm>
             <a:off x="731520" y="1783080"/>
-            <a:ext cx="10972440" cy="2514240"/>
+            <a:ext cx="10971720" cy="2513520"/>
           </a:xfrm>
           <a:prstGeom prst="rect">
             <a:avLst/>
@@ -4009,7 +4072,7 @@
             <a:normAutofit/>
           </a:bodyPr>
           <a:p>
-            <a:pPr marL="432000" indent="-323640">
+            <a:pPr marL="432000" indent="-322920">
               <a:lnSpc>
                 <a:spcPct val="100000"/>
               </a:lnSpc>
@@ -4029,6 +4092,7 @@
                   <a:srgbClr val="ff0000"/>
                 </a:solidFill>
                 <a:latin typeface="Arial"/>
+                <a:ea typeface="DejaVu Sans"/>
               </a:rPr>
               <a:t>(*V*) Y -&gt; I                       </a:t>
             </a:r>
@@ -4037,7 +4101,7 @@
             </a:endParaRPr>
           </a:p>
           <a:p>
-            <a:pPr lvl="1" marL="864000" indent="-323640">
+            <a:pPr lvl="1" marL="864000" indent="-322920">
               <a:lnSpc>
                 <a:spcPct val="100000"/>
               </a:lnSpc>
@@ -4058,6 +4122,7 @@
                 </a:solidFill>
                 <a:uFillTx/>
                 <a:latin typeface="Arial"/>
+                <a:ea typeface="DejaVu Sans"/>
               </a:rPr>
               <a:t>Condition verified</a:t>
             </a:r>
@@ -4067,6 +4132,7 @@
                   <a:srgbClr val="ff0000"/>
                 </a:solidFill>
                 <a:latin typeface="Arial"/>
+                <a:ea typeface="DejaVu Sans"/>
               </a:rPr>
               <a:t>: happy -&gt; happi</a:t>
             </a:r>
@@ -4075,7 +4141,7 @@
             </a:endParaRPr>
           </a:p>
           <a:p>
-            <a:pPr lvl="1" marL="864000" indent="-323640">
+            <a:pPr lvl="1" marL="864000" indent="-322920">
               <a:lnSpc>
                 <a:spcPct val="100000"/>
               </a:lnSpc>
@@ -4096,6 +4162,7 @@
                 </a:solidFill>
                 <a:uFillTx/>
                 <a:latin typeface="Arial"/>
+                <a:ea typeface="DejaVu Sans"/>
               </a:rPr>
               <a:t>Condition not verified</a:t>
             </a:r>
@@ -4105,6 +4172,7 @@
                   <a:srgbClr val="ff0000"/>
                 </a:solidFill>
                 <a:latin typeface="Arial"/>
+                <a:ea typeface="DejaVu Sans"/>
               </a:rPr>
               <a:t>:  sky -&gt; sky</a:t>
             </a:r>
@@ -4126,7 +4194,7 @@
             </a:endParaRPr>
           </a:p>
           <a:p>
-            <a:pPr marL="742680" indent="-285120">
+            <a:pPr marL="742680" indent="-284400">
               <a:lnSpc>
                 <a:spcPct val="100000"/>
               </a:lnSpc>
@@ -4135,6 +4203,46 @@
               </a:spcBef>
             </a:pPr>
             <a:endParaRPr b="0" lang="en-US" sz="3600" spc="-1" strike="noStrike">
+              <a:latin typeface="Arial"/>
+            </a:endParaRPr>
+          </a:p>
+        </p:txBody>
+      </p:sp>
+      <p:sp>
+        <p:nvSpPr>
+          <p:cNvPr id="109" name="TextShape 3"/>
+          <p:cNvSpPr txBox="1"/>
+          <p:nvPr/>
+        </p:nvSpPr>
+        <p:spPr>
+          <a:xfrm>
+            <a:off x="182880" y="6309720"/>
+            <a:ext cx="365760" cy="399960"/>
+          </a:xfrm>
+          <a:prstGeom prst="rect">
+            <a:avLst/>
+          </a:prstGeom>
+          <a:noFill/>
+          <a:ln>
+            <a:noFill/>
+          </a:ln>
+        </p:spPr>
+        <p:txBody>
+          <a:bodyPr lIns="90000" rIns="90000" tIns="45000" bIns="45000"/>
+          <a:p>
+            <a:r>
+              <a:rPr b="1" lang="en-US" sz="2200" spc="-1" strike="noStrike">
+                <a:solidFill>
+                  <a:srgbClr val="ce181e"/>
+                </a:solidFill>
+                <a:latin typeface="Arial"/>
+              </a:rPr>
+              <a:t>9</a:t>
+            </a:r>
+            <a:endParaRPr b="1" lang="en-US" sz="2200" spc="-1" strike="noStrike">
+              <a:solidFill>
+                <a:srgbClr val="ce181e"/>
+              </a:solidFill>
               <a:latin typeface="Arial"/>
             </a:endParaRPr>
           </a:p>
@@ -4191,14 +4299,14 @@
       </p:grpSpPr>
       <p:sp>
         <p:nvSpPr>
-          <p:cNvPr id="100" name="CustomShape 1"/>
+          <p:cNvPr id="110" name="CustomShape 1"/>
           <p:cNvSpPr/>
           <p:nvPr/>
         </p:nvSpPr>
         <p:spPr>
           <a:xfrm>
             <a:off x="838080" y="365040"/>
-            <a:ext cx="10513800" cy="1323720"/>
+            <a:ext cx="10513080" cy="1323000"/>
           </a:xfrm>
           <a:prstGeom prst="rect">
             <a:avLst/>
@@ -4235,14 +4343,14 @@
       </p:sp>
       <p:sp>
         <p:nvSpPr>
-          <p:cNvPr id="101" name="CustomShape 2"/>
+          <p:cNvPr id="111" name="CustomShape 2"/>
           <p:cNvSpPr/>
           <p:nvPr/>
         </p:nvSpPr>
         <p:spPr>
           <a:xfrm>
             <a:off x="1188720" y="1920240"/>
-            <a:ext cx="7446960" cy="4388760"/>
+            <a:ext cx="7446240" cy="4388040"/>
           </a:xfrm>
           <a:prstGeom prst="rect">
             <a:avLst/>
@@ -4263,7 +4371,7 @@
             <a:normAutofit/>
           </a:bodyPr>
           <a:p>
-            <a:pPr marL="432000" indent="-323640">
+            <a:pPr marL="432000" indent="-322920">
               <a:lnSpc>
                 <a:spcPct val="100000"/>
               </a:lnSpc>
@@ -4283,6 +4391,7 @@
                   <a:srgbClr val="ff0000"/>
                 </a:solidFill>
                 <a:latin typeface="Arial"/>
+                <a:ea typeface="DejaVu Sans"/>
               </a:rPr>
               <a:t>(m&gt;0)    ATIONAL  -&gt; ATE </a:t>
             </a:r>
@@ -4291,7 +4400,7 @@
             </a:endParaRPr>
           </a:p>
           <a:p>
-            <a:pPr marL="432000" indent="-323640">
+            <a:pPr marL="432000" indent="-322920">
               <a:lnSpc>
                 <a:spcPct val="100000"/>
               </a:lnSpc>
@@ -4311,6 +4420,7 @@
                   <a:srgbClr val="ff0000"/>
                 </a:solidFill>
                 <a:latin typeface="Arial"/>
+                <a:ea typeface="DejaVu Sans"/>
               </a:rPr>
               <a:t>Relational -&gt; relate</a:t>
             </a:r>
@@ -4319,7 +4429,7 @@
             </a:endParaRPr>
           </a:p>
           <a:p>
-            <a:pPr marL="432000" indent="-323640">
+            <a:pPr marL="432000" indent="-322920">
               <a:lnSpc>
                 <a:spcPct val="100000"/>
               </a:lnSpc>
@@ -4339,6 +4449,7 @@
                   <a:srgbClr val="ff0000"/>
                 </a:solidFill>
                 <a:latin typeface="Arial"/>
+                <a:ea typeface="DejaVu Sans"/>
               </a:rPr>
               <a:t>(m&gt;0)  IZATION -&gt; IZE </a:t>
             </a:r>
@@ -4347,7 +4458,7 @@
             </a:endParaRPr>
           </a:p>
           <a:p>
-            <a:pPr marL="432000" indent="-323640">
+            <a:pPr marL="432000" indent="-322920">
               <a:lnSpc>
                 <a:spcPct val="100000"/>
               </a:lnSpc>
@@ -4367,6 +4478,7 @@
                   <a:srgbClr val="ff0000"/>
                 </a:solidFill>
                 <a:latin typeface="Arial"/>
+                <a:ea typeface="DejaVu Sans"/>
               </a:rPr>
               <a:t>generalization-&gt; generalize</a:t>
             </a:r>
@@ -4375,7 +4487,7 @@
             </a:endParaRPr>
           </a:p>
           <a:p>
-            <a:pPr marL="432000" indent="-323640">
+            <a:pPr marL="432000" indent="-322920">
               <a:lnSpc>
                 <a:spcPct val="100000"/>
               </a:lnSpc>
@@ -4395,6 +4507,7 @@
                   <a:srgbClr val="ff0000"/>
                 </a:solidFill>
                 <a:latin typeface="Arial"/>
+                <a:ea typeface="DejaVu Sans"/>
               </a:rPr>
               <a:t>(m&gt;0) BILITI -&gt; BLE </a:t>
             </a:r>
@@ -4403,7 +4516,7 @@
             </a:endParaRPr>
           </a:p>
           <a:p>
-            <a:pPr marL="432000" indent="-323640">
+            <a:pPr marL="432000" indent="-322920">
               <a:lnSpc>
                 <a:spcPct val="100000"/>
               </a:lnSpc>
@@ -4423,6 +4536,7 @@
                   <a:srgbClr val="ff0000"/>
                 </a:solidFill>
                 <a:latin typeface="Arial"/>
+                <a:ea typeface="DejaVu Sans"/>
               </a:rPr>
               <a:t>sensibiliti -&gt; sensible</a:t>
             </a:r>
@@ -4444,7 +4558,7 @@
             </a:endParaRPr>
           </a:p>
           <a:p>
-            <a:pPr marL="742680" indent="-285120">
+            <a:pPr marL="742680" indent="-284400">
               <a:lnSpc>
                 <a:spcPct val="100000"/>
               </a:lnSpc>
@@ -4453,6 +4567,46 @@
               </a:spcBef>
             </a:pPr>
             <a:endParaRPr b="0" lang="en-US" sz="3200" spc="-1" strike="noStrike">
+              <a:latin typeface="Arial"/>
+            </a:endParaRPr>
+          </a:p>
+        </p:txBody>
+      </p:sp>
+      <p:sp>
+        <p:nvSpPr>
+          <p:cNvPr id="112" name="TextShape 3"/>
+          <p:cNvSpPr txBox="1"/>
+          <p:nvPr/>
+        </p:nvSpPr>
+        <p:spPr>
+          <a:xfrm>
+            <a:off x="182880" y="6309720"/>
+            <a:ext cx="548640" cy="456840"/>
+          </a:xfrm>
+          <a:prstGeom prst="rect">
+            <a:avLst/>
+          </a:prstGeom>
+          <a:noFill/>
+          <a:ln>
+            <a:noFill/>
+          </a:ln>
+        </p:spPr>
+        <p:txBody>
+          <a:bodyPr lIns="90000" rIns="90000" tIns="45000" bIns="45000"/>
+          <a:p>
+            <a:r>
+              <a:rPr b="1" lang="en-US" sz="2200" spc="-1" strike="noStrike">
+                <a:solidFill>
+                  <a:srgbClr val="ce181e"/>
+                </a:solidFill>
+                <a:latin typeface="Arial"/>
+              </a:rPr>
+              <a:t>10</a:t>
+            </a:r>
+            <a:endParaRPr b="1" lang="en-US" sz="2200" spc="-1" strike="noStrike">
+              <a:solidFill>
+                <a:srgbClr val="ce181e"/>
+              </a:solidFill>
               <a:latin typeface="Arial"/>
             </a:endParaRPr>
           </a:p>
@@ -4509,14 +4663,14 @@
       </p:grpSpPr>
       <p:sp>
         <p:nvSpPr>
-          <p:cNvPr id="102" name="CustomShape 1"/>
+          <p:cNvPr id="113" name="CustomShape 1"/>
           <p:cNvSpPr/>
           <p:nvPr/>
         </p:nvSpPr>
         <p:spPr>
           <a:xfrm>
             <a:off x="838080" y="365040"/>
-            <a:ext cx="10513800" cy="1323720"/>
+            <a:ext cx="10513080" cy="1323000"/>
           </a:xfrm>
           <a:prstGeom prst="rect">
             <a:avLst/>
@@ -4553,14 +4707,14 @@
       </p:sp>
       <p:sp>
         <p:nvSpPr>
-          <p:cNvPr id="103" name="CustomShape 2"/>
+          <p:cNvPr id="114" name="CustomShape 2"/>
           <p:cNvSpPr/>
           <p:nvPr/>
         </p:nvSpPr>
         <p:spPr>
           <a:xfrm>
             <a:off x="822960" y="1722240"/>
-            <a:ext cx="8178480" cy="4495320"/>
+            <a:ext cx="8177760" cy="4494600"/>
           </a:xfrm>
           <a:prstGeom prst="rect">
             <a:avLst/>
@@ -4581,7 +4735,7 @@
             <a:normAutofit/>
           </a:bodyPr>
           <a:p>
-            <a:pPr marL="432000" indent="-323640">
+            <a:pPr marL="432000" indent="-322920">
               <a:lnSpc>
                 <a:spcPct val="90000"/>
               </a:lnSpc>
@@ -4601,6 +4755,7 @@
                   <a:srgbClr val="ff0000"/>
                 </a:solidFill>
                 <a:latin typeface="Arial"/>
+                <a:ea typeface="DejaVu Sans"/>
               </a:rPr>
               <a:t>(m&gt;0)  ICATE -&gt; IC </a:t>
             </a:r>
@@ -4609,7 +4764,7 @@
             </a:endParaRPr>
           </a:p>
           <a:p>
-            <a:pPr marL="432000" indent="-323640">
+            <a:pPr marL="432000" indent="-322920">
               <a:lnSpc>
                 <a:spcPct val="90000"/>
               </a:lnSpc>
@@ -4629,6 +4784,7 @@
                   <a:srgbClr val="ff0000"/>
                 </a:solidFill>
                 <a:latin typeface="Arial"/>
+                <a:ea typeface="DejaVu Sans"/>
               </a:rPr>
               <a:t>triplicate -&gt; triplic</a:t>
             </a:r>
@@ -4637,7 +4793,7 @@
             </a:endParaRPr>
           </a:p>
           <a:p>
-            <a:pPr marL="432000" indent="-323640">
+            <a:pPr marL="432000" indent="-322920">
               <a:lnSpc>
                 <a:spcPct val="90000"/>
               </a:lnSpc>
@@ -4657,6 +4813,7 @@
                   <a:srgbClr val="ff0000"/>
                 </a:solidFill>
                 <a:latin typeface="Arial"/>
+                <a:ea typeface="DejaVu Sans"/>
               </a:rPr>
               <a:t>(m&gt;0) FUL -&gt; NULL</a:t>
             </a:r>
@@ -4665,7 +4822,7 @@
             </a:endParaRPr>
           </a:p>
           <a:p>
-            <a:pPr marL="432000" indent="-323640">
+            <a:pPr marL="432000" indent="-322920">
               <a:lnSpc>
                 <a:spcPct val="90000"/>
               </a:lnSpc>
@@ -4685,6 +4842,7 @@
                   <a:srgbClr val="ff0000"/>
                 </a:solidFill>
                 <a:latin typeface="Arial"/>
+                <a:ea typeface="DejaVu Sans"/>
               </a:rPr>
               <a:t>hopeful -&gt; hope</a:t>
             </a:r>
@@ -4693,7 +4851,7 @@
             </a:endParaRPr>
           </a:p>
           <a:p>
-            <a:pPr marL="432000" indent="-323640">
+            <a:pPr marL="432000" indent="-322920">
               <a:lnSpc>
                 <a:spcPct val="90000"/>
               </a:lnSpc>
@@ -4713,6 +4871,7 @@
                   <a:srgbClr val="ff0000"/>
                 </a:solidFill>
                 <a:latin typeface="Arial"/>
+                <a:ea typeface="DejaVu Sans"/>
               </a:rPr>
               <a:t>(m&gt;0) NESS -&gt; NULL  </a:t>
             </a:r>
@@ -4721,7 +4880,7 @@
             </a:endParaRPr>
           </a:p>
           <a:p>
-            <a:pPr marL="432000" indent="-323640">
+            <a:pPr marL="432000" indent="-322920">
               <a:lnSpc>
                 <a:spcPct val="90000"/>
               </a:lnSpc>
@@ -4741,6 +4900,7 @@
                   <a:srgbClr val="ff0000"/>
                 </a:solidFill>
                 <a:latin typeface="Arial"/>
+                <a:ea typeface="DejaVu Sans"/>
               </a:rPr>
               <a:t>goodness -&gt; good</a:t>
             </a:r>
@@ -4749,7 +4909,7 @@
             </a:endParaRPr>
           </a:p>
           <a:p>
-            <a:pPr marL="742680" indent="-285120">
+            <a:pPr marL="742680" indent="-284400">
               <a:lnSpc>
                 <a:spcPct val="90000"/>
               </a:lnSpc>
@@ -4758,6 +4918,46 @@
               </a:spcBef>
             </a:pPr>
             <a:endParaRPr b="0" lang="en-US" sz="3200" spc="-1" strike="noStrike">
+              <a:latin typeface="Arial"/>
+            </a:endParaRPr>
+          </a:p>
+        </p:txBody>
+      </p:sp>
+      <p:sp>
+        <p:nvSpPr>
+          <p:cNvPr id="115" name="TextShape 3"/>
+          <p:cNvSpPr txBox="1"/>
+          <p:nvPr/>
+        </p:nvSpPr>
+        <p:spPr>
+          <a:xfrm>
+            <a:off x="182880" y="6310080"/>
+            <a:ext cx="548640" cy="456840"/>
+          </a:xfrm>
+          <a:prstGeom prst="rect">
+            <a:avLst/>
+          </a:prstGeom>
+          <a:noFill/>
+          <a:ln>
+            <a:noFill/>
+          </a:ln>
+        </p:spPr>
+        <p:txBody>
+          <a:bodyPr lIns="90000" rIns="90000" tIns="45000" bIns="45000"/>
+          <a:p>
+            <a:r>
+              <a:rPr b="1" lang="en-US" sz="2200" spc="-1" strike="noStrike">
+                <a:solidFill>
+                  <a:srgbClr val="ce181e"/>
+                </a:solidFill>
+                <a:latin typeface="Arial"/>
+              </a:rPr>
+              <a:t>11</a:t>
+            </a:r>
+            <a:endParaRPr b="1" lang="en-US" sz="2200" spc="-1" strike="noStrike">
+              <a:solidFill>
+                <a:srgbClr val="ce181e"/>
+              </a:solidFill>
               <a:latin typeface="Arial"/>
             </a:endParaRPr>
           </a:p>
@@ -4814,14 +5014,14 @@
       </p:grpSpPr>
       <p:sp>
         <p:nvSpPr>
-          <p:cNvPr id="104" name="CustomShape 1"/>
+          <p:cNvPr id="116" name="CustomShape 1"/>
           <p:cNvSpPr/>
           <p:nvPr/>
         </p:nvSpPr>
         <p:spPr>
           <a:xfrm>
             <a:off x="838080" y="365040"/>
-            <a:ext cx="10513800" cy="1323720"/>
+            <a:ext cx="10513080" cy="1323000"/>
           </a:xfrm>
           <a:prstGeom prst="rect">
             <a:avLst/>
@@ -4858,14 +5058,14 @@
       </p:sp>
       <p:sp>
         <p:nvSpPr>
-          <p:cNvPr id="105" name="CustomShape 2"/>
+          <p:cNvPr id="117" name="CustomShape 2"/>
           <p:cNvSpPr/>
           <p:nvPr/>
         </p:nvSpPr>
         <p:spPr>
           <a:xfrm>
             <a:off x="873720" y="1689120"/>
-            <a:ext cx="8178480" cy="4495320"/>
+            <a:ext cx="8177760" cy="4494600"/>
           </a:xfrm>
           <a:prstGeom prst="rect">
             <a:avLst/>
@@ -4886,7 +5086,7 @@
             <a:normAutofit/>
           </a:bodyPr>
           <a:p>
-            <a:pPr marL="432000" indent="-323640">
+            <a:pPr marL="432000" indent="-322920">
               <a:lnSpc>
                 <a:spcPct val="90000"/>
               </a:lnSpc>
@@ -4906,6 +5106,7 @@
                   <a:srgbClr val="ff0000"/>
                 </a:solidFill>
                 <a:latin typeface="Arial"/>
+                <a:ea typeface="DejaVu Sans"/>
               </a:rPr>
               <a:t>(m&gt;0) ANCE -&gt; NULL  </a:t>
             </a:r>
@@ -4914,7 +5115,7 @@
             </a:endParaRPr>
           </a:p>
           <a:p>
-            <a:pPr marL="432000" indent="-323640">
+            <a:pPr marL="432000" indent="-322920">
               <a:lnSpc>
                 <a:spcPct val="90000"/>
               </a:lnSpc>
@@ -4934,6 +5135,7 @@
                   <a:srgbClr val="ff0000"/>
                 </a:solidFill>
                 <a:latin typeface="Arial"/>
+                <a:ea typeface="DejaVu Sans"/>
               </a:rPr>
               <a:t>allowance-&gt; allow</a:t>
             </a:r>
@@ -4942,7 +5144,7 @@
             </a:endParaRPr>
           </a:p>
           <a:p>
-            <a:pPr marL="432000" indent="-323640">
+            <a:pPr marL="432000" indent="-322920">
               <a:lnSpc>
                 <a:spcPct val="90000"/>
               </a:lnSpc>
@@ -4962,6 +5164,7 @@
                   <a:srgbClr val="ff0000"/>
                 </a:solidFill>
                 <a:latin typeface="Arial"/>
+                <a:ea typeface="DejaVu Sans"/>
               </a:rPr>
               <a:t>(m&gt;0) ENT -&gt; NULL  </a:t>
             </a:r>
@@ -4970,7 +5173,7 @@
             </a:endParaRPr>
           </a:p>
           <a:p>
-            <a:pPr marL="432000" indent="-323640">
+            <a:pPr marL="432000" indent="-322920">
               <a:lnSpc>
                 <a:spcPct val="90000"/>
               </a:lnSpc>
@@ -4990,6 +5193,7 @@
                   <a:srgbClr val="ff0000"/>
                 </a:solidFill>
                 <a:latin typeface="Arial"/>
+                <a:ea typeface="DejaVu Sans"/>
               </a:rPr>
               <a:t>dependent-&gt; depend</a:t>
             </a:r>
@@ -4998,7 +5202,7 @@
             </a:endParaRPr>
           </a:p>
           <a:p>
-            <a:pPr marL="432000" indent="-323640">
+            <a:pPr marL="432000" indent="-322920">
               <a:lnSpc>
                 <a:spcPct val="90000"/>
               </a:lnSpc>
@@ -5018,6 +5222,7 @@
                   <a:srgbClr val="ff0000"/>
                 </a:solidFill>
                 <a:latin typeface="Arial"/>
+                <a:ea typeface="DejaVu Sans"/>
               </a:rPr>
               <a:t>(m&gt;0) IVE -&gt; NULL  </a:t>
             </a:r>
@@ -5026,7 +5231,7 @@
             </a:endParaRPr>
           </a:p>
           <a:p>
-            <a:pPr marL="432000" indent="-323640">
+            <a:pPr marL="432000" indent="-322920">
               <a:lnSpc>
                 <a:spcPct val="90000"/>
               </a:lnSpc>
@@ -5046,6 +5251,7 @@
                   <a:srgbClr val="ff0000"/>
                 </a:solidFill>
                 <a:latin typeface="Arial"/>
+                <a:ea typeface="DejaVu Sans"/>
               </a:rPr>
               <a:t>effective -&gt; effect</a:t>
             </a:r>
@@ -5054,7 +5260,7 @@
             </a:endParaRPr>
           </a:p>
           <a:p>
-            <a:pPr marL="742680" indent="-285120">
+            <a:pPr marL="742680" indent="-284400">
               <a:lnSpc>
                 <a:spcPct val="90000"/>
               </a:lnSpc>
@@ -5063,6 +5269,46 @@
               </a:spcBef>
             </a:pPr>
             <a:endParaRPr b="0" lang="en-US" sz="3200" spc="-1" strike="noStrike">
+              <a:latin typeface="Arial"/>
+            </a:endParaRPr>
+          </a:p>
+        </p:txBody>
+      </p:sp>
+      <p:sp>
+        <p:nvSpPr>
+          <p:cNvPr id="118" name="TextShape 3"/>
+          <p:cNvSpPr txBox="1"/>
+          <p:nvPr/>
+        </p:nvSpPr>
+        <p:spPr>
+          <a:xfrm>
+            <a:off x="182880" y="6310080"/>
+            <a:ext cx="548640" cy="456840"/>
+          </a:xfrm>
+          <a:prstGeom prst="rect">
+            <a:avLst/>
+          </a:prstGeom>
+          <a:noFill/>
+          <a:ln>
+            <a:noFill/>
+          </a:ln>
+        </p:spPr>
+        <p:txBody>
+          <a:bodyPr lIns="90000" rIns="90000" tIns="45000" bIns="45000"/>
+          <a:p>
+            <a:r>
+              <a:rPr b="1" lang="en-US" sz="2200" spc="-1" strike="noStrike">
+                <a:solidFill>
+                  <a:srgbClr val="ce181e"/>
+                </a:solidFill>
+                <a:latin typeface="Arial"/>
+              </a:rPr>
+              <a:t>12</a:t>
+            </a:r>
+            <a:endParaRPr b="1" lang="en-US" sz="2200" spc="-1" strike="noStrike">
+              <a:solidFill>
+                <a:srgbClr val="ce181e"/>
+              </a:solidFill>
               <a:latin typeface="Arial"/>
             </a:endParaRPr>
           </a:p>
@@ -5119,14 +5365,14 @@
       </p:grpSpPr>
       <p:sp>
         <p:nvSpPr>
-          <p:cNvPr id="106" name="CustomShape 1"/>
+          <p:cNvPr id="119" name="CustomShape 1"/>
           <p:cNvSpPr/>
           <p:nvPr/>
         </p:nvSpPr>
         <p:spPr>
           <a:xfrm>
             <a:off x="838080" y="365040"/>
-            <a:ext cx="10513800" cy="1323720"/>
+            <a:ext cx="10513080" cy="1323000"/>
           </a:xfrm>
           <a:prstGeom prst="rect">
             <a:avLst/>
@@ -5163,14 +5409,14 @@
       </p:sp>
       <p:sp>
         <p:nvSpPr>
-          <p:cNvPr id="107" name="CustomShape 2"/>
+          <p:cNvPr id="120" name="CustomShape 2"/>
           <p:cNvSpPr/>
           <p:nvPr/>
         </p:nvSpPr>
         <p:spPr>
           <a:xfrm>
             <a:off x="914400" y="1600200"/>
-            <a:ext cx="10149480" cy="5074560"/>
+            <a:ext cx="10148760" cy="5073840"/>
           </a:xfrm>
           <a:prstGeom prst="rect">
             <a:avLst/>
@@ -5191,7 +5437,7 @@
             <a:normAutofit/>
           </a:bodyPr>
           <a:p>
-            <a:pPr marL="432000" indent="-323640">
+            <a:pPr marL="432000" indent="-322920">
               <a:lnSpc>
                 <a:spcPct val="100000"/>
               </a:lnSpc>
@@ -5211,6 +5457,7 @@
                   <a:srgbClr val="336699"/>
                 </a:solidFill>
                 <a:latin typeface="Arial"/>
+                <a:ea typeface="DejaVu Sans"/>
               </a:rPr>
               <a:t>Step 7a:</a:t>
             </a:r>
@@ -5219,7 +5466,7 @@
             </a:endParaRPr>
           </a:p>
           <a:p>
-            <a:pPr lvl="1" marL="864000" indent="-323640">
+            <a:pPr lvl="1" marL="864000" indent="-322920">
               <a:lnSpc>
                 <a:spcPct val="100000"/>
               </a:lnSpc>
@@ -5239,6 +5486,7 @@
                   <a:srgbClr val="ff0000"/>
                 </a:solidFill>
                 <a:latin typeface="Arial"/>
+                <a:ea typeface="DejaVu Sans"/>
               </a:rPr>
               <a:t>(m&gt;1) E -&gt; NULL  </a:t>
             </a:r>
@@ -5247,7 +5495,7 @@
             </a:endParaRPr>
           </a:p>
           <a:p>
-            <a:pPr lvl="2" marL="1296000" indent="-287640">
+            <a:pPr lvl="2" marL="1296000" indent="-286920">
               <a:lnSpc>
                 <a:spcPct val="100000"/>
               </a:lnSpc>
@@ -5267,6 +5515,7 @@
                   <a:srgbClr val="ff0000"/>
                 </a:solidFill>
                 <a:latin typeface="Arial"/>
+                <a:ea typeface="DejaVu Sans"/>
               </a:rPr>
               <a:t>probate -&gt; probat</a:t>
             </a:r>
@@ -5275,7 +5524,7 @@
             </a:endParaRPr>
           </a:p>
           <a:p>
-            <a:pPr lvl="1" marL="864000" indent="-323640">
+            <a:pPr lvl="1" marL="864000" indent="-322920">
               <a:lnSpc>
                 <a:spcPct val="100000"/>
               </a:lnSpc>
@@ -5295,6 +5544,7 @@
                   <a:srgbClr val="ff0000"/>
                 </a:solidFill>
                 <a:latin typeface="Arial"/>
+                <a:ea typeface="DejaVu Sans"/>
               </a:rPr>
               <a:t>(m=1 &amp; !*o) NESS -&gt; NULL  </a:t>
             </a:r>
@@ -5303,7 +5553,7 @@
             </a:endParaRPr>
           </a:p>
           <a:p>
-            <a:pPr lvl="2" marL="1296000" indent="-287640">
+            <a:pPr lvl="2" marL="1296000" indent="-286920">
               <a:lnSpc>
                 <a:spcPct val="100000"/>
               </a:lnSpc>
@@ -5323,6 +5573,7 @@
                   <a:srgbClr val="ff0000"/>
                 </a:solidFill>
                 <a:latin typeface="Arial"/>
+                <a:ea typeface="DejaVu Sans"/>
               </a:rPr>
               <a:t>goodness -&gt; good</a:t>
             </a:r>
@@ -5331,7 +5582,7 @@
             </a:endParaRPr>
           </a:p>
           <a:p>
-            <a:pPr marL="432000" indent="-323640">
+            <a:pPr marL="432000" indent="-322920">
               <a:lnSpc>
                 <a:spcPct val="100000"/>
               </a:lnSpc>
@@ -5351,6 +5602,7 @@
                   <a:srgbClr val="336699"/>
                 </a:solidFill>
                 <a:latin typeface="Arial"/>
+                <a:ea typeface="DejaVu Sans"/>
               </a:rPr>
               <a:t>Step 7b:</a:t>
             </a:r>
@@ -5359,7 +5611,7 @@
             </a:endParaRPr>
           </a:p>
           <a:p>
-            <a:pPr lvl="1" marL="864000" indent="-323640">
+            <a:pPr lvl="1" marL="864000" indent="-322920">
               <a:lnSpc>
                 <a:spcPct val="100000"/>
               </a:lnSpc>
@@ -5379,6 +5631,7 @@
                   <a:srgbClr val="ff0000"/>
                 </a:solidFill>
                 <a:latin typeface="Arial"/>
+                <a:ea typeface="DejaVu Sans"/>
               </a:rPr>
               <a:t>(m&gt;1 &amp; *d &amp; *L) -&gt; single letter </a:t>
             </a:r>
@@ -5387,7 +5640,7 @@
             </a:endParaRPr>
           </a:p>
           <a:p>
-            <a:pPr lvl="2" marL="1296000" indent="-287640">
+            <a:pPr lvl="2" marL="1296000" indent="-286920">
               <a:lnSpc>
                 <a:spcPct val="100000"/>
               </a:lnSpc>
@@ -5408,6 +5661,7 @@
                 </a:solidFill>
                 <a:uFillTx/>
                 <a:latin typeface="Arial"/>
+                <a:ea typeface="DejaVu Sans"/>
               </a:rPr>
               <a:t>Condition verified</a:t>
             </a:r>
@@ -5417,6 +5671,7 @@
                   <a:srgbClr val="ff0000"/>
                 </a:solidFill>
                 <a:latin typeface="Arial"/>
+                <a:ea typeface="DejaVu Sans"/>
               </a:rPr>
               <a:t>: controll -&gt; control</a:t>
             </a:r>
@@ -5425,7 +5680,7 @@
             </a:endParaRPr>
           </a:p>
           <a:p>
-            <a:pPr lvl="2" marL="1296000" indent="-287640">
+            <a:pPr lvl="2" marL="1296000" indent="-286920">
               <a:lnSpc>
                 <a:spcPct val="100000"/>
               </a:lnSpc>
@@ -5446,6 +5701,7 @@
                 </a:solidFill>
                 <a:uFillTx/>
                 <a:latin typeface="Arial"/>
+                <a:ea typeface="DejaVu Sans"/>
               </a:rPr>
               <a:t>Condition not verified</a:t>
             </a:r>
@@ -5455,6 +5711,7 @@
                   <a:srgbClr val="ff0000"/>
                 </a:solidFill>
                 <a:latin typeface="Arial"/>
+                <a:ea typeface="DejaVu Sans"/>
               </a:rPr>
               <a:t>: roll -&gt; roll</a:t>
             </a:r>
@@ -5463,7 +5720,7 @@
             </a:endParaRPr>
           </a:p>
           <a:p>
-            <a:pPr marL="742680" indent="-285120">
+            <a:pPr marL="742680" indent="-284400">
               <a:lnSpc>
                 <a:spcPct val="100000"/>
               </a:lnSpc>
@@ -5472,6 +5729,46 @@
               </a:spcBef>
             </a:pPr>
             <a:endParaRPr b="0" lang="en-US" sz="3200" spc="-1" strike="noStrike">
+              <a:latin typeface="Arial"/>
+            </a:endParaRPr>
+          </a:p>
+        </p:txBody>
+      </p:sp>
+      <p:sp>
+        <p:nvSpPr>
+          <p:cNvPr id="121" name="TextShape 3"/>
+          <p:cNvSpPr txBox="1"/>
+          <p:nvPr/>
+        </p:nvSpPr>
+        <p:spPr>
+          <a:xfrm>
+            <a:off x="182880" y="6310080"/>
+            <a:ext cx="548640" cy="456840"/>
+          </a:xfrm>
+          <a:prstGeom prst="rect">
+            <a:avLst/>
+          </a:prstGeom>
+          <a:noFill/>
+          <a:ln>
+            <a:noFill/>
+          </a:ln>
+        </p:spPr>
+        <p:txBody>
+          <a:bodyPr lIns="90000" rIns="90000" tIns="45000" bIns="45000"/>
+          <a:p>
+            <a:r>
+              <a:rPr b="1" lang="en-US" sz="2200" spc="-1" strike="noStrike">
+                <a:solidFill>
+                  <a:srgbClr val="ce181e"/>
+                </a:solidFill>
+                <a:latin typeface="Arial"/>
+              </a:rPr>
+              <a:t>13</a:t>
+            </a:r>
+            <a:endParaRPr b="1" lang="en-US" sz="2200" spc="-1" strike="noStrike">
+              <a:solidFill>
+                <a:srgbClr val="ce181e"/>
+              </a:solidFill>
               <a:latin typeface="Arial"/>
             </a:endParaRPr>
           </a:p>
@@ -5528,14 +5825,14 @@
       </p:grpSpPr>
       <p:sp>
         <p:nvSpPr>
-          <p:cNvPr id="108" name="CustomShape 1"/>
+          <p:cNvPr id="122" name="CustomShape 1"/>
           <p:cNvSpPr/>
           <p:nvPr/>
         </p:nvSpPr>
         <p:spPr>
           <a:xfrm>
             <a:off x="838080" y="365040"/>
-            <a:ext cx="10513800" cy="1323720"/>
+            <a:ext cx="10513080" cy="1323000"/>
           </a:xfrm>
           <a:prstGeom prst="rect">
             <a:avLst/>
@@ -5577,14 +5874,14 @@
       </p:sp>
       <p:sp>
         <p:nvSpPr>
-          <p:cNvPr id="109" name="CustomShape 2"/>
+          <p:cNvPr id="123" name="CustomShape 2"/>
           <p:cNvSpPr/>
           <p:nvPr/>
         </p:nvSpPr>
         <p:spPr>
           <a:xfrm>
             <a:off x="822960" y="1188720"/>
-            <a:ext cx="9235080" cy="5394600"/>
+            <a:ext cx="9234360" cy="5393880"/>
           </a:xfrm>
           <a:prstGeom prst="rect">
             <a:avLst/>
@@ -5605,7 +5902,7 @@
             <a:normAutofit/>
           </a:bodyPr>
           <a:p>
-            <a:pPr marL="432000" indent="-323640">
+            <a:pPr marL="432000" indent="-322920">
               <a:lnSpc>
                 <a:spcPct val="100000"/>
               </a:lnSpc>
@@ -5621,7 +5918,11 @@
             </a:pPr>
             <a:r>
               <a:rPr b="0" i="1" lang="en-US" sz="3200" spc="-1" strike="noStrike">
-                <a:latin typeface="Arial"/>
+                <a:solidFill>
+                  <a:srgbClr val="000000"/>
+                </a:solidFill>
+                <a:latin typeface="Arial"/>
+                <a:ea typeface="DejaVu Sans"/>
               </a:rPr>
               <a:t> </a:t>
             </a:r>
@@ -5630,7 +5931,7 @@
             </a:endParaRPr>
           </a:p>
           <a:p>
-            <a:pPr marL="432000" indent="-323640">
+            <a:pPr marL="432000" indent="-322920">
               <a:lnSpc>
                 <a:spcPct val="100000"/>
               </a:lnSpc>
@@ -5650,6 +5951,7 @@
                   <a:srgbClr val="ce181e"/>
                 </a:solidFill>
                 <a:latin typeface="Arial"/>
+                <a:ea typeface="DejaVu Sans"/>
               </a:rPr>
               <a:t>controlling</a:t>
             </a:r>
@@ -5658,7 +5960,7 @@
             </a:endParaRPr>
           </a:p>
           <a:p>
-            <a:pPr lvl="1" marL="864000" indent="-323640">
+            <a:pPr lvl="1" marL="864000" indent="-322920">
               <a:lnSpc>
                 <a:spcPct val="100000"/>
               </a:lnSpc>
@@ -5678,6 +5980,7 @@
                   <a:srgbClr val="ce181e"/>
                 </a:solidFill>
                 <a:latin typeface="Arial"/>
+                <a:ea typeface="DejaVu Sans"/>
               </a:rPr>
               <a:t>Step 2a, Rule 3: -&gt; </a:t>
             </a:r>
@@ -5687,6 +5990,7 @@
                   <a:srgbClr val="ce181e"/>
                 </a:solidFill>
                 <a:latin typeface="Arial"/>
+                <a:ea typeface="DejaVu Sans"/>
               </a:rPr>
               <a:t>controll</a:t>
             </a:r>
@@ -5695,7 +5999,7 @@
             </a:endParaRPr>
           </a:p>
           <a:p>
-            <a:pPr lvl="1" marL="864000" indent="-323640">
+            <a:pPr lvl="1" marL="864000" indent="-322920">
               <a:lnSpc>
                 <a:spcPct val="100000"/>
               </a:lnSpc>
@@ -5715,6 +6019,7 @@
                   <a:srgbClr val="ce181e"/>
                 </a:solidFill>
                 <a:latin typeface="Arial"/>
+                <a:ea typeface="DejaVu Sans"/>
               </a:rPr>
               <a:t>Step 7b : -&gt;</a:t>
             </a:r>
@@ -5724,6 +6029,7 @@
                   <a:srgbClr val="ce181e"/>
                 </a:solidFill>
                 <a:latin typeface="Arial"/>
+                <a:ea typeface="DejaVu Sans"/>
               </a:rPr>
               <a:t> control</a:t>
             </a:r>
@@ -5732,7 +6038,7 @@
             </a:endParaRPr>
           </a:p>
           <a:p>
-            <a:pPr marL="432000" indent="-323640">
+            <a:pPr marL="432000" indent="-322920">
               <a:lnSpc>
                 <a:spcPct val="100000"/>
               </a:lnSpc>
@@ -5752,6 +6058,7 @@
                   <a:srgbClr val="ce181e"/>
                 </a:solidFill>
                 <a:latin typeface="Arial"/>
+                <a:ea typeface="DejaVu Sans"/>
               </a:rPr>
               <a:t>generalizations</a:t>
             </a:r>
@@ -5760,7 +6067,7 @@
             </a:endParaRPr>
           </a:p>
           <a:p>
-            <a:pPr lvl="1" marL="864000" indent="-323640">
+            <a:pPr lvl="1" marL="864000" indent="-322920">
               <a:lnSpc>
                 <a:spcPct val="100000"/>
               </a:lnSpc>
@@ -5780,6 +6087,7 @@
                   <a:srgbClr val="ce181e"/>
                 </a:solidFill>
                 <a:latin typeface="Arial"/>
+                <a:ea typeface="DejaVu Sans"/>
               </a:rPr>
               <a:t>Step 1, Rule 4: -&gt;</a:t>
             </a:r>
@@ -5789,6 +6097,7 @@
                   <a:srgbClr val="ce181e"/>
                 </a:solidFill>
                 <a:latin typeface="Arial"/>
+                <a:ea typeface="DejaVu Sans"/>
               </a:rPr>
               <a:t> generalization</a:t>
             </a:r>
@@ -5797,7 +6106,7 @@
             </a:endParaRPr>
           </a:p>
           <a:p>
-            <a:pPr lvl="1" marL="864000" indent="-323640">
+            <a:pPr lvl="1" marL="864000" indent="-322920">
               <a:lnSpc>
                 <a:spcPct val="100000"/>
               </a:lnSpc>
@@ -5817,6 +6126,7 @@
                   <a:srgbClr val="ce181e"/>
                 </a:solidFill>
                 <a:latin typeface="Arial"/>
+                <a:ea typeface="DejaVu Sans"/>
               </a:rPr>
               <a:t>Step 4, Rule 11: -&gt;</a:t>
             </a:r>
@@ -5826,6 +6136,7 @@
                   <a:srgbClr val="ce181e"/>
                 </a:solidFill>
                 <a:latin typeface="Arial"/>
+                <a:ea typeface="DejaVu Sans"/>
               </a:rPr>
               <a:t> generalize</a:t>
             </a:r>
@@ -5834,7 +6145,7 @@
             </a:endParaRPr>
           </a:p>
           <a:p>
-            <a:pPr lvl="1" marL="864000" indent="-323640">
+            <a:pPr lvl="1" marL="864000" indent="-322920">
               <a:lnSpc>
                 <a:spcPct val="100000"/>
               </a:lnSpc>
@@ -5854,6 +6165,7 @@
                   <a:srgbClr val="ce181e"/>
                 </a:solidFill>
                 <a:latin typeface="Arial"/>
+                <a:ea typeface="DejaVu Sans"/>
               </a:rPr>
               <a:t>Step 6,  last rule: -&gt;</a:t>
             </a:r>
@@ -5863,6 +6175,7 @@
                   <a:srgbClr val="ce181e"/>
                 </a:solidFill>
                 <a:latin typeface="Arial"/>
+                <a:ea typeface="DejaVu Sans"/>
               </a:rPr>
               <a:t> general</a:t>
             </a:r>
@@ -5880,6 +6193,46 @@
               </a:spcBef>
             </a:pPr>
             <a:endParaRPr b="0" lang="en-US" sz="2800" spc="-1" strike="noStrike">
+              <a:latin typeface="Arial"/>
+            </a:endParaRPr>
+          </a:p>
+        </p:txBody>
+      </p:sp>
+      <p:sp>
+        <p:nvSpPr>
+          <p:cNvPr id="124" name="TextShape 3"/>
+          <p:cNvSpPr txBox="1"/>
+          <p:nvPr/>
+        </p:nvSpPr>
+        <p:spPr>
+          <a:xfrm>
+            <a:off x="182880" y="6310080"/>
+            <a:ext cx="548640" cy="456840"/>
+          </a:xfrm>
+          <a:prstGeom prst="rect">
+            <a:avLst/>
+          </a:prstGeom>
+          <a:noFill/>
+          <a:ln>
+            <a:noFill/>
+          </a:ln>
+        </p:spPr>
+        <p:txBody>
+          <a:bodyPr lIns="90000" rIns="90000" tIns="45000" bIns="45000"/>
+          <a:p>
+            <a:r>
+              <a:rPr b="1" lang="en-US" sz="2200" spc="-1" strike="noStrike">
+                <a:solidFill>
+                  <a:srgbClr val="ce181e"/>
+                </a:solidFill>
+                <a:latin typeface="Arial"/>
+              </a:rPr>
+              <a:t>14</a:t>
+            </a:r>
+            <a:endParaRPr b="1" lang="en-US" sz="2200" spc="-1" strike="noStrike">
+              <a:solidFill>
+                <a:srgbClr val="ce181e"/>
+              </a:solidFill>
               <a:latin typeface="Arial"/>
             </a:endParaRPr>
           </a:p>
@@ -5936,14 +6289,14 @@
       </p:grpSpPr>
       <p:sp>
         <p:nvSpPr>
-          <p:cNvPr id="110" name="CustomShape 1"/>
+          <p:cNvPr id="125" name="CustomShape 1"/>
           <p:cNvSpPr/>
           <p:nvPr/>
         </p:nvSpPr>
         <p:spPr>
           <a:xfrm>
             <a:off x="838080" y="365040"/>
-            <a:ext cx="10513800" cy="1323720"/>
+            <a:ext cx="10513080" cy="1323000"/>
           </a:xfrm>
           <a:prstGeom prst="rect">
             <a:avLst/>
@@ -5985,14 +6338,14 @@
       </p:sp>
       <p:sp>
         <p:nvSpPr>
-          <p:cNvPr id="111" name="CustomShape 2"/>
+          <p:cNvPr id="126" name="CustomShape 2"/>
           <p:cNvSpPr/>
           <p:nvPr/>
         </p:nvSpPr>
         <p:spPr>
           <a:xfrm>
             <a:off x="1005840" y="1828800"/>
-            <a:ext cx="8503560" cy="2039040"/>
+            <a:ext cx="8502840" cy="2038320"/>
           </a:xfrm>
           <a:prstGeom prst="rect">
             <a:avLst/>
@@ -6187,6 +6540,46 @@
               <a:t>differenti</a:t>
             </a:r>
             <a:endParaRPr b="0" lang="en-US" sz="3200" spc="-1" strike="noStrike">
+              <a:latin typeface="Arial"/>
+            </a:endParaRPr>
+          </a:p>
+        </p:txBody>
+      </p:sp>
+      <p:sp>
+        <p:nvSpPr>
+          <p:cNvPr id="127" name="TextShape 3"/>
+          <p:cNvSpPr txBox="1"/>
+          <p:nvPr/>
+        </p:nvSpPr>
+        <p:spPr>
+          <a:xfrm>
+            <a:off x="182880" y="6310080"/>
+            <a:ext cx="548640" cy="456840"/>
+          </a:xfrm>
+          <a:prstGeom prst="rect">
+            <a:avLst/>
+          </a:prstGeom>
+          <a:noFill/>
+          <a:ln>
+            <a:noFill/>
+          </a:ln>
+        </p:spPr>
+        <p:txBody>
+          <a:bodyPr lIns="90000" rIns="90000" tIns="45000" bIns="45000"/>
+          <a:p>
+            <a:r>
+              <a:rPr b="1" lang="en-US" sz="2200" spc="-1" strike="noStrike">
+                <a:solidFill>
+                  <a:srgbClr val="ce181e"/>
+                </a:solidFill>
+                <a:latin typeface="Arial"/>
+              </a:rPr>
+              <a:t>15</a:t>
+            </a:r>
+            <a:endParaRPr b="1" lang="en-US" sz="2200" spc="-1" strike="noStrike">
+              <a:solidFill>
+                <a:srgbClr val="ce181e"/>
+              </a:solidFill>
               <a:latin typeface="Arial"/>
             </a:endParaRPr>
           </a:p>
@@ -6243,14 +6636,14 @@
       </p:grpSpPr>
       <p:sp>
         <p:nvSpPr>
-          <p:cNvPr id="112" name="CustomShape 1"/>
+          <p:cNvPr id="128" name="CustomShape 1"/>
           <p:cNvSpPr/>
           <p:nvPr/>
         </p:nvSpPr>
         <p:spPr>
           <a:xfrm>
             <a:off x="838080" y="365040"/>
-            <a:ext cx="10513800" cy="1323720"/>
+            <a:ext cx="10513080" cy="1323000"/>
           </a:xfrm>
           <a:prstGeom prst="rect">
             <a:avLst/>
@@ -6292,14 +6685,14 @@
       </p:sp>
       <p:sp>
         <p:nvSpPr>
-          <p:cNvPr id="113" name="CustomShape 2"/>
+          <p:cNvPr id="129" name="CustomShape 2"/>
           <p:cNvSpPr/>
           <p:nvPr/>
         </p:nvSpPr>
         <p:spPr>
           <a:xfrm>
             <a:off x="876960" y="1369440"/>
-            <a:ext cx="10553040" cy="5214240"/>
+            <a:ext cx="10552320" cy="5213520"/>
           </a:xfrm>
           <a:prstGeom prst="rect">
             <a:avLst/>
@@ -6455,6 +6848,46 @@
               <a:t>This paper is builds upon Porter (1980) because it provided a method for evaluating stemming algorithm presented in Porter (1980).</a:t>
             </a:r>
             <a:endParaRPr b="0" lang="en-US" sz="3600" spc="-1" strike="noStrike">
+              <a:latin typeface="Arial"/>
+            </a:endParaRPr>
+          </a:p>
+        </p:txBody>
+      </p:sp>
+      <p:sp>
+        <p:nvSpPr>
+          <p:cNvPr id="130" name="TextShape 3"/>
+          <p:cNvSpPr txBox="1"/>
+          <p:nvPr/>
+        </p:nvSpPr>
+        <p:spPr>
+          <a:xfrm>
+            <a:off x="182880" y="6310080"/>
+            <a:ext cx="548640" cy="456840"/>
+          </a:xfrm>
+          <a:prstGeom prst="rect">
+            <a:avLst/>
+          </a:prstGeom>
+          <a:noFill/>
+          <a:ln>
+            <a:noFill/>
+          </a:ln>
+        </p:spPr>
+        <p:txBody>
+          <a:bodyPr lIns="90000" rIns="90000" tIns="45000" bIns="45000"/>
+          <a:p>
+            <a:r>
+              <a:rPr b="1" lang="en-US" sz="2200" spc="-1" strike="noStrike">
+                <a:solidFill>
+                  <a:srgbClr val="ce181e"/>
+                </a:solidFill>
+                <a:latin typeface="Arial"/>
+              </a:rPr>
+              <a:t>16</a:t>
+            </a:r>
+            <a:endParaRPr b="1" lang="en-US" sz="2200" spc="-1" strike="noStrike">
+              <a:solidFill>
+                <a:srgbClr val="ce181e"/>
+              </a:solidFill>
               <a:latin typeface="Arial"/>
             </a:endParaRPr>
           </a:p>
@@ -6511,14 +6944,14 @@
       </p:grpSpPr>
       <p:sp>
         <p:nvSpPr>
-          <p:cNvPr id="114" name="CustomShape 1"/>
+          <p:cNvPr id="131" name="CustomShape 1"/>
           <p:cNvSpPr/>
           <p:nvPr/>
         </p:nvSpPr>
         <p:spPr>
           <a:xfrm>
             <a:off x="838080" y="365040"/>
-            <a:ext cx="10513800" cy="1323720"/>
+            <a:ext cx="10513080" cy="1323000"/>
           </a:xfrm>
           <a:prstGeom prst="rect">
             <a:avLst/>
@@ -6560,14 +6993,14 @@
       </p:sp>
       <p:sp>
         <p:nvSpPr>
-          <p:cNvPr id="115" name="CustomShape 2"/>
+          <p:cNvPr id="132" name="CustomShape 2"/>
           <p:cNvSpPr/>
           <p:nvPr/>
         </p:nvSpPr>
         <p:spPr>
           <a:xfrm>
             <a:off x="876960" y="1280160"/>
-            <a:ext cx="10918440" cy="5394600"/>
+            <a:ext cx="10917720" cy="5393880"/>
           </a:xfrm>
           <a:prstGeom prst="rect">
             <a:avLst/>
@@ -6599,7 +7032,7 @@
             </a:endParaRPr>
           </a:p>
           <a:p>
-            <a:pPr marL="216000" indent="-215640">
+            <a:pPr marL="216000" indent="-214920">
               <a:lnSpc>
                 <a:spcPct val="90000"/>
               </a:lnSpc>
@@ -6640,7 +7073,7 @@
             </a:endParaRPr>
           </a:p>
           <a:p>
-            <a:pPr marL="216000" indent="-215640">
+            <a:pPr marL="216000" indent="-214920">
               <a:lnSpc>
                 <a:spcPct val="90000"/>
               </a:lnSpc>
@@ -6681,7 +7114,7 @@
             </a:endParaRPr>
           </a:p>
           <a:p>
-            <a:pPr marL="216000" indent="-215640">
+            <a:pPr marL="216000" indent="-214920">
               <a:lnSpc>
                 <a:spcPct val="90000"/>
               </a:lnSpc>
@@ -6705,6 +7138,46 @@
               <a:t>Prefix stemming is not helpful except in domains like medicine and chemistry</a:t>
             </a:r>
             <a:endParaRPr b="0" lang="en-US" sz="3600" spc="-1" strike="noStrike">
+              <a:latin typeface="Arial"/>
+            </a:endParaRPr>
+          </a:p>
+        </p:txBody>
+      </p:sp>
+      <p:sp>
+        <p:nvSpPr>
+          <p:cNvPr id="133" name="TextShape 3"/>
+          <p:cNvSpPr txBox="1"/>
+          <p:nvPr/>
+        </p:nvSpPr>
+        <p:spPr>
+          <a:xfrm>
+            <a:off x="182880" y="6310080"/>
+            <a:ext cx="548640" cy="456840"/>
+          </a:xfrm>
+          <a:prstGeom prst="rect">
+            <a:avLst/>
+          </a:prstGeom>
+          <a:noFill/>
+          <a:ln>
+            <a:noFill/>
+          </a:ln>
+        </p:spPr>
+        <p:txBody>
+          <a:bodyPr lIns="90000" rIns="90000" tIns="45000" bIns="45000"/>
+          <a:p>
+            <a:r>
+              <a:rPr b="1" lang="en-US" sz="2200" spc="-1" strike="noStrike">
+                <a:solidFill>
+                  <a:srgbClr val="ce181e"/>
+                </a:solidFill>
+                <a:latin typeface="Arial"/>
+              </a:rPr>
+              <a:t>17</a:t>
+            </a:r>
+            <a:endParaRPr b="1" lang="en-US" sz="2200" spc="-1" strike="noStrike">
+              <a:solidFill>
+                <a:srgbClr val="ce181e"/>
+              </a:solidFill>
               <a:latin typeface="Arial"/>
             </a:endParaRPr>
           </a:p>
@@ -6768,7 +7241,7 @@
         <p:spPr>
           <a:xfrm>
             <a:off x="838080" y="365040"/>
-            <a:ext cx="10513800" cy="1323720"/>
+            <a:ext cx="10513080" cy="1323000"/>
           </a:xfrm>
           <a:prstGeom prst="rect">
             <a:avLst/>
@@ -6817,7 +7290,7 @@
         <p:spPr>
           <a:xfrm>
             <a:off x="838080" y="1825560"/>
-            <a:ext cx="10513800" cy="4349520"/>
+            <a:ext cx="10513080" cy="4348800"/>
           </a:xfrm>
           <a:prstGeom prst="rect">
             <a:avLst/>
@@ -6985,6 +7458,46 @@
               <a:t>1994</a:t>
             </a:r>
             <a:endParaRPr b="0" lang="en-US" sz="3600" spc="-1" strike="noStrike">
+              <a:latin typeface="Arial"/>
+            </a:endParaRPr>
+          </a:p>
+        </p:txBody>
+      </p:sp>
+      <p:sp>
+        <p:nvSpPr>
+          <p:cNvPr id="80" name="TextShape 3"/>
+          <p:cNvSpPr txBox="1"/>
+          <p:nvPr/>
+        </p:nvSpPr>
+        <p:spPr>
+          <a:xfrm>
+            <a:off x="182880" y="6309360"/>
+            <a:ext cx="365760" cy="399960"/>
+          </a:xfrm>
+          <a:prstGeom prst="rect">
+            <a:avLst/>
+          </a:prstGeom>
+          <a:noFill/>
+          <a:ln>
+            <a:noFill/>
+          </a:ln>
+        </p:spPr>
+        <p:txBody>
+          <a:bodyPr lIns="90000" rIns="90000" tIns="45000" bIns="45000"/>
+          <a:p>
+            <a:r>
+              <a:rPr b="1" lang="en-US" sz="2200" spc="-1" strike="noStrike">
+                <a:solidFill>
+                  <a:srgbClr val="ce181e"/>
+                </a:solidFill>
+                <a:latin typeface="Arial"/>
+              </a:rPr>
+              <a:t>0</a:t>
+            </a:r>
+            <a:endParaRPr b="1" lang="en-US" sz="2200" spc="-1" strike="noStrike">
+              <a:solidFill>
+                <a:srgbClr val="ce181e"/>
+              </a:solidFill>
               <a:latin typeface="Arial"/>
             </a:endParaRPr>
           </a:p>
@@ -7041,14 +7554,14 @@
       </p:grpSpPr>
       <p:sp>
         <p:nvSpPr>
-          <p:cNvPr id="116" name="CustomShape 1"/>
+          <p:cNvPr id="134" name="CustomShape 1"/>
           <p:cNvSpPr/>
           <p:nvPr/>
         </p:nvSpPr>
         <p:spPr>
           <a:xfrm>
             <a:off x="838080" y="365040"/>
-            <a:ext cx="10513800" cy="1323720"/>
+            <a:ext cx="10513080" cy="1323000"/>
           </a:xfrm>
           <a:prstGeom prst="rect">
             <a:avLst/>
@@ -7090,14 +7603,14 @@
       </p:sp>
       <p:sp>
         <p:nvSpPr>
-          <p:cNvPr id="117" name="CustomShape 2"/>
+          <p:cNvPr id="135" name="CustomShape 2"/>
           <p:cNvSpPr/>
           <p:nvPr/>
         </p:nvSpPr>
         <p:spPr>
           <a:xfrm>
             <a:off x="838080" y="1825560"/>
-            <a:ext cx="10513800" cy="4349520"/>
+            <a:ext cx="10513080" cy="4348800"/>
           </a:xfrm>
           <a:prstGeom prst="rect">
             <a:avLst/>
@@ -7116,14 +7629,14 @@
       </p:sp>
       <p:sp>
         <p:nvSpPr>
-          <p:cNvPr id="118" name="CustomShape 3"/>
+          <p:cNvPr id="136" name="CustomShape 3"/>
           <p:cNvSpPr/>
           <p:nvPr/>
         </p:nvSpPr>
         <p:spPr>
           <a:xfrm>
             <a:off x="877680" y="1920240"/>
-            <a:ext cx="9271800" cy="3809160"/>
+            <a:ext cx="9271080" cy="3808440"/>
           </a:xfrm>
           <a:prstGeom prst="rect">
             <a:avLst/>
@@ -7263,7 +7776,7 @@
                 <a:latin typeface="Calibri"/>
                 <a:ea typeface="DejaVu Sans"/>
               </a:rPr>
-              <a:t>Go – Went – Gone</a:t>
+              <a:t>Go</a:t>
             </a:r>
             <a:endParaRPr b="0" lang="en-US" sz="3600" spc="-1" strike="noStrike">
               <a:latin typeface="Arial"/>
@@ -7278,7 +7791,70 @@
                 <a:spcPts val="1001"/>
               </a:spcBef>
             </a:pPr>
+            <a:r>
+              <a:rPr b="0" lang="en-US" sz="3600" spc="-1" strike="noStrike">
+                <a:solidFill>
+                  <a:srgbClr val="000000"/>
+                </a:solidFill>
+                <a:latin typeface="Calibri"/>
+                <a:ea typeface="DejaVu Sans"/>
+              </a:rPr>
+              <a:t>Went</a:t>
+            </a:r>
             <a:endParaRPr b="0" lang="en-US" sz="3600" spc="-1" strike="noStrike">
+              <a:latin typeface="Arial"/>
+            </a:endParaRPr>
+          </a:p>
+          <a:p>
+            <a:pPr>
+              <a:lnSpc>
+                <a:spcPct val="90000"/>
+              </a:lnSpc>
+              <a:spcBef>
+                <a:spcPts val="1001"/>
+              </a:spcBef>
+            </a:pPr>
+            <a:endParaRPr b="0" lang="en-US" sz="3600" spc="-1" strike="noStrike">
+              <a:latin typeface="Arial"/>
+            </a:endParaRPr>
+          </a:p>
+        </p:txBody>
+      </p:sp>
+      <p:sp>
+        <p:nvSpPr>
+          <p:cNvPr id="137" name="TextShape 4"/>
+          <p:cNvSpPr txBox="1"/>
+          <p:nvPr/>
+        </p:nvSpPr>
+        <p:spPr>
+          <a:xfrm>
+            <a:off x="182880" y="6310080"/>
+            <a:ext cx="548640" cy="456840"/>
+          </a:xfrm>
+          <a:prstGeom prst="rect">
+            <a:avLst/>
+          </a:prstGeom>
+          <a:noFill/>
+          <a:ln>
+            <a:noFill/>
+          </a:ln>
+        </p:spPr>
+        <p:txBody>
+          <a:bodyPr lIns="90000" rIns="90000" tIns="45000" bIns="45000"/>
+          <a:p>
+            <a:r>
+              <a:rPr b="1" lang="en-US" sz="2200" spc="-1" strike="noStrike">
+                <a:solidFill>
+                  <a:srgbClr val="ce181e"/>
+                </a:solidFill>
+                <a:latin typeface="Arial"/>
+              </a:rPr>
+              <a:t>18</a:t>
+            </a:r>
+            <a:endParaRPr b="1" lang="en-US" sz="2200" spc="-1" strike="noStrike">
+              <a:solidFill>
+                <a:srgbClr val="ce181e"/>
+              </a:solidFill>
               <a:latin typeface="Arial"/>
             </a:endParaRPr>
           </a:p>
@@ -7335,14 +7911,14 @@
       </p:grpSpPr>
       <p:sp>
         <p:nvSpPr>
-          <p:cNvPr id="119" name="CustomShape 1"/>
+          <p:cNvPr id="138" name="CustomShape 1"/>
           <p:cNvSpPr/>
           <p:nvPr/>
         </p:nvSpPr>
         <p:spPr>
           <a:xfrm>
             <a:off x="838080" y="365040"/>
-            <a:ext cx="10513800" cy="1323720"/>
+            <a:ext cx="10513080" cy="1323000"/>
           </a:xfrm>
           <a:prstGeom prst="rect">
             <a:avLst/>
@@ -7384,14 +7960,14 @@
       </p:sp>
       <p:sp>
         <p:nvSpPr>
-          <p:cNvPr id="120" name="CustomShape 2"/>
+          <p:cNvPr id="139" name="CustomShape 2"/>
           <p:cNvSpPr/>
           <p:nvPr/>
         </p:nvSpPr>
         <p:spPr>
           <a:xfrm>
             <a:off x="838080" y="1825560"/>
-            <a:ext cx="10513800" cy="4349520"/>
+            <a:ext cx="10513080" cy="4348800"/>
           </a:xfrm>
           <a:prstGeom prst="rect">
             <a:avLst/>
@@ -7410,14 +7986,14 @@
       </p:sp>
       <p:sp>
         <p:nvSpPr>
-          <p:cNvPr id="121" name="CustomShape 3"/>
+          <p:cNvPr id="140" name="CustomShape 3"/>
           <p:cNvSpPr/>
           <p:nvPr/>
         </p:nvSpPr>
         <p:spPr>
           <a:xfrm>
             <a:off x="877680" y="1920240"/>
-            <a:ext cx="9271800" cy="3809160"/>
+            <a:ext cx="9271080" cy="3808440"/>
           </a:xfrm>
           <a:prstGeom prst="rect">
             <a:avLst/>
@@ -7550,6 +8126,46 @@
               </a:spcBef>
             </a:pPr>
             <a:endParaRPr b="0" lang="en-US" sz="3600" spc="-1" strike="noStrike">
+              <a:latin typeface="Arial"/>
+            </a:endParaRPr>
+          </a:p>
+        </p:txBody>
+      </p:sp>
+      <p:sp>
+        <p:nvSpPr>
+          <p:cNvPr id="141" name="TextShape 4"/>
+          <p:cNvSpPr txBox="1"/>
+          <p:nvPr/>
+        </p:nvSpPr>
+        <p:spPr>
+          <a:xfrm>
+            <a:off x="182880" y="6310080"/>
+            <a:ext cx="548640" cy="456840"/>
+          </a:xfrm>
+          <a:prstGeom prst="rect">
+            <a:avLst/>
+          </a:prstGeom>
+          <a:noFill/>
+          <a:ln>
+            <a:noFill/>
+          </a:ln>
+        </p:spPr>
+        <p:txBody>
+          <a:bodyPr lIns="90000" rIns="90000" tIns="45000" bIns="45000"/>
+          <a:p>
+            <a:r>
+              <a:rPr b="1" lang="en-US" sz="2200" spc="-1" strike="noStrike">
+                <a:solidFill>
+                  <a:srgbClr val="ce181e"/>
+                </a:solidFill>
+                <a:latin typeface="Arial"/>
+              </a:rPr>
+              <a:t>19</a:t>
+            </a:r>
+            <a:endParaRPr b="1" lang="en-US" sz="2200" spc="-1" strike="noStrike">
+              <a:solidFill>
+                <a:srgbClr val="ce181e"/>
+              </a:solidFill>
               <a:latin typeface="Arial"/>
             </a:endParaRPr>
           </a:p>
@@ -7606,14 +8222,14 @@
       </p:grpSpPr>
       <p:sp>
         <p:nvSpPr>
-          <p:cNvPr id="122" name="CustomShape 1"/>
+          <p:cNvPr id="142" name="CustomShape 1"/>
           <p:cNvSpPr/>
           <p:nvPr/>
         </p:nvSpPr>
         <p:spPr>
           <a:xfrm>
             <a:off x="838080" y="365040"/>
-            <a:ext cx="10513800" cy="1323720"/>
+            <a:ext cx="10513080" cy="1323000"/>
           </a:xfrm>
           <a:prstGeom prst="rect">
             <a:avLst/>
@@ -7655,14 +8271,14 @@
       </p:sp>
       <p:sp>
         <p:nvSpPr>
-          <p:cNvPr id="123" name="CustomShape 2"/>
+          <p:cNvPr id="143" name="CustomShape 2"/>
           <p:cNvSpPr/>
           <p:nvPr/>
         </p:nvSpPr>
         <p:spPr>
           <a:xfrm>
             <a:off x="838080" y="1554480"/>
-            <a:ext cx="10513800" cy="4620600"/>
+            <a:ext cx="10513080" cy="4619880"/>
           </a:xfrm>
           <a:prstGeom prst="rect">
             <a:avLst/>
@@ -7681,14 +8297,14 @@
       </p:sp>
       <p:sp>
         <p:nvSpPr>
-          <p:cNvPr id="124" name="CustomShape 3"/>
+          <p:cNvPr id="144" name="CustomShape 3"/>
           <p:cNvSpPr/>
           <p:nvPr/>
         </p:nvSpPr>
         <p:spPr>
           <a:xfrm>
             <a:off x="877680" y="1554480"/>
-            <a:ext cx="9271800" cy="5120280"/>
+            <a:ext cx="9271080" cy="5119560"/>
           </a:xfrm>
           <a:prstGeom prst="rect">
             <a:avLst/>
@@ -7887,6 +8503,46 @@
               <a:t>Commit many overstemming errors</a:t>
             </a:r>
             <a:endParaRPr b="0" lang="en-US" sz="3600" spc="-1" strike="noStrike">
+              <a:latin typeface="Arial"/>
+            </a:endParaRPr>
+          </a:p>
+        </p:txBody>
+      </p:sp>
+      <p:sp>
+        <p:nvSpPr>
+          <p:cNvPr id="145" name="TextShape 4"/>
+          <p:cNvSpPr txBox="1"/>
+          <p:nvPr/>
+        </p:nvSpPr>
+        <p:spPr>
+          <a:xfrm>
+            <a:off x="182880" y="6310080"/>
+            <a:ext cx="548640" cy="456840"/>
+          </a:xfrm>
+          <a:prstGeom prst="rect">
+            <a:avLst/>
+          </a:prstGeom>
+          <a:noFill/>
+          <a:ln>
+            <a:noFill/>
+          </a:ln>
+        </p:spPr>
+        <p:txBody>
+          <a:bodyPr lIns="90000" rIns="90000" tIns="45000" bIns="45000"/>
+          <a:p>
+            <a:r>
+              <a:rPr b="1" lang="en-US" sz="2200" spc="-1" strike="noStrike">
+                <a:solidFill>
+                  <a:srgbClr val="ce181e"/>
+                </a:solidFill>
+                <a:latin typeface="Arial"/>
+              </a:rPr>
+              <a:t>20</a:t>
+            </a:r>
+            <a:endParaRPr b="1" lang="en-US" sz="2200" spc="-1" strike="noStrike">
+              <a:solidFill>
+                <a:srgbClr val="ce181e"/>
+              </a:solidFill>
               <a:latin typeface="Arial"/>
             </a:endParaRPr>
           </a:p>
@@ -7943,14 +8599,14 @@
       </p:grpSpPr>
       <p:sp>
         <p:nvSpPr>
-          <p:cNvPr id="125" name="CustomShape 1"/>
+          <p:cNvPr id="146" name="CustomShape 1"/>
           <p:cNvSpPr/>
           <p:nvPr/>
         </p:nvSpPr>
         <p:spPr>
           <a:xfrm>
             <a:off x="838080" y="365040"/>
-            <a:ext cx="10513800" cy="1323720"/>
+            <a:ext cx="10513080" cy="1323000"/>
           </a:xfrm>
           <a:prstGeom prst="rect">
             <a:avLst/>
@@ -7992,14 +8648,14 @@
       </p:sp>
       <p:sp>
         <p:nvSpPr>
-          <p:cNvPr id="126" name="CustomShape 2"/>
+          <p:cNvPr id="147" name="CustomShape 2"/>
           <p:cNvSpPr/>
           <p:nvPr/>
         </p:nvSpPr>
         <p:spPr>
           <a:xfrm>
             <a:off x="838080" y="1554480"/>
-            <a:ext cx="10513800" cy="4620600"/>
+            <a:ext cx="10513080" cy="4619880"/>
           </a:xfrm>
           <a:prstGeom prst="rect">
             <a:avLst/>
@@ -8018,14 +8674,14 @@
       </p:sp>
       <p:sp>
         <p:nvSpPr>
-          <p:cNvPr id="127" name="CustomShape 3"/>
+          <p:cNvPr id="148" name="CustomShape 3"/>
           <p:cNvSpPr/>
           <p:nvPr/>
         </p:nvSpPr>
         <p:spPr>
           <a:xfrm>
             <a:off x="640080" y="1828800"/>
-            <a:ext cx="10881000" cy="4346280"/>
+            <a:ext cx="10880280" cy="4345560"/>
           </a:xfrm>
           <a:prstGeom prst="rect">
             <a:avLst/>
@@ -8044,7 +8700,7 @@
         <p:txBody>
           <a:bodyPr lIns="90000" rIns="90000" tIns="45000" bIns="45000"/>
           <a:p>
-            <a:pPr marL="216000" indent="-215640">
+            <a:pPr marL="216000" indent="-214920">
               <a:lnSpc>
                 <a:spcPct val="90000"/>
               </a:lnSpc>
@@ -8072,7 +8728,7 @@
             </a:endParaRPr>
           </a:p>
           <a:p>
-            <a:pPr marL="216000" indent="-215640">
+            <a:pPr marL="216000" indent="-214920">
               <a:lnSpc>
                 <a:spcPct val="90000"/>
               </a:lnSpc>
@@ -8100,7 +8756,7 @@
             </a:endParaRPr>
           </a:p>
           <a:p>
-            <a:pPr marL="216000" indent="-215640">
+            <a:pPr marL="216000" indent="-214920">
               <a:lnSpc>
                 <a:spcPct val="90000"/>
               </a:lnSpc>
@@ -8128,7 +8784,7 @@
             </a:endParaRPr>
           </a:p>
           <a:p>
-            <a:pPr marL="216000" indent="-215640">
+            <a:pPr marL="216000" indent="-214920">
               <a:lnSpc>
                 <a:spcPct val="90000"/>
               </a:lnSpc>
@@ -8156,7 +8812,7 @@
             </a:endParaRPr>
           </a:p>
           <a:p>
-            <a:pPr marL="216000" indent="-215640">
+            <a:pPr marL="216000" indent="-214920">
               <a:lnSpc>
                 <a:spcPct val="90000"/>
               </a:lnSpc>
@@ -8180,6 +8836,46 @@
               <a:t>Computing general accuracy for each stemmer.</a:t>
             </a:r>
             <a:endParaRPr b="0" lang="en-US" sz="3600" spc="-1" strike="noStrike">
+              <a:latin typeface="Arial"/>
+            </a:endParaRPr>
+          </a:p>
+        </p:txBody>
+      </p:sp>
+      <p:sp>
+        <p:nvSpPr>
+          <p:cNvPr id="149" name="TextShape 4"/>
+          <p:cNvSpPr txBox="1"/>
+          <p:nvPr/>
+        </p:nvSpPr>
+        <p:spPr>
+          <a:xfrm>
+            <a:off x="182880" y="6310080"/>
+            <a:ext cx="548640" cy="456840"/>
+          </a:xfrm>
+          <a:prstGeom prst="rect">
+            <a:avLst/>
+          </a:prstGeom>
+          <a:noFill/>
+          <a:ln>
+            <a:noFill/>
+          </a:ln>
+        </p:spPr>
+        <p:txBody>
+          <a:bodyPr lIns="90000" rIns="90000" tIns="45000" bIns="45000"/>
+          <a:p>
+            <a:r>
+              <a:rPr b="1" lang="en-US" sz="2200" spc="-1" strike="noStrike">
+                <a:solidFill>
+                  <a:srgbClr val="ce181e"/>
+                </a:solidFill>
+                <a:latin typeface="Arial"/>
+              </a:rPr>
+              <a:t>21</a:t>
+            </a:r>
+            <a:endParaRPr b="1" lang="en-US" sz="2200" spc="-1" strike="noStrike">
+              <a:solidFill>
+                <a:srgbClr val="ce181e"/>
+              </a:solidFill>
               <a:latin typeface="Arial"/>
             </a:endParaRPr>
           </a:p>
@@ -8236,14 +8932,14 @@
       </p:grpSpPr>
       <p:sp>
         <p:nvSpPr>
-          <p:cNvPr id="128" name="CustomShape 1"/>
+          <p:cNvPr id="150" name="CustomShape 1"/>
           <p:cNvSpPr/>
           <p:nvPr/>
         </p:nvSpPr>
         <p:spPr>
           <a:xfrm>
             <a:off x="838080" y="365040"/>
-            <a:ext cx="10513800" cy="1323720"/>
+            <a:ext cx="10513080" cy="1323000"/>
           </a:xfrm>
           <a:prstGeom prst="rect">
             <a:avLst/>
@@ -8296,14 +8992,14 @@
       </p:sp>
       <p:sp>
         <p:nvSpPr>
-          <p:cNvPr id="129" name="CustomShape 2"/>
+          <p:cNvPr id="151" name="CustomShape 2"/>
           <p:cNvSpPr/>
           <p:nvPr/>
         </p:nvSpPr>
         <p:spPr>
           <a:xfrm>
             <a:off x="838080" y="1554480"/>
-            <a:ext cx="10513800" cy="4620600"/>
+            <a:ext cx="10513080" cy="4619880"/>
           </a:xfrm>
           <a:prstGeom prst="rect">
             <a:avLst/>
@@ -8322,14 +9018,14 @@
       </p:sp>
       <p:sp>
         <p:nvSpPr>
-          <p:cNvPr id="130" name="CustomShape 3"/>
+          <p:cNvPr id="152" name="CustomShape 3"/>
           <p:cNvSpPr/>
           <p:nvPr/>
         </p:nvSpPr>
         <p:spPr>
           <a:xfrm>
             <a:off x="877680" y="1920240"/>
-            <a:ext cx="10734840" cy="4754520"/>
+            <a:ext cx="10734120" cy="4753800"/>
           </a:xfrm>
           <a:prstGeom prst="rect">
             <a:avLst/>
@@ -8348,7 +9044,7 @@
         <p:txBody>
           <a:bodyPr lIns="90000" rIns="90000" tIns="45000" bIns="45000"/>
           <a:p>
-            <a:pPr marL="216000" indent="-215640">
+            <a:pPr marL="216000" indent="-214920">
               <a:lnSpc>
                 <a:spcPct val="90000"/>
               </a:lnSpc>
@@ -8407,7 +9103,7 @@
             </a:endParaRPr>
           </a:p>
           <a:p>
-            <a:pPr marL="216000" indent="-215640">
+            <a:pPr marL="216000" indent="-214920">
               <a:lnSpc>
                 <a:spcPct val="90000"/>
               </a:lnSpc>
@@ -8446,7 +9142,7 @@
             </a:endParaRPr>
           </a:p>
           <a:p>
-            <a:pPr marL="216000" indent="-215640">
+            <a:pPr marL="216000" indent="-214920">
               <a:lnSpc>
                 <a:spcPct val="90000"/>
               </a:lnSpc>
@@ -8492,6 +9188,46 @@
               <a:t>ng: Number of words in the group</a:t>
             </a:r>
             <a:endParaRPr b="0" lang="en-US" sz="3600" spc="-1" strike="noStrike">
+              <a:latin typeface="Arial"/>
+            </a:endParaRPr>
+          </a:p>
+        </p:txBody>
+      </p:sp>
+      <p:sp>
+        <p:nvSpPr>
+          <p:cNvPr id="153" name="TextShape 4"/>
+          <p:cNvSpPr txBox="1"/>
+          <p:nvPr/>
+        </p:nvSpPr>
+        <p:spPr>
+          <a:xfrm>
+            <a:off x="182880" y="6310080"/>
+            <a:ext cx="548640" cy="456840"/>
+          </a:xfrm>
+          <a:prstGeom prst="rect">
+            <a:avLst/>
+          </a:prstGeom>
+          <a:noFill/>
+          <a:ln>
+            <a:noFill/>
+          </a:ln>
+        </p:spPr>
+        <p:txBody>
+          <a:bodyPr lIns="90000" rIns="90000" tIns="45000" bIns="45000"/>
+          <a:p>
+            <a:r>
+              <a:rPr b="1" lang="en-US" sz="2200" spc="-1" strike="noStrike">
+                <a:solidFill>
+                  <a:srgbClr val="ce181e"/>
+                </a:solidFill>
+                <a:latin typeface="Arial"/>
+              </a:rPr>
+              <a:t>22</a:t>
+            </a:r>
+            <a:endParaRPr b="1" lang="en-US" sz="2200" spc="-1" strike="noStrike">
+              <a:solidFill>
+                <a:srgbClr val="ce181e"/>
+              </a:solidFill>
               <a:latin typeface="Arial"/>
             </a:endParaRPr>
           </a:p>
@@ -8548,14 +9284,14 @@
       </p:grpSpPr>
       <p:sp>
         <p:nvSpPr>
-          <p:cNvPr id="131" name="CustomShape 1"/>
+          <p:cNvPr id="154" name="CustomShape 1"/>
           <p:cNvSpPr/>
           <p:nvPr/>
         </p:nvSpPr>
         <p:spPr>
           <a:xfrm>
             <a:off x="838080" y="365040"/>
-            <a:ext cx="10513800" cy="1323720"/>
+            <a:ext cx="10513080" cy="1323000"/>
           </a:xfrm>
           <a:prstGeom prst="rect">
             <a:avLst/>
@@ -8608,14 +9344,14 @@
       </p:sp>
       <p:sp>
         <p:nvSpPr>
-          <p:cNvPr id="132" name="CustomShape 2"/>
+          <p:cNvPr id="155" name="CustomShape 2"/>
           <p:cNvSpPr/>
           <p:nvPr/>
         </p:nvSpPr>
         <p:spPr>
           <a:xfrm>
             <a:off x="838080" y="1554480"/>
-            <a:ext cx="10513800" cy="4620600"/>
+            <a:ext cx="10513080" cy="4619880"/>
           </a:xfrm>
           <a:prstGeom prst="rect">
             <a:avLst/>
@@ -8634,14 +9370,14 @@
       </p:sp>
       <p:sp>
         <p:nvSpPr>
-          <p:cNvPr id="133" name="CustomShape 3"/>
+          <p:cNvPr id="156" name="CustomShape 3"/>
           <p:cNvSpPr/>
           <p:nvPr/>
         </p:nvSpPr>
         <p:spPr>
           <a:xfrm>
             <a:off x="877680" y="1920240"/>
-            <a:ext cx="10734840" cy="4754520"/>
+            <a:ext cx="10734120" cy="4753800"/>
           </a:xfrm>
           <a:prstGeom prst="rect">
             <a:avLst/>
@@ -8660,7 +9396,7 @@
         <p:txBody>
           <a:bodyPr lIns="90000" rIns="90000" tIns="45000" bIns="45000"/>
           <a:p>
-            <a:pPr marL="216000" indent="-215640">
+            <a:pPr marL="216000" indent="-214920">
               <a:lnSpc>
                 <a:spcPct val="90000"/>
               </a:lnSpc>
@@ -8699,7 +9435,7 @@
             </a:endParaRPr>
           </a:p>
           <a:p>
-            <a:pPr marL="216000" indent="-215640">
+            <a:pPr marL="216000" indent="-214920">
               <a:lnSpc>
                 <a:spcPct val="90000"/>
               </a:lnSpc>
@@ -8756,6 +9492,46 @@
               <a:t>ng: Number of words in the group</a:t>
             </a:r>
             <a:endParaRPr b="0" lang="en-US" sz="3600" spc="-1" strike="noStrike">
+              <a:latin typeface="Arial"/>
+            </a:endParaRPr>
+          </a:p>
+        </p:txBody>
+      </p:sp>
+      <p:sp>
+        <p:nvSpPr>
+          <p:cNvPr id="157" name="TextShape 4"/>
+          <p:cNvSpPr txBox="1"/>
+          <p:nvPr/>
+        </p:nvSpPr>
+        <p:spPr>
+          <a:xfrm>
+            <a:off x="182880" y="6310080"/>
+            <a:ext cx="548640" cy="456840"/>
+          </a:xfrm>
+          <a:prstGeom prst="rect">
+            <a:avLst/>
+          </a:prstGeom>
+          <a:noFill/>
+          <a:ln>
+            <a:noFill/>
+          </a:ln>
+        </p:spPr>
+        <p:txBody>
+          <a:bodyPr lIns="90000" rIns="90000" tIns="45000" bIns="45000"/>
+          <a:p>
+            <a:r>
+              <a:rPr b="1" lang="en-US" sz="2200" spc="-1" strike="noStrike">
+                <a:solidFill>
+                  <a:srgbClr val="ce181e"/>
+                </a:solidFill>
+                <a:latin typeface="Arial"/>
+              </a:rPr>
+              <a:t>23</a:t>
+            </a:r>
+            <a:endParaRPr b="1" lang="en-US" sz="2200" spc="-1" strike="noStrike">
+              <a:solidFill>
+                <a:srgbClr val="ce181e"/>
+              </a:solidFill>
               <a:latin typeface="Arial"/>
             </a:endParaRPr>
           </a:p>
@@ -8812,14 +9588,14 @@
       </p:grpSpPr>
       <p:sp>
         <p:nvSpPr>
-          <p:cNvPr id="134" name="CustomShape 1"/>
+          <p:cNvPr id="158" name="CustomShape 1"/>
           <p:cNvSpPr/>
           <p:nvPr/>
         </p:nvSpPr>
         <p:spPr>
           <a:xfrm>
             <a:off x="838080" y="365040"/>
-            <a:ext cx="10513800" cy="1323720"/>
+            <a:ext cx="10513080" cy="1323000"/>
           </a:xfrm>
           <a:prstGeom prst="rect">
             <a:avLst/>
@@ -8872,14 +9648,14 @@
       </p:sp>
       <p:sp>
         <p:nvSpPr>
-          <p:cNvPr id="135" name="CustomShape 2"/>
+          <p:cNvPr id="159" name="CustomShape 2"/>
           <p:cNvSpPr/>
           <p:nvPr/>
         </p:nvSpPr>
         <p:spPr>
           <a:xfrm>
             <a:off x="838080" y="1554480"/>
-            <a:ext cx="10513800" cy="4620600"/>
+            <a:ext cx="10513080" cy="4619880"/>
           </a:xfrm>
           <a:prstGeom prst="rect">
             <a:avLst/>
@@ -8898,14 +9674,14 @@
       </p:sp>
       <p:sp>
         <p:nvSpPr>
-          <p:cNvPr id="136" name="CustomShape 3"/>
+          <p:cNvPr id="160" name="CustomShape 3"/>
           <p:cNvSpPr/>
           <p:nvPr/>
         </p:nvSpPr>
         <p:spPr>
           <a:xfrm>
             <a:off x="877680" y="1920240"/>
-            <a:ext cx="10734840" cy="4754520"/>
+            <a:ext cx="10734120" cy="4753800"/>
           </a:xfrm>
           <a:prstGeom prst="rect">
             <a:avLst/>
@@ -8924,7 +9700,7 @@
         <p:txBody>
           <a:bodyPr lIns="90000" rIns="90000" tIns="45000" bIns="45000"/>
           <a:p>
-            <a:pPr marL="216000" indent="-215640">
+            <a:pPr marL="216000" indent="-214920">
               <a:lnSpc>
                 <a:spcPct val="90000"/>
               </a:lnSpc>
@@ -8983,7 +9759,7 @@
             </a:endParaRPr>
           </a:p>
           <a:p>
-            <a:pPr marL="216000" indent="-215640">
+            <a:pPr marL="216000" indent="-214920">
               <a:lnSpc>
                 <a:spcPct val="90000"/>
               </a:lnSpc>
@@ -9027,6 +9803,46 @@
               <a:t>, the Global Desired non-Merge Total</a:t>
             </a:r>
             <a:endParaRPr b="0" lang="en-US" sz="3600" spc="-1" strike="noStrike">
+              <a:latin typeface="Arial"/>
+            </a:endParaRPr>
+          </a:p>
+        </p:txBody>
+      </p:sp>
+      <p:sp>
+        <p:nvSpPr>
+          <p:cNvPr id="161" name="TextShape 4"/>
+          <p:cNvSpPr txBox="1"/>
+          <p:nvPr/>
+        </p:nvSpPr>
+        <p:spPr>
+          <a:xfrm>
+            <a:off x="182880" y="6310080"/>
+            <a:ext cx="548640" cy="456840"/>
+          </a:xfrm>
+          <a:prstGeom prst="rect">
+            <a:avLst/>
+          </a:prstGeom>
+          <a:noFill/>
+          <a:ln>
+            <a:noFill/>
+          </a:ln>
+        </p:spPr>
+        <p:txBody>
+          <a:bodyPr lIns="90000" rIns="90000" tIns="45000" bIns="45000"/>
+          <a:p>
+            <a:r>
+              <a:rPr b="1" lang="en-US" sz="2200" spc="-1" strike="noStrike">
+                <a:solidFill>
+                  <a:srgbClr val="ce181e"/>
+                </a:solidFill>
+                <a:latin typeface="Arial"/>
+              </a:rPr>
+              <a:t>24</a:t>
+            </a:r>
+            <a:endParaRPr b="1" lang="en-US" sz="2200" spc="-1" strike="noStrike">
+              <a:solidFill>
+                <a:srgbClr val="ce181e"/>
+              </a:solidFill>
               <a:latin typeface="Arial"/>
             </a:endParaRPr>
           </a:p>
@@ -9083,14 +9899,14 @@
       </p:grpSpPr>
       <p:sp>
         <p:nvSpPr>
-          <p:cNvPr id="137" name="CustomShape 1"/>
+          <p:cNvPr id="162" name="CustomShape 1"/>
           <p:cNvSpPr/>
           <p:nvPr/>
         </p:nvSpPr>
         <p:spPr>
           <a:xfrm>
             <a:off x="838080" y="365040"/>
-            <a:ext cx="10513800" cy="1323720"/>
+            <a:ext cx="10513080" cy="1323000"/>
           </a:xfrm>
           <a:prstGeom prst="rect">
             <a:avLst/>
@@ -9132,14 +9948,14 @@
       </p:sp>
       <p:sp>
         <p:nvSpPr>
-          <p:cNvPr id="138" name="CustomShape 2"/>
+          <p:cNvPr id="163" name="CustomShape 2"/>
           <p:cNvSpPr/>
           <p:nvPr/>
         </p:nvSpPr>
         <p:spPr>
           <a:xfrm>
             <a:off x="838080" y="1554480"/>
-            <a:ext cx="10513800" cy="4620600"/>
+            <a:ext cx="10513080" cy="4619880"/>
           </a:xfrm>
           <a:prstGeom prst="rect">
             <a:avLst/>
@@ -9158,14 +9974,14 @@
       </p:sp>
       <p:sp>
         <p:nvSpPr>
-          <p:cNvPr id="139" name="CustomShape 3"/>
+          <p:cNvPr id="164" name="CustomShape 3"/>
           <p:cNvSpPr/>
           <p:nvPr/>
         </p:nvSpPr>
         <p:spPr>
           <a:xfrm>
             <a:off x="731520" y="1371600"/>
-            <a:ext cx="11063880" cy="5303160"/>
+            <a:ext cx="11063160" cy="5302440"/>
           </a:xfrm>
           <a:prstGeom prst="rect">
             <a:avLst/>
@@ -9184,7 +10000,7 @@
         <p:txBody>
           <a:bodyPr lIns="90000" rIns="90000" tIns="45000" bIns="45000"/>
           <a:p>
-            <a:pPr marL="216000" indent="-215640">
+            <a:pPr marL="216000" indent="-214920">
               <a:lnSpc>
                 <a:spcPct val="90000"/>
               </a:lnSpc>
@@ -9245,7 +10061,7 @@
             </a:endParaRPr>
           </a:p>
           <a:p>
-            <a:pPr marL="216000" indent="-215640">
+            <a:pPr marL="216000" indent="-214920">
               <a:lnSpc>
                 <a:spcPct val="90000"/>
               </a:lnSpc>
@@ -9273,7 +10089,7 @@
             </a:endParaRPr>
           </a:p>
           <a:p>
-            <a:pPr marL="216000" indent="-215640">
+            <a:pPr marL="216000" indent="-214920">
               <a:lnSpc>
                 <a:spcPct val="90000"/>
               </a:lnSpc>
@@ -9341,7 +10157,7 @@
             </a:endParaRPr>
           </a:p>
           <a:p>
-            <a:pPr marL="216000" indent="-215640">
+            <a:pPr marL="216000" indent="-214920">
               <a:lnSpc>
                 <a:spcPct val="90000"/>
               </a:lnSpc>
@@ -9369,7 +10185,7 @@
             </a:endParaRPr>
           </a:p>
           <a:p>
-            <a:pPr marL="216000" indent="-215640">
+            <a:pPr marL="216000" indent="-214920">
               <a:lnSpc>
                 <a:spcPct val="90000"/>
               </a:lnSpc>
@@ -9393,6 +10209,46 @@
               <a:t>Understemming Index: UI = GUMT/GDMT</a:t>
             </a:r>
             <a:endParaRPr b="0" lang="en-US" sz="3200" spc="-1" strike="noStrike">
+              <a:latin typeface="Arial"/>
+            </a:endParaRPr>
+          </a:p>
+        </p:txBody>
+      </p:sp>
+      <p:sp>
+        <p:nvSpPr>
+          <p:cNvPr id="165" name="TextShape 4"/>
+          <p:cNvSpPr txBox="1"/>
+          <p:nvPr/>
+        </p:nvSpPr>
+        <p:spPr>
+          <a:xfrm>
+            <a:off x="182880" y="6310080"/>
+            <a:ext cx="548640" cy="456840"/>
+          </a:xfrm>
+          <a:prstGeom prst="rect">
+            <a:avLst/>
+          </a:prstGeom>
+          <a:noFill/>
+          <a:ln>
+            <a:noFill/>
+          </a:ln>
+        </p:spPr>
+        <p:txBody>
+          <a:bodyPr lIns="90000" rIns="90000" tIns="45000" bIns="45000"/>
+          <a:p>
+            <a:r>
+              <a:rPr b="1" lang="en-US" sz="2200" spc="-1" strike="noStrike">
+                <a:solidFill>
+                  <a:srgbClr val="ce181e"/>
+                </a:solidFill>
+                <a:latin typeface="Arial"/>
+              </a:rPr>
+              <a:t>25</a:t>
+            </a:r>
+            <a:endParaRPr b="1" lang="en-US" sz="2200" spc="-1" strike="noStrike">
+              <a:solidFill>
+                <a:srgbClr val="ce181e"/>
+              </a:solidFill>
               <a:latin typeface="Arial"/>
             </a:endParaRPr>
           </a:p>
@@ -9449,14 +10305,14 @@
       </p:grpSpPr>
       <p:sp>
         <p:nvSpPr>
-          <p:cNvPr id="140" name="CustomShape 1"/>
+          <p:cNvPr id="166" name="CustomShape 1"/>
           <p:cNvSpPr/>
           <p:nvPr/>
         </p:nvSpPr>
         <p:spPr>
           <a:xfrm>
             <a:off x="838080" y="365040"/>
-            <a:ext cx="10513800" cy="1323720"/>
+            <a:ext cx="10513080" cy="1323000"/>
           </a:xfrm>
           <a:prstGeom prst="rect">
             <a:avLst/>
@@ -9498,14 +10354,14 @@
       </p:sp>
       <p:sp>
         <p:nvSpPr>
-          <p:cNvPr id="141" name="CustomShape 2"/>
+          <p:cNvPr id="167" name="CustomShape 2"/>
           <p:cNvSpPr/>
           <p:nvPr/>
         </p:nvSpPr>
         <p:spPr>
           <a:xfrm>
             <a:off x="838080" y="1554480"/>
-            <a:ext cx="10513800" cy="4620600"/>
+            <a:ext cx="10513080" cy="4619880"/>
           </a:xfrm>
           <a:prstGeom prst="rect">
             <a:avLst/>
@@ -9524,14 +10380,14 @@
       </p:sp>
       <p:sp>
         <p:nvSpPr>
-          <p:cNvPr id="142" name="CustomShape 3"/>
+          <p:cNvPr id="168" name="CustomShape 3"/>
           <p:cNvSpPr/>
           <p:nvPr/>
         </p:nvSpPr>
         <p:spPr>
           <a:xfrm>
             <a:off x="731520" y="1371600"/>
-            <a:ext cx="11063880" cy="5303160"/>
+            <a:ext cx="11063160" cy="5302440"/>
           </a:xfrm>
           <a:prstGeom prst="rect">
             <a:avLst/>
@@ -9550,7 +10406,7 @@
         <p:txBody>
           <a:bodyPr lIns="90000" rIns="90000" tIns="45000" bIns="45000"/>
           <a:p>
-            <a:pPr marL="216000" indent="-215640">
+            <a:pPr marL="216000" indent="-214920">
               <a:lnSpc>
                 <a:spcPct val="90000"/>
               </a:lnSpc>
@@ -9578,7 +10434,7 @@
             </a:endParaRPr>
           </a:p>
           <a:p>
-            <a:pPr marL="216000" indent="-215640">
+            <a:pPr marL="216000" indent="-214920">
               <a:lnSpc>
                 <a:spcPct val="90000"/>
               </a:lnSpc>
@@ -9606,7 +10462,7 @@
             </a:endParaRPr>
           </a:p>
           <a:p>
-            <a:pPr marL="216000" indent="-215640">
+            <a:pPr marL="216000" indent="-214920">
               <a:lnSpc>
                 <a:spcPct val="90000"/>
               </a:lnSpc>
@@ -9705,7 +10561,7 @@
             </a:endParaRPr>
           </a:p>
           <a:p>
-            <a:pPr marL="216000" indent="-215640">
+            <a:pPr marL="216000" indent="-214920">
               <a:lnSpc>
                 <a:spcPct val="90000"/>
               </a:lnSpc>
@@ -9733,7 +10589,7 @@
             </a:endParaRPr>
           </a:p>
           <a:p>
-            <a:pPr marL="216000" indent="-215640">
+            <a:pPr marL="216000" indent="-214920">
               <a:lnSpc>
                 <a:spcPct val="90000"/>
               </a:lnSpc>
@@ -9801,7 +10657,7 @@
             </a:endParaRPr>
           </a:p>
           <a:p>
-            <a:pPr marL="216000" indent="-215640">
+            <a:pPr marL="216000" indent="-214920">
               <a:lnSpc>
                 <a:spcPct val="90000"/>
               </a:lnSpc>
@@ -9829,7 +10685,7 @@
             </a:endParaRPr>
           </a:p>
           <a:p>
-            <a:pPr marL="216000" indent="-215640">
+            <a:pPr marL="216000" indent="-214920">
               <a:lnSpc>
                 <a:spcPct val="90000"/>
               </a:lnSpc>
@@ -9853,6 +10709,46 @@
               <a:t>Overstemming Index: OI = GWMT/GDNT</a:t>
             </a:r>
             <a:endParaRPr b="0" lang="en-US" sz="2600" spc="-1" strike="noStrike">
+              <a:latin typeface="Arial"/>
+            </a:endParaRPr>
+          </a:p>
+        </p:txBody>
+      </p:sp>
+      <p:sp>
+        <p:nvSpPr>
+          <p:cNvPr id="169" name="TextShape 4"/>
+          <p:cNvSpPr txBox="1"/>
+          <p:nvPr/>
+        </p:nvSpPr>
+        <p:spPr>
+          <a:xfrm>
+            <a:off x="182880" y="6310080"/>
+            <a:ext cx="548640" cy="456840"/>
+          </a:xfrm>
+          <a:prstGeom prst="rect">
+            <a:avLst/>
+          </a:prstGeom>
+          <a:noFill/>
+          <a:ln>
+            <a:noFill/>
+          </a:ln>
+        </p:spPr>
+        <p:txBody>
+          <a:bodyPr lIns="90000" rIns="90000" tIns="45000" bIns="45000"/>
+          <a:p>
+            <a:r>
+              <a:rPr b="1" lang="en-US" sz="2200" spc="-1" strike="noStrike">
+                <a:solidFill>
+                  <a:srgbClr val="ce181e"/>
+                </a:solidFill>
+                <a:latin typeface="Arial"/>
+              </a:rPr>
+              <a:t>26</a:t>
+            </a:r>
+            <a:endParaRPr b="1" lang="en-US" sz="2200" spc="-1" strike="noStrike">
+              <a:solidFill>
+                <a:srgbClr val="ce181e"/>
+              </a:solidFill>
               <a:latin typeface="Arial"/>
             </a:endParaRPr>
           </a:p>
@@ -9909,14 +10805,14 @@
       </p:grpSpPr>
       <p:sp>
         <p:nvSpPr>
-          <p:cNvPr id="143" name="CustomShape 1"/>
+          <p:cNvPr id="170" name="CustomShape 1"/>
           <p:cNvSpPr/>
           <p:nvPr/>
         </p:nvSpPr>
         <p:spPr>
           <a:xfrm>
             <a:off x="838080" y="274320"/>
-            <a:ext cx="10513800" cy="1414440"/>
+            <a:ext cx="10513080" cy="1413720"/>
           </a:xfrm>
           <a:prstGeom prst="rect">
             <a:avLst/>
@@ -9958,14 +10854,14 @@
       </p:sp>
       <p:sp>
         <p:nvSpPr>
-          <p:cNvPr id="144" name="CustomShape 2"/>
+          <p:cNvPr id="171" name="CustomShape 2"/>
           <p:cNvSpPr/>
           <p:nvPr/>
         </p:nvSpPr>
         <p:spPr>
           <a:xfrm>
             <a:off x="731520" y="1554480"/>
-            <a:ext cx="11063880" cy="5120280"/>
+            <a:ext cx="11063160" cy="5119560"/>
           </a:xfrm>
           <a:prstGeom prst="rect">
             <a:avLst/>
@@ -9984,7 +10880,7 @@
         <p:txBody>
           <a:bodyPr lIns="90000" rIns="90000" tIns="45000" bIns="45000"/>
           <a:p>
-            <a:pPr marL="216000" indent="-215640">
+            <a:pPr marL="216000" indent="-214920">
               <a:lnSpc>
                 <a:spcPct val="90000"/>
               </a:lnSpc>
@@ -10055,7 +10951,7 @@
             </a:endParaRPr>
           </a:p>
           <a:p>
-            <a:pPr marL="216000" indent="-215640">
+            <a:pPr marL="216000" indent="-214920">
               <a:lnSpc>
                 <a:spcPct val="90000"/>
               </a:lnSpc>
@@ -10116,7 +11012,7 @@
             </a:endParaRPr>
           </a:p>
           <a:p>
-            <a:pPr marL="216000" indent="-215640">
+            <a:pPr marL="216000" indent="-214920">
               <a:lnSpc>
                 <a:spcPct val="90000"/>
               </a:lnSpc>
@@ -10151,6 +11047,46 @@
               <a:t>SW = OI/UI</a:t>
             </a:r>
             <a:endParaRPr b="0" lang="en-US" sz="3200" spc="-1" strike="noStrike">
+              <a:latin typeface="Arial"/>
+            </a:endParaRPr>
+          </a:p>
+        </p:txBody>
+      </p:sp>
+      <p:sp>
+        <p:nvSpPr>
+          <p:cNvPr id="172" name="TextShape 3"/>
+          <p:cNvSpPr txBox="1"/>
+          <p:nvPr/>
+        </p:nvSpPr>
+        <p:spPr>
+          <a:xfrm>
+            <a:off x="182880" y="6310080"/>
+            <a:ext cx="548640" cy="456840"/>
+          </a:xfrm>
+          <a:prstGeom prst="rect">
+            <a:avLst/>
+          </a:prstGeom>
+          <a:noFill/>
+          <a:ln>
+            <a:noFill/>
+          </a:ln>
+        </p:spPr>
+        <p:txBody>
+          <a:bodyPr lIns="90000" rIns="90000" tIns="45000" bIns="45000"/>
+          <a:p>
+            <a:r>
+              <a:rPr b="1" lang="en-US" sz="2200" spc="-1" strike="noStrike">
+                <a:solidFill>
+                  <a:srgbClr val="ce181e"/>
+                </a:solidFill>
+                <a:latin typeface="Arial"/>
+              </a:rPr>
+              <a:t>27</a:t>
+            </a:r>
+            <a:endParaRPr b="1" lang="en-US" sz="2200" spc="-1" strike="noStrike">
+              <a:solidFill>
+                <a:srgbClr val="ce181e"/>
+              </a:solidFill>
               <a:latin typeface="Arial"/>
             </a:endParaRPr>
           </a:p>
@@ -10207,14 +11143,14 @@
       </p:grpSpPr>
       <p:sp>
         <p:nvSpPr>
-          <p:cNvPr id="80" name="CustomShape 1"/>
+          <p:cNvPr id="81" name="CustomShape 1"/>
           <p:cNvSpPr/>
           <p:nvPr/>
         </p:nvSpPr>
         <p:spPr>
           <a:xfrm>
             <a:off x="838080" y="365040"/>
-            <a:ext cx="10513800" cy="1323720"/>
+            <a:ext cx="10513080" cy="1323000"/>
           </a:xfrm>
           <a:prstGeom prst="rect">
             <a:avLst/>
@@ -10256,14 +11192,14 @@
       </p:sp>
       <p:sp>
         <p:nvSpPr>
-          <p:cNvPr id="81" name="CustomShape 2"/>
+          <p:cNvPr id="82" name="CustomShape 2"/>
           <p:cNvSpPr/>
           <p:nvPr/>
         </p:nvSpPr>
         <p:spPr>
           <a:xfrm>
             <a:off x="838080" y="1825560"/>
-            <a:ext cx="10513800" cy="4349520"/>
+            <a:ext cx="10513080" cy="4348800"/>
           </a:xfrm>
           <a:prstGeom prst="rect">
             <a:avLst/>
@@ -10329,6 +11265,46 @@
               <a:t>1980</a:t>
             </a:r>
             <a:endParaRPr b="0" lang="en-US" sz="3600" spc="-1" strike="noStrike">
+              <a:latin typeface="Arial"/>
+            </a:endParaRPr>
+          </a:p>
+        </p:txBody>
+      </p:sp>
+      <p:sp>
+        <p:nvSpPr>
+          <p:cNvPr id="83" name="TextShape 3"/>
+          <p:cNvSpPr txBox="1"/>
+          <p:nvPr/>
+        </p:nvSpPr>
+        <p:spPr>
+          <a:xfrm>
+            <a:off x="182880" y="6309720"/>
+            <a:ext cx="457200" cy="399960"/>
+          </a:xfrm>
+          <a:prstGeom prst="rect">
+            <a:avLst/>
+          </a:prstGeom>
+          <a:noFill/>
+          <a:ln>
+            <a:noFill/>
+          </a:ln>
+        </p:spPr>
+        <p:txBody>
+          <a:bodyPr lIns="90000" rIns="90000" tIns="45000" bIns="45000"/>
+          <a:p>
+            <a:r>
+              <a:rPr b="1" lang="en-US" sz="2200" spc="-1" strike="noStrike">
+                <a:solidFill>
+                  <a:srgbClr val="ce181e"/>
+                </a:solidFill>
+                <a:latin typeface="Arial"/>
+              </a:rPr>
+              <a:t>1</a:t>
+            </a:r>
+            <a:endParaRPr b="1" lang="en-US" sz="2200" spc="-1" strike="noStrike">
+              <a:solidFill>
+                <a:srgbClr val="ce181e"/>
+              </a:solidFill>
               <a:latin typeface="Arial"/>
             </a:endParaRPr>
           </a:p>
@@ -10385,14 +11361,14 @@
       </p:grpSpPr>
       <p:sp>
         <p:nvSpPr>
-          <p:cNvPr id="145" name="CustomShape 1"/>
+          <p:cNvPr id="173" name="CustomShape 1"/>
           <p:cNvSpPr/>
           <p:nvPr/>
         </p:nvSpPr>
         <p:spPr>
           <a:xfrm>
             <a:off x="838080" y="274320"/>
-            <a:ext cx="10513800" cy="1414440"/>
+            <a:ext cx="10513080" cy="1413720"/>
           </a:xfrm>
           <a:prstGeom prst="rect">
             <a:avLst/>
@@ -10445,14 +11421,14 @@
       </p:sp>
       <p:sp>
         <p:nvSpPr>
-          <p:cNvPr id="146" name="CustomShape 2"/>
+          <p:cNvPr id="174" name="CustomShape 2"/>
           <p:cNvSpPr/>
           <p:nvPr/>
         </p:nvSpPr>
         <p:spPr>
           <a:xfrm>
             <a:off x="731520" y="1737360"/>
-            <a:ext cx="11063880" cy="4937400"/>
+            <a:ext cx="11063160" cy="4936680"/>
           </a:xfrm>
           <a:prstGeom prst="rect">
             <a:avLst/>
@@ -10471,7 +11447,7 @@
         <p:txBody>
           <a:bodyPr lIns="90000" rIns="90000" tIns="45000" bIns="45000"/>
           <a:p>
-            <a:pPr marL="216000" indent="-215640">
+            <a:pPr marL="216000" indent="-214920">
               <a:lnSpc>
                 <a:spcPct val="90000"/>
               </a:lnSpc>
@@ -10540,7 +11516,7 @@
             </a:endParaRPr>
           </a:p>
           <a:p>
-            <a:pPr marL="216000" indent="-215640">
+            <a:pPr marL="216000" indent="-214920">
               <a:lnSpc>
                 <a:spcPct val="90000"/>
               </a:lnSpc>
@@ -10568,7 +11544,7 @@
             </a:endParaRPr>
           </a:p>
           <a:p>
-            <a:pPr marL="216000" indent="-215640">
+            <a:pPr marL="216000" indent="-214920">
               <a:lnSpc>
                 <a:spcPct val="90000"/>
               </a:lnSpc>
@@ -10596,7 +11572,7 @@
             </a:endParaRPr>
           </a:p>
           <a:p>
-            <a:pPr marL="216000" indent="-215640">
+            <a:pPr marL="216000" indent="-214920">
               <a:lnSpc>
                 <a:spcPct val="90000"/>
               </a:lnSpc>
@@ -10624,7 +11600,7 @@
             </a:endParaRPr>
           </a:p>
           <a:p>
-            <a:pPr marL="216000" indent="-215640">
+            <a:pPr marL="216000" indent="-214920">
               <a:lnSpc>
                 <a:spcPct val="90000"/>
               </a:lnSpc>
@@ -10663,7 +11639,7 @@
             </a:endParaRPr>
           </a:p>
           <a:p>
-            <a:pPr marL="216000" indent="-215640">
+            <a:pPr marL="216000" indent="-214920">
               <a:lnSpc>
                 <a:spcPct val="90000"/>
               </a:lnSpc>
@@ -10705,7 +11681,7 @@
       </p:sp>
       <p:pic>
         <p:nvPicPr>
-          <p:cNvPr id="147" name="" descr=""/>
+          <p:cNvPr id="175" name="" descr=""/>
           <p:cNvPicPr/>
           <p:nvPr/>
         </p:nvPicPr>
@@ -10716,7 +11692,7 @@
         <p:spPr>
           <a:xfrm>
             <a:off x="6949440" y="2321280"/>
-            <a:ext cx="5242320" cy="3788280"/>
+            <a:ext cx="5241600" cy="3787560"/>
           </a:xfrm>
           <a:prstGeom prst="rect">
             <a:avLst/>
@@ -10728,14 +11704,14 @@
       </p:pic>
       <p:sp>
         <p:nvSpPr>
-          <p:cNvPr id="148" name="CustomShape 3"/>
+          <p:cNvPr id="176" name="CustomShape 3"/>
           <p:cNvSpPr/>
           <p:nvPr/>
         </p:nvSpPr>
         <p:spPr>
           <a:xfrm>
             <a:off x="8279280" y="6403680"/>
-            <a:ext cx="2437560" cy="343080"/>
+            <a:ext cx="2436840" cy="342360"/>
           </a:xfrm>
           <a:prstGeom prst="rect">
             <a:avLst/>
@@ -10760,10 +11736,51 @@
                   <a:srgbClr val="1b75bc"/>
                 </a:solidFill>
                 <a:latin typeface="Arial"/>
+                <a:ea typeface="DejaVu Sans"/>
               </a:rPr>
               <a:t>Figure 1: Paice (1994)</a:t>
             </a:r>
             <a:endParaRPr b="0" lang="en-US" sz="1800" spc="-1" strike="noStrike">
+              <a:latin typeface="Arial"/>
+            </a:endParaRPr>
+          </a:p>
+        </p:txBody>
+      </p:sp>
+      <p:sp>
+        <p:nvSpPr>
+          <p:cNvPr id="177" name="TextShape 4"/>
+          <p:cNvSpPr txBox="1"/>
+          <p:nvPr/>
+        </p:nvSpPr>
+        <p:spPr>
+          <a:xfrm>
+            <a:off x="182880" y="6310080"/>
+            <a:ext cx="548640" cy="456840"/>
+          </a:xfrm>
+          <a:prstGeom prst="rect">
+            <a:avLst/>
+          </a:prstGeom>
+          <a:noFill/>
+          <a:ln>
+            <a:noFill/>
+          </a:ln>
+        </p:spPr>
+        <p:txBody>
+          <a:bodyPr lIns="90000" rIns="90000" tIns="45000" bIns="45000"/>
+          <a:p>
+            <a:r>
+              <a:rPr b="1" lang="en-US" sz="2200" spc="-1" strike="noStrike">
+                <a:solidFill>
+                  <a:srgbClr val="ce181e"/>
+                </a:solidFill>
+                <a:latin typeface="Arial"/>
+              </a:rPr>
+              <a:t>28</a:t>
+            </a:r>
+            <a:endParaRPr b="1" lang="en-US" sz="2200" spc="-1" strike="noStrike">
+              <a:solidFill>
+                <a:srgbClr val="ce181e"/>
+              </a:solidFill>
               <a:latin typeface="Arial"/>
             </a:endParaRPr>
           </a:p>
@@ -10820,14 +11837,14 @@
       </p:grpSpPr>
       <p:sp>
         <p:nvSpPr>
-          <p:cNvPr id="149" name="CustomShape 1"/>
+          <p:cNvPr id="178" name="CustomShape 1"/>
           <p:cNvSpPr/>
           <p:nvPr/>
         </p:nvSpPr>
         <p:spPr>
           <a:xfrm>
             <a:off x="838080" y="274320"/>
-            <a:ext cx="10513800" cy="1414440"/>
+            <a:ext cx="10513080" cy="1413720"/>
           </a:xfrm>
           <a:prstGeom prst="rect">
             <a:avLst/>
@@ -10880,14 +11897,14 @@
       </p:sp>
       <p:sp>
         <p:nvSpPr>
-          <p:cNvPr id="150" name="CustomShape 2"/>
+          <p:cNvPr id="179" name="CustomShape 2"/>
           <p:cNvSpPr/>
           <p:nvPr/>
         </p:nvSpPr>
         <p:spPr>
           <a:xfrm>
             <a:off x="274320" y="1737360"/>
-            <a:ext cx="5212080" cy="4114800"/>
+            <a:ext cx="5211360" cy="4114080"/>
           </a:xfrm>
           <a:prstGeom prst="rect">
             <a:avLst/>
@@ -10906,7 +11923,7 @@
         <p:txBody>
           <a:bodyPr lIns="90000" rIns="90000" tIns="45000" bIns="45000"/>
           <a:p>
-            <a:pPr marL="216000" indent="-215640">
+            <a:pPr marL="216000" indent="-214920">
               <a:lnSpc>
                 <a:spcPct val="90000"/>
               </a:lnSpc>
@@ -10966,7 +11983,7 @@
             </a:endParaRPr>
           </a:p>
           <a:p>
-            <a:pPr marL="216000" indent="-215640">
+            <a:pPr marL="216000" indent="-214920">
               <a:lnSpc>
                 <a:spcPct val="90000"/>
               </a:lnSpc>
@@ -10999,7 +12016,7 @@
       </p:sp>
       <p:pic>
         <p:nvPicPr>
-          <p:cNvPr id="151" name="" descr=""/>
+          <p:cNvPr id="180" name="" descr=""/>
           <p:cNvPicPr/>
           <p:nvPr/>
         </p:nvPicPr>
@@ -11010,7 +12027,7 @@
         <p:spPr>
           <a:xfrm>
             <a:off x="5358960" y="1920240"/>
-            <a:ext cx="6832800" cy="4937400"/>
+            <a:ext cx="6832080" cy="4936680"/>
           </a:xfrm>
           <a:prstGeom prst="rect">
             <a:avLst/>
@@ -11022,14 +12039,14 @@
       </p:pic>
       <p:sp>
         <p:nvSpPr>
-          <p:cNvPr id="152" name="CustomShape 3"/>
+          <p:cNvPr id="181" name="CustomShape 3"/>
           <p:cNvSpPr/>
           <p:nvPr/>
         </p:nvSpPr>
         <p:spPr>
           <a:xfrm>
             <a:off x="683280" y="6475680"/>
-            <a:ext cx="2437560" cy="343080"/>
+            <a:ext cx="2436840" cy="342360"/>
           </a:xfrm>
           <a:prstGeom prst="rect">
             <a:avLst/>
@@ -11054,10 +12071,51 @@
                   <a:srgbClr val="1b75bc"/>
                 </a:solidFill>
                 <a:latin typeface="Arial"/>
+                <a:ea typeface="DejaVu Sans"/>
               </a:rPr>
               <a:t>Figure 1: Paice (1994)</a:t>
             </a:r>
             <a:endParaRPr b="0" lang="en-US" sz="1800" spc="-1" strike="noStrike">
+              <a:latin typeface="Arial"/>
+            </a:endParaRPr>
+          </a:p>
+        </p:txBody>
+      </p:sp>
+      <p:sp>
+        <p:nvSpPr>
+          <p:cNvPr id="182" name="TextShape 4"/>
+          <p:cNvSpPr txBox="1"/>
+          <p:nvPr/>
+        </p:nvSpPr>
+        <p:spPr>
+          <a:xfrm>
+            <a:off x="182880" y="6310080"/>
+            <a:ext cx="548640" cy="456840"/>
+          </a:xfrm>
+          <a:prstGeom prst="rect">
+            <a:avLst/>
+          </a:prstGeom>
+          <a:noFill/>
+          <a:ln>
+            <a:noFill/>
+          </a:ln>
+        </p:spPr>
+        <p:txBody>
+          <a:bodyPr lIns="90000" rIns="90000" tIns="45000" bIns="45000"/>
+          <a:p>
+            <a:r>
+              <a:rPr b="1" lang="en-US" sz="2200" spc="-1" strike="noStrike">
+                <a:solidFill>
+                  <a:srgbClr val="ce181e"/>
+                </a:solidFill>
+                <a:latin typeface="Arial"/>
+              </a:rPr>
+              <a:t>29</a:t>
+            </a:r>
+            <a:endParaRPr b="1" lang="en-US" sz="2200" spc="-1" strike="noStrike">
+              <a:solidFill>
+                <a:srgbClr val="ce181e"/>
+              </a:solidFill>
               <a:latin typeface="Arial"/>
             </a:endParaRPr>
           </a:p>
@@ -11114,14 +12172,14 @@
       </p:grpSpPr>
       <p:sp>
         <p:nvSpPr>
-          <p:cNvPr id="153" name="CustomShape 1"/>
+          <p:cNvPr id="183" name="CustomShape 1"/>
           <p:cNvSpPr/>
           <p:nvPr/>
         </p:nvSpPr>
         <p:spPr>
           <a:xfrm>
             <a:off x="838080" y="274320"/>
-            <a:ext cx="10513800" cy="1414440"/>
+            <a:ext cx="10513080" cy="1413720"/>
           </a:xfrm>
           <a:prstGeom prst="rect">
             <a:avLst/>
@@ -11163,14 +12221,14 @@
       </p:sp>
       <p:sp>
         <p:nvSpPr>
-          <p:cNvPr id="154" name="CustomShape 2"/>
+          <p:cNvPr id="184" name="CustomShape 2"/>
           <p:cNvSpPr/>
           <p:nvPr/>
         </p:nvSpPr>
         <p:spPr>
           <a:xfrm>
             <a:off x="731520" y="1554480"/>
-            <a:ext cx="11063880" cy="5120280"/>
+            <a:ext cx="11063160" cy="5119560"/>
           </a:xfrm>
           <a:prstGeom prst="rect">
             <a:avLst/>
@@ -11189,7 +12247,7 @@
         <p:txBody>
           <a:bodyPr lIns="90000" rIns="90000" tIns="45000" bIns="45000"/>
           <a:p>
-            <a:pPr marL="216000" indent="-215640">
+            <a:pPr marL="216000" indent="-214920">
               <a:lnSpc>
                 <a:spcPct val="90000"/>
               </a:lnSpc>
@@ -11260,7 +12318,7 @@
             </a:endParaRPr>
           </a:p>
           <a:p>
-            <a:pPr marL="216000" indent="-215640">
+            <a:pPr marL="216000" indent="-214920">
               <a:lnSpc>
                 <a:spcPct val="90000"/>
               </a:lnSpc>
@@ -11328,6 +12386,46 @@
               <a:t>32,098 words → 3,559 distinct words </a:t>
             </a:r>
             <a:endParaRPr b="0" lang="en-US" sz="3200" spc="-1" strike="noStrike">
+              <a:latin typeface="Arial"/>
+            </a:endParaRPr>
+          </a:p>
+        </p:txBody>
+      </p:sp>
+      <p:sp>
+        <p:nvSpPr>
+          <p:cNvPr id="185" name="TextShape 3"/>
+          <p:cNvSpPr txBox="1"/>
+          <p:nvPr/>
+        </p:nvSpPr>
+        <p:spPr>
+          <a:xfrm>
+            <a:off x="182880" y="6310080"/>
+            <a:ext cx="548640" cy="456840"/>
+          </a:xfrm>
+          <a:prstGeom prst="rect">
+            <a:avLst/>
+          </a:prstGeom>
+          <a:noFill/>
+          <a:ln>
+            <a:noFill/>
+          </a:ln>
+        </p:spPr>
+        <p:txBody>
+          <a:bodyPr lIns="90000" rIns="90000" tIns="45000" bIns="45000"/>
+          <a:p>
+            <a:r>
+              <a:rPr b="1" lang="en-US" sz="2200" spc="-1" strike="noStrike">
+                <a:solidFill>
+                  <a:srgbClr val="ce181e"/>
+                </a:solidFill>
+                <a:latin typeface="Arial"/>
+              </a:rPr>
+              <a:t>30</a:t>
+            </a:r>
+            <a:endParaRPr b="1" lang="en-US" sz="2200" spc="-1" strike="noStrike">
+              <a:solidFill>
+                <a:srgbClr val="ce181e"/>
+              </a:solidFill>
               <a:latin typeface="Arial"/>
             </a:endParaRPr>
           </a:p>
@@ -11384,14 +12482,14 @@
       </p:grpSpPr>
       <p:sp>
         <p:nvSpPr>
-          <p:cNvPr id="155" name="CustomShape 1"/>
+          <p:cNvPr id="186" name="CustomShape 1"/>
           <p:cNvSpPr/>
           <p:nvPr/>
         </p:nvSpPr>
         <p:spPr>
           <a:xfrm>
             <a:off x="838080" y="274320"/>
-            <a:ext cx="10513800" cy="1414440"/>
+            <a:ext cx="10513080" cy="1413720"/>
           </a:xfrm>
           <a:prstGeom prst="rect">
             <a:avLst/>
@@ -11433,14 +12531,14 @@
       </p:sp>
       <p:sp>
         <p:nvSpPr>
-          <p:cNvPr id="156" name="CustomShape 2"/>
+          <p:cNvPr id="187" name="CustomShape 2"/>
           <p:cNvSpPr/>
           <p:nvPr/>
         </p:nvSpPr>
         <p:spPr>
           <a:xfrm>
             <a:off x="731520" y="1554480"/>
-            <a:ext cx="11063880" cy="5120280"/>
+            <a:ext cx="11063160" cy="5119560"/>
           </a:xfrm>
           <a:prstGeom prst="rect">
             <a:avLst/>
@@ -11459,7 +12557,7 @@
         <p:txBody>
           <a:bodyPr lIns="90000" rIns="90000" tIns="45000" bIns="45000"/>
           <a:p>
-            <a:pPr marL="216000" indent="-215640">
+            <a:pPr marL="216000" indent="-214920">
               <a:lnSpc>
                 <a:spcPct val="90000"/>
               </a:lnSpc>
@@ -11490,7 +12588,7 @@
       </p:sp>
       <p:pic>
         <p:nvPicPr>
-          <p:cNvPr id="157" name="" descr=""/>
+          <p:cNvPr id="188" name="" descr=""/>
           <p:cNvPicPr/>
           <p:nvPr/>
         </p:nvPicPr>
@@ -11501,7 +12599,7 @@
         <p:spPr>
           <a:xfrm>
             <a:off x="484560" y="1481760"/>
-            <a:ext cx="11310840" cy="5030640"/>
+            <a:ext cx="11310120" cy="5029920"/>
           </a:xfrm>
           <a:prstGeom prst="rect">
             <a:avLst/>
@@ -11513,14 +12611,14 @@
       </p:pic>
       <p:sp>
         <p:nvSpPr>
-          <p:cNvPr id="158" name="CustomShape 3"/>
+          <p:cNvPr id="189" name="CustomShape 3"/>
           <p:cNvSpPr/>
           <p:nvPr/>
         </p:nvSpPr>
         <p:spPr>
           <a:xfrm>
             <a:off x="4663440" y="6404760"/>
-            <a:ext cx="2335320" cy="343080"/>
+            <a:ext cx="2334600" cy="342360"/>
           </a:xfrm>
           <a:prstGeom prst="rect">
             <a:avLst/>
@@ -11545,10 +12643,51 @@
                   <a:srgbClr val="1b75bc"/>
                 </a:solidFill>
                 <a:latin typeface="Arial"/>
+                <a:ea typeface="DejaVu Sans"/>
               </a:rPr>
               <a:t>Table 1: Paice (1994)</a:t>
             </a:r>
             <a:endParaRPr b="0" lang="en-US" sz="1800" spc="-1" strike="noStrike">
+              <a:latin typeface="Arial"/>
+            </a:endParaRPr>
+          </a:p>
+        </p:txBody>
+      </p:sp>
+      <p:sp>
+        <p:nvSpPr>
+          <p:cNvPr id="190" name="TextShape 4"/>
+          <p:cNvSpPr txBox="1"/>
+          <p:nvPr/>
+        </p:nvSpPr>
+        <p:spPr>
+          <a:xfrm>
+            <a:off x="182880" y="6310080"/>
+            <a:ext cx="548640" cy="456840"/>
+          </a:xfrm>
+          <a:prstGeom prst="rect">
+            <a:avLst/>
+          </a:prstGeom>
+          <a:noFill/>
+          <a:ln>
+            <a:noFill/>
+          </a:ln>
+        </p:spPr>
+        <p:txBody>
+          <a:bodyPr lIns="90000" rIns="90000" tIns="45000" bIns="45000"/>
+          <a:p>
+            <a:r>
+              <a:rPr b="1" lang="en-US" sz="2200" spc="-1" strike="noStrike">
+                <a:solidFill>
+                  <a:srgbClr val="ce181e"/>
+                </a:solidFill>
+                <a:latin typeface="Arial"/>
+              </a:rPr>
+              <a:t>31</a:t>
+            </a:r>
+            <a:endParaRPr b="1" lang="en-US" sz="2200" spc="-1" strike="noStrike">
+              <a:solidFill>
+                <a:srgbClr val="ce181e"/>
+              </a:solidFill>
               <a:latin typeface="Arial"/>
             </a:endParaRPr>
           </a:p>
@@ -11605,14 +12744,14 @@
       </p:grpSpPr>
       <p:sp>
         <p:nvSpPr>
-          <p:cNvPr id="159" name="CustomShape 1"/>
+          <p:cNvPr id="191" name="CustomShape 1"/>
           <p:cNvSpPr/>
           <p:nvPr/>
         </p:nvSpPr>
         <p:spPr>
           <a:xfrm>
             <a:off x="640080" y="58320"/>
-            <a:ext cx="10881000" cy="1414440"/>
+            <a:ext cx="10880280" cy="1413720"/>
           </a:xfrm>
           <a:prstGeom prst="rect">
             <a:avLst/>
@@ -11654,14 +12793,14 @@
       </p:sp>
       <p:sp>
         <p:nvSpPr>
-          <p:cNvPr id="160" name="CustomShape 2"/>
+          <p:cNvPr id="192" name="CustomShape 2"/>
           <p:cNvSpPr/>
           <p:nvPr/>
         </p:nvSpPr>
         <p:spPr>
           <a:xfrm>
             <a:off x="731520" y="1554480"/>
-            <a:ext cx="11063880" cy="5120280"/>
+            <a:ext cx="11063160" cy="5119560"/>
           </a:xfrm>
           <a:prstGeom prst="rect">
             <a:avLst/>
@@ -11680,7 +12819,7 @@
         <p:txBody>
           <a:bodyPr lIns="90000" rIns="90000" tIns="45000" bIns="45000"/>
           <a:p>
-            <a:pPr marL="216000" indent="-215640">
+            <a:pPr marL="216000" indent="-214920">
               <a:lnSpc>
                 <a:spcPct val="90000"/>
               </a:lnSpc>
@@ -11711,7 +12850,7 @@
       </p:sp>
       <p:pic>
         <p:nvPicPr>
-          <p:cNvPr id="161" name="" descr=""/>
+          <p:cNvPr id="193" name="" descr=""/>
           <p:cNvPicPr/>
           <p:nvPr/>
         </p:nvPicPr>
@@ -11722,7 +12861,7 @@
         <p:spPr>
           <a:xfrm>
             <a:off x="168120" y="1828800"/>
-            <a:ext cx="11582280" cy="3931560"/>
+            <a:ext cx="11581560" cy="3930840"/>
           </a:xfrm>
           <a:prstGeom prst="rect">
             <a:avLst/>
@@ -11734,14 +12873,14 @@
       </p:pic>
       <p:sp>
         <p:nvSpPr>
-          <p:cNvPr id="162" name="CustomShape 3"/>
+          <p:cNvPr id="194" name="CustomShape 3"/>
           <p:cNvSpPr/>
           <p:nvPr/>
         </p:nvSpPr>
         <p:spPr>
           <a:xfrm>
             <a:off x="640080" y="1260720"/>
-            <a:ext cx="11155320" cy="5613840"/>
+            <a:ext cx="11154600" cy="5613120"/>
           </a:xfrm>
           <a:prstGeom prst="rect">
             <a:avLst/>
@@ -11760,7 +12899,7 @@
         <p:txBody>
           <a:bodyPr lIns="90000" rIns="90000" tIns="45000" bIns="45000"/>
           <a:p>
-            <a:pPr marL="216000" indent="-215640">
+            <a:pPr marL="216000" indent="-214920">
               <a:lnSpc>
                 <a:spcPct val="100000"/>
               </a:lnSpc>
@@ -11777,6 +12916,7 @@
                   <a:srgbClr val="000000"/>
                 </a:solidFill>
                 <a:latin typeface="Arial"/>
+                <a:ea typeface="DejaVu Sans"/>
               </a:rPr>
               <a:t>These inequalities held for all word samples tested</a:t>
             </a:r>
@@ -11896,6 +13036,7 @@
                   <a:srgbClr val="ce181e"/>
                 </a:solidFill>
                 <a:latin typeface="Arial"/>
+                <a:ea typeface="DejaVu Sans"/>
               </a:rPr>
               <a:t>ERRT</a:t>
             </a:r>
@@ -11905,6 +13046,7 @@
                   <a:srgbClr val="ce181e"/>
                 </a:solidFill>
                 <a:latin typeface="Arial"/>
+                <a:ea typeface="DejaVu Sans"/>
               </a:rPr>
               <a:t> </a:t>
             </a:r>
@@ -11914,6 +13056,7 @@
                   <a:srgbClr val="000000"/>
                 </a:solidFill>
                 <a:latin typeface="Arial"/>
+                <a:ea typeface="DejaVu Sans"/>
               </a:rPr>
               <a:t>is taken as a general indicator of accuracy performance</a:t>
             </a:r>
@@ -11928,6 +13071,46 @@
               </a:lnSpc>
             </a:pPr>
             <a:endParaRPr b="0" lang="en-US" sz="2800" spc="-1" strike="noStrike">
+              <a:latin typeface="Arial"/>
+            </a:endParaRPr>
+          </a:p>
+        </p:txBody>
+      </p:sp>
+      <p:sp>
+        <p:nvSpPr>
+          <p:cNvPr id="195" name="TextShape 4"/>
+          <p:cNvSpPr txBox="1"/>
+          <p:nvPr/>
+        </p:nvSpPr>
+        <p:spPr>
+          <a:xfrm>
+            <a:off x="182880" y="6310080"/>
+            <a:ext cx="548640" cy="456840"/>
+          </a:xfrm>
+          <a:prstGeom prst="rect">
+            <a:avLst/>
+          </a:prstGeom>
+          <a:noFill/>
+          <a:ln>
+            <a:noFill/>
+          </a:ln>
+        </p:spPr>
+        <p:txBody>
+          <a:bodyPr lIns="90000" rIns="90000" tIns="45000" bIns="45000"/>
+          <a:p>
+            <a:r>
+              <a:rPr b="1" lang="en-US" sz="2200" spc="-1" strike="noStrike">
+                <a:solidFill>
+                  <a:srgbClr val="ce181e"/>
+                </a:solidFill>
+                <a:latin typeface="Arial"/>
+              </a:rPr>
+              <a:t>32</a:t>
+            </a:r>
+            <a:endParaRPr b="1" lang="en-US" sz="2200" spc="-1" strike="noStrike">
+              <a:solidFill>
+                <a:srgbClr val="ce181e"/>
+              </a:solidFill>
               <a:latin typeface="Arial"/>
             </a:endParaRPr>
           </a:p>
@@ -11984,14 +13167,14 @@
       </p:grpSpPr>
       <p:sp>
         <p:nvSpPr>
-          <p:cNvPr id="163" name="CustomShape 1"/>
+          <p:cNvPr id="196" name="CustomShape 1"/>
           <p:cNvSpPr/>
           <p:nvPr/>
         </p:nvSpPr>
         <p:spPr>
           <a:xfrm>
             <a:off x="640080" y="58320"/>
-            <a:ext cx="10881000" cy="1414440"/>
+            <a:ext cx="10880280" cy="1413720"/>
           </a:xfrm>
           <a:prstGeom prst="rect">
             <a:avLst/>
@@ -12033,7 +13216,7 @@
       </p:sp>
       <p:pic>
         <p:nvPicPr>
-          <p:cNvPr id="164" name="" descr=""/>
+          <p:cNvPr id="197" name="" descr=""/>
           <p:cNvPicPr/>
           <p:nvPr/>
         </p:nvPicPr>
@@ -12044,7 +13227,7 @@
         <p:spPr>
           <a:xfrm>
             <a:off x="5482080" y="1005840"/>
-            <a:ext cx="6676920" cy="5800680"/>
+            <a:ext cx="6676200" cy="5799960"/>
           </a:xfrm>
           <a:prstGeom prst="rect">
             <a:avLst/>
@@ -12056,14 +13239,14 @@
       </p:pic>
       <p:sp>
         <p:nvSpPr>
-          <p:cNvPr id="165" name="CustomShape 2"/>
+          <p:cNvPr id="198" name="CustomShape 2"/>
           <p:cNvSpPr/>
           <p:nvPr/>
         </p:nvSpPr>
         <p:spPr>
           <a:xfrm>
             <a:off x="9754200" y="6463440"/>
-            <a:ext cx="2437560" cy="343080"/>
+            <a:ext cx="2436840" cy="342360"/>
           </a:xfrm>
           <a:prstGeom prst="rect">
             <a:avLst/>
@@ -12088,6 +13271,7 @@
                   <a:srgbClr val="1b75bc"/>
                 </a:solidFill>
                 <a:latin typeface="Arial"/>
+                <a:ea typeface="DejaVu Sans"/>
               </a:rPr>
               <a:t>Figure 3: Paice (1994)</a:t>
             </a:r>
@@ -12099,14 +13283,14 @@
       </p:sp>
       <p:sp>
         <p:nvSpPr>
-          <p:cNvPr id="166" name="CustomShape 3"/>
+          <p:cNvPr id="199" name="CustomShape 3"/>
           <p:cNvSpPr/>
           <p:nvPr/>
         </p:nvSpPr>
         <p:spPr>
           <a:xfrm>
             <a:off x="182880" y="1371600"/>
-            <a:ext cx="5486040" cy="5592600"/>
+            <a:ext cx="5485320" cy="5591880"/>
           </a:xfrm>
           <a:prstGeom prst="rect">
             <a:avLst/>
@@ -12125,7 +13309,7 @@
         <p:txBody>
           <a:bodyPr lIns="90000" rIns="90000" tIns="45000" bIns="45000"/>
           <a:p>
-            <a:pPr marL="216000" indent="-215640">
+            <a:pPr marL="216000" indent="-214920">
               <a:lnSpc>
                 <a:spcPct val="100000"/>
               </a:lnSpc>
@@ -12142,6 +13326,7 @@
                   <a:srgbClr val="ce181e"/>
                 </a:solidFill>
                 <a:latin typeface="Arial"/>
+                <a:ea typeface="DejaVu Sans"/>
               </a:rPr>
               <a:t>Stemmers Ranking:</a:t>
             </a:r>
@@ -12152,6 +13337,7 @@
                   <a:srgbClr val="000000"/>
                 </a:solidFill>
                 <a:latin typeface="Arial"/>
+                <a:ea typeface="DejaVu Sans"/>
               </a:rPr>
               <a:t>Paice/Husk</a:t>
             </a:r>
@@ -12162,6 +13348,7 @@
                   <a:srgbClr val="000000"/>
                 </a:solidFill>
                 <a:latin typeface="Arial"/>
+                <a:ea typeface="DejaVu Sans"/>
               </a:rPr>
               <a:t>Porter</a:t>
             </a:r>
@@ -12172,6 +13359,7 @@
                   <a:srgbClr val="000000"/>
                 </a:solidFill>
                 <a:latin typeface="Arial"/>
+                <a:ea typeface="DejaVu Sans"/>
               </a:rPr>
               <a:t>Lovins</a:t>
             </a:r>
@@ -12182,6 +13370,7 @@
                   <a:srgbClr val="000000"/>
                 </a:solidFill>
                 <a:latin typeface="Arial"/>
+                <a:ea typeface="DejaVu Sans"/>
               </a:rPr>
               <a:t> </a:t>
             </a:r>
@@ -12190,7 +13379,7 @@
             </a:endParaRPr>
           </a:p>
           <a:p>
-            <a:pPr marL="216000" indent="-215640">
+            <a:pPr marL="216000" indent="-214920">
               <a:lnSpc>
                 <a:spcPct val="90000"/>
               </a:lnSpc>
@@ -12234,6 +13423,46 @@
               <a:t>the origin, the better the stemmer</a:t>
             </a:r>
             <a:endParaRPr b="0" lang="en-US" sz="3200" spc="-1" strike="noStrike">
+              <a:latin typeface="Arial"/>
+            </a:endParaRPr>
+          </a:p>
+        </p:txBody>
+      </p:sp>
+      <p:sp>
+        <p:nvSpPr>
+          <p:cNvPr id="200" name="TextShape 4"/>
+          <p:cNvSpPr txBox="1"/>
+          <p:nvPr/>
+        </p:nvSpPr>
+        <p:spPr>
+          <a:xfrm>
+            <a:off x="182880" y="6310080"/>
+            <a:ext cx="548640" cy="456840"/>
+          </a:xfrm>
+          <a:prstGeom prst="rect">
+            <a:avLst/>
+          </a:prstGeom>
+          <a:noFill/>
+          <a:ln>
+            <a:noFill/>
+          </a:ln>
+        </p:spPr>
+        <p:txBody>
+          <a:bodyPr lIns="90000" rIns="90000" tIns="45000" bIns="45000"/>
+          <a:p>
+            <a:r>
+              <a:rPr b="1" lang="en-US" sz="2200" spc="-1" strike="noStrike">
+                <a:solidFill>
+                  <a:srgbClr val="ce181e"/>
+                </a:solidFill>
+                <a:latin typeface="Arial"/>
+              </a:rPr>
+              <a:t>33</a:t>
+            </a:r>
+            <a:endParaRPr b="1" lang="en-US" sz="2200" spc="-1" strike="noStrike">
+              <a:solidFill>
+                <a:srgbClr val="ce181e"/>
+              </a:solidFill>
               <a:latin typeface="Arial"/>
             </a:endParaRPr>
           </a:p>
@@ -12290,14 +13519,14 @@
       </p:grpSpPr>
       <p:sp>
         <p:nvSpPr>
-          <p:cNvPr id="167" name="CustomShape 1"/>
+          <p:cNvPr id="201" name="CustomShape 1"/>
           <p:cNvSpPr/>
           <p:nvPr/>
         </p:nvSpPr>
         <p:spPr>
           <a:xfrm>
             <a:off x="838080" y="0"/>
-            <a:ext cx="10513800" cy="914040"/>
+            <a:ext cx="10513080" cy="913320"/>
           </a:xfrm>
           <a:prstGeom prst="rect">
             <a:avLst/>
@@ -12339,14 +13568,14 @@
       </p:sp>
       <p:sp>
         <p:nvSpPr>
-          <p:cNvPr id="168" name="CustomShape 2"/>
+          <p:cNvPr id="202" name="CustomShape 2"/>
           <p:cNvSpPr/>
           <p:nvPr/>
         </p:nvSpPr>
         <p:spPr>
           <a:xfrm>
             <a:off x="274320" y="914400"/>
-            <a:ext cx="11704320" cy="6707520"/>
+            <a:ext cx="11703600" cy="6706800"/>
           </a:xfrm>
           <a:prstGeom prst="rect">
             <a:avLst/>
@@ -12365,7 +13594,7 @@
         <p:txBody>
           <a:bodyPr lIns="90000" rIns="90000" tIns="45000" bIns="45000"/>
           <a:p>
-            <a:pPr marL="216000" indent="-215640">
+            <a:pPr marL="216000" indent="-214920">
               <a:lnSpc>
                 <a:spcPct val="100000"/>
               </a:lnSpc>
@@ -12377,7 +13606,11 @@
             </a:pPr>
             <a:r>
               <a:rPr b="0" lang="en-US" sz="3200" spc="-1" strike="noStrike">
-                <a:latin typeface="Arial"/>
+                <a:solidFill>
+                  <a:srgbClr val="000000"/>
+                </a:solidFill>
+                <a:latin typeface="Arial"/>
+                <a:ea typeface="DejaVu Sans"/>
               </a:rPr>
               <a:t>. Source text significantly affected performance indices</a:t>
             </a:r>
@@ -12386,7 +13619,7 @@
             </a:endParaRPr>
           </a:p>
           <a:p>
-            <a:pPr marL="216000" indent="-215640">
+            <a:pPr marL="216000" indent="-214920">
               <a:lnSpc>
                 <a:spcPct val="100000"/>
               </a:lnSpc>
@@ -12398,7 +13631,11 @@
             </a:pPr>
             <a:r>
               <a:rPr b="0" lang="en-US" sz="3200" spc="-1" strike="noStrike">
-                <a:latin typeface="Arial"/>
+                <a:solidFill>
+                  <a:srgbClr val="000000"/>
+                </a:solidFill>
+                <a:latin typeface="Arial"/>
+                <a:ea typeface="DejaVu Sans"/>
               </a:rPr>
               <a:t>. Sample size increase caused a sharp decrease in OI &amp; SW</a:t>
             </a:r>
@@ -12407,7 +13644,7 @@
             </a:endParaRPr>
           </a:p>
           <a:p>
-            <a:pPr marL="216000" indent="-215640">
+            <a:pPr marL="216000" indent="-214920">
               <a:lnSpc>
                 <a:spcPct val="100000"/>
               </a:lnSpc>
@@ -12419,7 +13656,11 @@
             </a:pPr>
             <a:r>
               <a:rPr b="0" lang="en-US" sz="3200" spc="-1" strike="noStrike">
-                <a:latin typeface="Arial"/>
+                <a:solidFill>
+                  <a:srgbClr val="000000"/>
+                </a:solidFill>
+                <a:latin typeface="Arial"/>
+                <a:ea typeface="DejaVu Sans"/>
               </a:rPr>
               <a:t>. Sample size increase showed no significant effect on UI</a:t>
             </a:r>
@@ -12428,7 +13669,7 @@
             </a:endParaRPr>
           </a:p>
           <a:p>
-            <a:pPr marL="216000" indent="-215640">
+            <a:pPr marL="216000" indent="-214920">
               <a:lnSpc>
                 <a:spcPct val="100000"/>
               </a:lnSpc>
@@ -12440,7 +13681,11 @@
             </a:pPr>
             <a:r>
               <a:rPr b="0" lang="en-US" sz="3200" spc="-1" strike="noStrike">
-                <a:latin typeface="Arial"/>
+                <a:solidFill>
+                  <a:srgbClr val="000000"/>
+                </a:solidFill>
+                <a:latin typeface="Arial"/>
+                <a:ea typeface="DejaVu Sans"/>
               </a:rPr>
               <a:t>. In terms of SW, Porter is a light stemmer</a:t>
             </a:r>
@@ -12449,7 +13694,7 @@
             </a:endParaRPr>
           </a:p>
           <a:p>
-            <a:pPr marL="216000" indent="-215640">
+            <a:pPr marL="216000" indent="-214920">
               <a:lnSpc>
                 <a:spcPct val="100000"/>
               </a:lnSpc>
@@ -12461,7 +13706,11 @@
             </a:pPr>
             <a:r>
               <a:rPr b="0" lang="en-US" sz="3200" spc="-1" strike="noStrike">
-                <a:latin typeface="Arial"/>
+                <a:solidFill>
+                  <a:srgbClr val="000000"/>
+                </a:solidFill>
+                <a:latin typeface="Arial"/>
+                <a:ea typeface="DejaVu Sans"/>
               </a:rPr>
               <a:t>. In terms of SW, Paice/Husk is a heavy stemmer</a:t>
             </a:r>
@@ -12470,7 +13719,7 @@
             </a:endParaRPr>
           </a:p>
           <a:p>
-            <a:pPr marL="216000" indent="-215640">
+            <a:pPr marL="216000" indent="-214920">
               <a:lnSpc>
                 <a:spcPct val="100000"/>
               </a:lnSpc>
@@ -12482,7 +13731,11 @@
             </a:pPr>
             <a:r>
               <a:rPr b="0" lang="en-US" sz="3200" spc="-1" strike="noStrike">
-                <a:latin typeface="Arial"/>
+                <a:solidFill>
+                  <a:srgbClr val="000000"/>
+                </a:solidFill>
+                <a:latin typeface="Arial"/>
+                <a:ea typeface="DejaVu Sans"/>
               </a:rPr>
               <a:t>. It might be meaningless to compare Porter to Paice/Husk stemmer (large difference in SW)</a:t>
             </a:r>
@@ -12491,7 +13744,7 @@
             </a:endParaRPr>
           </a:p>
           <a:p>
-            <a:pPr marL="216000" indent="-215640">
+            <a:pPr marL="216000" indent="-214920">
               <a:lnSpc>
                 <a:spcPct val="100000"/>
               </a:lnSpc>
@@ -12503,7 +13756,11 @@
             </a:pPr>
             <a:r>
               <a:rPr b="0" lang="en-US" sz="3200" spc="-1" strike="noStrike">
-                <a:latin typeface="Arial"/>
+                <a:solidFill>
+                  <a:srgbClr val="000000"/>
+                </a:solidFill>
+                <a:latin typeface="Arial"/>
+                <a:ea typeface="DejaVu Sans"/>
               </a:rPr>
               <a:t>. Lovins is less accurate than the other two stemmers</a:t>
             </a:r>
@@ -12512,7 +13769,7 @@
             </a:endParaRPr>
           </a:p>
           <a:p>
-            <a:pPr marL="216000" indent="-215640">
+            <a:pPr marL="216000" indent="-214920">
               <a:lnSpc>
                 <a:spcPct val="100000"/>
               </a:lnSpc>
@@ -12524,11 +13781,55 @@
             </a:pPr>
             <a:r>
               <a:rPr b="0" lang="en-US" sz="3200" spc="-1" strike="noStrike">
-                <a:latin typeface="Arial"/>
+                <a:solidFill>
+                  <a:srgbClr val="000000"/>
+                </a:solidFill>
+                <a:latin typeface="Arial"/>
+                <a:ea typeface="DejaVu Sans"/>
               </a:rPr>
               <a:t>. Porter stemmer is significantly lighter than Lovins and several other stemming algorithms (Earlier research found the same result)</a:t>
             </a:r>
             <a:endParaRPr b="0" lang="en-US" sz="3200" spc="-1" strike="noStrike">
+              <a:latin typeface="Arial"/>
+            </a:endParaRPr>
+          </a:p>
+        </p:txBody>
+      </p:sp>
+      <p:sp>
+        <p:nvSpPr>
+          <p:cNvPr id="203" name="TextShape 3"/>
+          <p:cNvSpPr txBox="1"/>
+          <p:nvPr/>
+        </p:nvSpPr>
+        <p:spPr>
+          <a:xfrm>
+            <a:off x="182880" y="6310080"/>
+            <a:ext cx="548640" cy="456840"/>
+          </a:xfrm>
+          <a:prstGeom prst="rect">
+            <a:avLst/>
+          </a:prstGeom>
+          <a:noFill/>
+          <a:ln>
+            <a:noFill/>
+          </a:ln>
+        </p:spPr>
+        <p:txBody>
+          <a:bodyPr lIns="90000" rIns="90000" tIns="45000" bIns="45000"/>
+          <a:p>
+            <a:r>
+              <a:rPr b="1" lang="en-US" sz="2200" spc="-1" strike="noStrike">
+                <a:solidFill>
+                  <a:srgbClr val="ce181e"/>
+                </a:solidFill>
+                <a:latin typeface="Arial"/>
+              </a:rPr>
+              <a:t>34</a:t>
+            </a:r>
+            <a:endParaRPr b="1" lang="en-US" sz="2200" spc="-1" strike="noStrike">
+              <a:solidFill>
+                <a:srgbClr val="ce181e"/>
+              </a:solidFill>
               <a:latin typeface="Arial"/>
             </a:endParaRPr>
           </a:p>
@@ -12543,6 +13844,225 @@
           <p:childTnLst>
             <p:seq>
               <p:cTn id="72" nodeType="mainSeq"/>
+              <p:prevCondLst>
+                <p:cond delay="0" evt="onPrev">
+                  <p:tgtEl>
+                    <p:sldTgt/>
+                  </p:tgtEl>
+                </p:cond>
+              </p:prevCondLst>
+              <p:nextCondLst>
+                <p:cond delay="0" evt="onNext">
+                  <p:tgtEl>
+                    <p:sldTgt/>
+                  </p:tgtEl>
+                </p:cond>
+              </p:nextCondLst>
+            </p:seq>
+          </p:childTnLst>
+        </p:cTn>
+      </p:par>
+    </p:tnLst>
+  </p:timing>
+</p:sld>
+</file>
+
+<file path=ppt/slides/slide37.xml><?xml version="1.0" encoding="utf-8"?>
+<p:sld xmlns:a="http://schemas.openxmlformats.org/drawingml/2006/main" xmlns:p="http://schemas.openxmlformats.org/presentationml/2006/main" xmlns:r="http://schemas.openxmlformats.org/officeDocument/2006/relationships" xmlns:p14="http://schemas.microsoft.com/office/powerpoint/2010/main" xmlns:p15="http://schemas.microsoft.com/office/powerpoint/2012/main" xmlns:mc="http://schemas.openxmlformats.org/markup-compatibility/2006">
+  <p:cSld>
+    <p:spTree>
+      <p:nvGrpSpPr>
+        <p:cNvPr id="1" name=""/>
+        <p:cNvGrpSpPr/>
+        <p:nvPr/>
+      </p:nvGrpSpPr>
+      <p:grpSpPr>
+        <a:xfrm>
+          <a:off x="0" y="0"/>
+          <a:ext cx="0" cy="0"/>
+          <a:chOff x="0" y="0"/>
+          <a:chExt cx="0" cy="0"/>
+        </a:xfrm>
+      </p:grpSpPr>
+      <p:sp>
+        <p:nvSpPr>
+          <p:cNvPr id="204" name="CustomShape 1"/>
+          <p:cNvSpPr/>
+          <p:nvPr/>
+        </p:nvSpPr>
+        <p:spPr>
+          <a:xfrm>
+            <a:off x="838080" y="0"/>
+            <a:ext cx="10513080" cy="913320"/>
+          </a:xfrm>
+          <a:prstGeom prst="rect">
+            <a:avLst/>
+          </a:prstGeom>
+          <a:noFill/>
+          <a:ln>
+            <a:noFill/>
+          </a:ln>
+        </p:spPr>
+        <p:style>
+          <a:lnRef idx="0"/>
+          <a:fillRef idx="0"/>
+          <a:effectRef idx="0"/>
+          <a:fontRef idx="minor"/>
+        </p:style>
+        <p:txBody>
+          <a:bodyPr lIns="90000" rIns="90000" tIns="45000" bIns="45000" anchor="ctr"/>
+          <a:p>
+            <a:pPr>
+              <a:lnSpc>
+                <a:spcPct val="90000"/>
+              </a:lnSpc>
+            </a:pPr>
+            <a:r>
+              <a:rPr b="1" lang="en-US" sz="4000" spc="-1" strike="noStrike">
+                <a:solidFill>
+                  <a:srgbClr val="4472c4"/>
+                </a:solidFill>
+                <a:latin typeface="Calibri Light"/>
+                <a:ea typeface="DejaVu Sans"/>
+              </a:rPr>
+              <a:t>References</a:t>
+            </a:r>
+            <a:endParaRPr b="0" lang="en-US" sz="4000" spc="-1" strike="noStrike">
+              <a:latin typeface="Arial"/>
+            </a:endParaRPr>
+          </a:p>
+        </p:txBody>
+      </p:sp>
+      <p:sp>
+        <p:nvSpPr>
+          <p:cNvPr id="205" name="CustomShape 2"/>
+          <p:cNvSpPr/>
+          <p:nvPr/>
+        </p:nvSpPr>
+        <p:spPr>
+          <a:xfrm>
+            <a:off x="274320" y="914400"/>
+            <a:ext cx="11703600" cy="6706800"/>
+          </a:xfrm>
+          <a:prstGeom prst="rect">
+            <a:avLst/>
+          </a:prstGeom>
+          <a:noFill/>
+          <a:ln>
+            <a:noFill/>
+          </a:ln>
+        </p:spPr>
+        <p:style>
+          <a:lnRef idx="0"/>
+          <a:fillRef idx="0"/>
+          <a:effectRef idx="0"/>
+          <a:fontRef idx="minor"/>
+        </p:style>
+        <p:txBody>
+          <a:bodyPr lIns="90000" rIns="90000" tIns="45000" bIns="45000"/>
+          <a:p>
+            <a:pPr>
+              <a:lnSpc>
+                <a:spcPct val="90000"/>
+              </a:lnSpc>
+              <a:spcBef>
+                <a:spcPts val="1001"/>
+              </a:spcBef>
+            </a:pPr>
+            <a:r>
+              <a:rPr b="0" lang="en-US" sz="2800" spc="-1" strike="noStrike">
+                <a:solidFill>
+                  <a:srgbClr val="000000"/>
+                </a:solidFill>
+                <a:latin typeface="Calibri"/>
+                <a:ea typeface="DejaVu Sans"/>
+              </a:rPr>
+              <a:t>[1] M.F.Porter, An Algorithm for Suffix Stripping (1980)</a:t>
+            </a:r>
+            <a:endParaRPr b="0" lang="en-US" sz="2800" spc="-1" strike="noStrike">
+              <a:solidFill>
+                <a:srgbClr val="000000"/>
+              </a:solidFill>
+              <a:latin typeface="Arial"/>
+            </a:endParaRPr>
+          </a:p>
+          <a:p>
+            <a:pPr>
+              <a:lnSpc>
+                <a:spcPct val="90000"/>
+              </a:lnSpc>
+              <a:spcBef>
+                <a:spcPts val="1001"/>
+              </a:spcBef>
+            </a:pPr>
+            <a:r>
+              <a:rPr b="0" lang="en-US" sz="2800" spc="-1" strike="noStrike">
+                <a:solidFill>
+                  <a:srgbClr val="000000"/>
+                </a:solidFill>
+                <a:latin typeface="Calibri"/>
+                <a:ea typeface="DejaVu Sans"/>
+              </a:rPr>
+              <a:t>[2] Chris D. Paice, An Evaluation Method for Stemming Algorithms (1994)</a:t>
+            </a:r>
+            <a:endParaRPr b="0" lang="en-US" sz="2800" spc="-1" strike="noStrike">
+              <a:solidFill>
+                <a:srgbClr val="000000"/>
+              </a:solidFill>
+              <a:latin typeface="Arial"/>
+            </a:endParaRPr>
+          </a:p>
+        </p:txBody>
+      </p:sp>
+      <p:sp>
+        <p:nvSpPr>
+          <p:cNvPr id="206" name="TextShape 3"/>
+          <p:cNvSpPr txBox="1"/>
+          <p:nvPr/>
+        </p:nvSpPr>
+        <p:spPr>
+          <a:xfrm>
+            <a:off x="182880" y="6310080"/>
+            <a:ext cx="548640" cy="456840"/>
+          </a:xfrm>
+          <a:prstGeom prst="rect">
+            <a:avLst/>
+          </a:prstGeom>
+          <a:noFill/>
+          <a:ln>
+            <a:noFill/>
+          </a:ln>
+        </p:spPr>
+        <p:txBody>
+          <a:bodyPr lIns="90000" rIns="90000" tIns="45000" bIns="45000"/>
+          <a:p>
+            <a:r>
+              <a:rPr b="1" lang="en-US" sz="2200" spc="-1" strike="noStrike">
+                <a:solidFill>
+                  <a:srgbClr val="ce181e"/>
+                </a:solidFill>
+                <a:latin typeface="Arial"/>
+              </a:rPr>
+              <a:t>35</a:t>
+            </a:r>
+            <a:endParaRPr b="1" lang="en-US" sz="2200" spc="-1" strike="noStrike">
+              <a:solidFill>
+                <a:srgbClr val="ce181e"/>
+              </a:solidFill>
+              <a:latin typeface="Arial"/>
+            </a:endParaRPr>
+          </a:p>
+        </p:txBody>
+      </p:sp>
+    </p:spTree>
+  </p:cSld>
+  <p:timing>
+    <p:tnLst>
+      <p:par>
+        <p:cTn id="73" dur="indefinite" restart="never" nodeType="tmRoot">
+          <p:childTnLst>
+            <p:seq>
+              <p:cTn id="74" nodeType="mainSeq"/>
               <p:prevCondLst>
                 <p:cond delay="0" evt="onPrev">
                   <p:tgtEl>
@@ -12585,14 +14105,14 @@
       </p:grpSpPr>
       <p:sp>
         <p:nvSpPr>
-          <p:cNvPr id="82" name="CustomShape 1"/>
+          <p:cNvPr id="84" name="CustomShape 1"/>
           <p:cNvSpPr/>
           <p:nvPr/>
         </p:nvSpPr>
         <p:spPr>
           <a:xfrm>
             <a:off x="838080" y="365040"/>
-            <a:ext cx="10513800" cy="1323720"/>
+            <a:ext cx="10513080" cy="1323000"/>
           </a:xfrm>
           <a:prstGeom prst="rect">
             <a:avLst/>
@@ -12634,14 +14154,14 @@
       </p:sp>
       <p:sp>
         <p:nvSpPr>
-          <p:cNvPr id="83" name="CustomShape 2"/>
+          <p:cNvPr id="85" name="CustomShape 2"/>
           <p:cNvSpPr/>
           <p:nvPr/>
         </p:nvSpPr>
         <p:spPr>
           <a:xfrm>
             <a:off x="731520" y="1554480"/>
-            <a:ext cx="10620360" cy="4620600"/>
+            <a:ext cx="10619640" cy="4619880"/>
           </a:xfrm>
           <a:prstGeom prst="rect">
             <a:avLst/>
@@ -12946,6 +14466,46 @@
           </a:p>
           <a:p>
             <a:endParaRPr b="0" lang="en-US" sz="3600" spc="-1" strike="noStrike">
+              <a:latin typeface="Arial"/>
+            </a:endParaRPr>
+          </a:p>
+        </p:txBody>
+      </p:sp>
+      <p:sp>
+        <p:nvSpPr>
+          <p:cNvPr id="86" name="TextShape 3"/>
+          <p:cNvSpPr txBox="1"/>
+          <p:nvPr/>
+        </p:nvSpPr>
+        <p:spPr>
+          <a:xfrm>
+            <a:off x="182880" y="6309720"/>
+            <a:ext cx="365760" cy="399960"/>
+          </a:xfrm>
+          <a:prstGeom prst="rect">
+            <a:avLst/>
+          </a:prstGeom>
+          <a:noFill/>
+          <a:ln>
+            <a:noFill/>
+          </a:ln>
+        </p:spPr>
+        <p:txBody>
+          <a:bodyPr lIns="90000" rIns="90000" tIns="45000" bIns="45000"/>
+          <a:p>
+            <a:r>
+              <a:rPr b="1" lang="en-US" sz="2200" spc="-1" strike="noStrike">
+                <a:solidFill>
+                  <a:srgbClr val="ce181e"/>
+                </a:solidFill>
+                <a:latin typeface="Arial"/>
+              </a:rPr>
+              <a:t>2</a:t>
+            </a:r>
+            <a:endParaRPr b="1" lang="en-US" sz="2200" spc="-1" strike="noStrike">
+              <a:solidFill>
+                <a:srgbClr val="ce181e"/>
+              </a:solidFill>
               <a:latin typeface="Arial"/>
             </a:endParaRPr>
           </a:p>
@@ -13002,14 +14562,14 @@
       </p:grpSpPr>
       <p:sp>
         <p:nvSpPr>
-          <p:cNvPr id="84" name="CustomShape 1"/>
+          <p:cNvPr id="87" name="CustomShape 1"/>
           <p:cNvSpPr/>
           <p:nvPr/>
         </p:nvSpPr>
         <p:spPr>
           <a:xfrm>
             <a:off x="838080" y="-66960"/>
-            <a:ext cx="10513800" cy="1323720"/>
+            <a:ext cx="10513080" cy="1323000"/>
           </a:xfrm>
           <a:prstGeom prst="rect">
             <a:avLst/>
@@ -13051,14 +14611,14 @@
       </p:sp>
       <p:sp>
         <p:nvSpPr>
-          <p:cNvPr id="85" name="CustomShape 2"/>
+          <p:cNvPr id="88" name="CustomShape 2"/>
           <p:cNvSpPr/>
           <p:nvPr/>
         </p:nvSpPr>
         <p:spPr>
           <a:xfrm>
             <a:off x="838080" y="1825560"/>
-            <a:ext cx="10513800" cy="4349520"/>
+            <a:ext cx="10513080" cy="4348800"/>
           </a:xfrm>
           <a:prstGeom prst="rect">
             <a:avLst/>
@@ -13092,14 +14652,14 @@
       </p:sp>
       <p:sp>
         <p:nvSpPr>
-          <p:cNvPr id="86" name="CustomShape 3"/>
+          <p:cNvPr id="89" name="CustomShape 3"/>
           <p:cNvSpPr/>
           <p:nvPr/>
         </p:nvSpPr>
         <p:spPr>
           <a:xfrm>
             <a:off x="914400" y="1041120"/>
-            <a:ext cx="10058040" cy="4665600"/>
+            <a:ext cx="10057320" cy="4664880"/>
           </a:xfrm>
           <a:prstGeom prst="rect">
             <a:avLst/>
@@ -13120,7 +14680,11 @@
           <a:p>
             <a:r>
               <a:rPr b="1" lang="en-US" sz="3600" spc="-1" strike="noStrike">
-                <a:latin typeface="Calibri"/>
+                <a:solidFill>
+                  <a:srgbClr val="000000"/>
+                </a:solidFill>
+                <a:latin typeface="Calibri"/>
+                <a:ea typeface="DejaVu Sans"/>
               </a:rPr>
               <a:t>C </a:t>
             </a:r>
@@ -13130,6 +14694,7 @@
                   <a:srgbClr val="ce181e"/>
                 </a:solidFill>
                 <a:latin typeface="Calibri"/>
+                <a:ea typeface="DejaVu Sans"/>
               </a:rPr>
               <a:t>O M P U T E R</a:t>
             </a:r>
@@ -13144,6 +14709,7 @@
                   <a:srgbClr val="ce181e"/>
                 </a:solidFill>
                 <a:latin typeface="Calibri"/>
+                <a:ea typeface="DejaVu Sans"/>
               </a:rPr>
               <a:t>C </a:t>
             </a:r>
@@ -13154,6 +14720,7 @@
                 </a:solidFill>
                 <a:uFillTx/>
                 <a:latin typeface="Calibri"/>
+                <a:ea typeface="DejaVu Sans"/>
               </a:rPr>
               <a:t>V  C</a:t>
             </a:r>
@@ -13163,6 +14730,7 @@
                   <a:srgbClr val="ce181e"/>
                 </a:solidFill>
                 <a:latin typeface="Calibri"/>
+                <a:ea typeface="DejaVu Sans"/>
               </a:rPr>
               <a:t>     </a:t>
             </a:r>
@@ -13173,6 +14741,7 @@
                 </a:solidFill>
                 <a:uFillTx/>
                 <a:latin typeface="Calibri"/>
+                <a:ea typeface="DejaVu Sans"/>
               </a:rPr>
               <a:t>V C</a:t>
             </a:r>
@@ -13182,6 +14751,7 @@
                   <a:srgbClr val="ce181e"/>
                 </a:solidFill>
                 <a:latin typeface="Calibri"/>
+                <a:ea typeface="DejaVu Sans"/>
               </a:rPr>
               <a:t> </a:t>
             </a:r>
@@ -13192,6 +14762,7 @@
                 </a:solidFill>
                 <a:uFillTx/>
                 <a:latin typeface="Calibri"/>
+                <a:ea typeface="DejaVu Sans"/>
               </a:rPr>
               <a:t>V C</a:t>
             </a:r>
@@ -13201,6 +14772,7 @@
                   <a:srgbClr val="ce181e"/>
                 </a:solidFill>
                 <a:latin typeface="Calibri"/>
+                <a:ea typeface="DejaVu Sans"/>
               </a:rPr>
               <a:t> = [VC]{3}</a:t>
             </a:r>
@@ -13220,6 +14792,7 @@
                   <a:srgbClr val="ce181e"/>
                 </a:solidFill>
                 <a:latin typeface="Calibri"/>
+                <a:ea typeface="DejaVu Sans"/>
               </a:rPr>
               <a:t>C O M P U T A T I O N A L</a:t>
             </a:r>
@@ -13234,6 +14807,7 @@
                   <a:srgbClr val="ce181e"/>
                 </a:solidFill>
                 <a:latin typeface="Calibri"/>
+                <a:ea typeface="DejaVu Sans"/>
               </a:rPr>
               <a:t>C </a:t>
             </a:r>
@@ -13244,6 +14818,7 @@
                 </a:solidFill>
                 <a:uFillTx/>
                 <a:latin typeface="Calibri"/>
+                <a:ea typeface="DejaVu Sans"/>
               </a:rPr>
               <a:t>V C</a:t>
             </a:r>
@@ -13253,6 +14828,7 @@
                   <a:srgbClr val="ce181e"/>
                 </a:solidFill>
                 <a:latin typeface="Calibri"/>
+                <a:ea typeface="DejaVu Sans"/>
               </a:rPr>
               <a:t>      </a:t>
             </a:r>
@@ -13263,6 +14839,7 @@
                 </a:solidFill>
                 <a:uFillTx/>
                 <a:latin typeface="Calibri"/>
+                <a:ea typeface="DejaVu Sans"/>
               </a:rPr>
               <a:t>V C</a:t>
             </a:r>
@@ -13272,6 +14849,7 @@
                   <a:srgbClr val="ce181e"/>
                 </a:solidFill>
                 <a:latin typeface="Calibri"/>
+                <a:ea typeface="DejaVu Sans"/>
               </a:rPr>
               <a:t> </a:t>
             </a:r>
@@ -13282,6 +14860,7 @@
                 </a:solidFill>
                 <a:uFillTx/>
                 <a:latin typeface="Calibri"/>
+                <a:ea typeface="DejaVu Sans"/>
               </a:rPr>
               <a:t>V C</a:t>
             </a:r>
@@ -13291,6 +14870,7 @@
                   <a:srgbClr val="ce181e"/>
                 </a:solidFill>
                 <a:latin typeface="Calibri"/>
+                <a:ea typeface="DejaVu Sans"/>
               </a:rPr>
               <a:t>  </a:t>
             </a:r>
@@ -13301,6 +14881,7 @@
                 </a:solidFill>
                 <a:uFillTx/>
                 <a:latin typeface="Calibri"/>
+                <a:ea typeface="DejaVu Sans"/>
               </a:rPr>
               <a:t>V   C</a:t>
             </a:r>
@@ -13310,6 +14891,7 @@
                   <a:srgbClr val="ce181e"/>
                 </a:solidFill>
                 <a:latin typeface="Calibri"/>
+                <a:ea typeface="DejaVu Sans"/>
               </a:rPr>
               <a:t> </a:t>
             </a:r>
@@ -13320,6 +14902,7 @@
                 </a:solidFill>
                 <a:uFillTx/>
                 <a:latin typeface="Calibri"/>
+                <a:ea typeface="DejaVu Sans"/>
               </a:rPr>
               <a:t>V C</a:t>
             </a:r>
@@ -13329,6 +14912,7 @@
                   <a:srgbClr val="ce181e"/>
                 </a:solidFill>
                 <a:latin typeface="Calibri"/>
+                <a:ea typeface="DejaVu Sans"/>
               </a:rPr>
               <a:t> = [VC]{5}</a:t>
             </a:r>
@@ -13348,6 +14932,7 @@
                   <a:srgbClr val="000000"/>
                 </a:solidFill>
                 <a:latin typeface="Calibri"/>
+                <a:ea typeface="DejaVu Sans"/>
               </a:rPr>
               <a:t>m=0: I, AAA, CNN, TO, GLEE</a:t>
             </a:r>
@@ -13362,6 +14947,7 @@
                   <a:srgbClr val="000000"/>
                 </a:solidFill>
                 <a:latin typeface="Calibri"/>
+                <a:ea typeface="DejaVu Sans"/>
               </a:rPr>
               <a:t>m=1: OR, EAST, BRICK, STREET, DOGMA</a:t>
             </a:r>
@@ -13376,6 +14962,7 @@
                   <a:srgbClr val="000000"/>
                 </a:solidFill>
                 <a:latin typeface="Calibri"/>
+                <a:ea typeface="DejaVu Sans"/>
               </a:rPr>
               <a:t>m=2: OPAL, EASTERN, DOGMAS</a:t>
             </a:r>
@@ -13390,10 +14977,51 @@
                   <a:srgbClr val="000000"/>
                 </a:solidFill>
                 <a:latin typeface="Calibri"/>
+                <a:ea typeface="DejaVu Sans"/>
               </a:rPr>
               <a:t>m=3: EASTERNMOST, DOGMATIC</a:t>
             </a:r>
             <a:endParaRPr b="0" lang="en-US" sz="3600" spc="-1" strike="noStrike">
+              <a:latin typeface="Arial"/>
+            </a:endParaRPr>
+          </a:p>
+        </p:txBody>
+      </p:sp>
+      <p:sp>
+        <p:nvSpPr>
+          <p:cNvPr id="90" name="TextShape 4"/>
+          <p:cNvSpPr txBox="1"/>
+          <p:nvPr/>
+        </p:nvSpPr>
+        <p:spPr>
+          <a:xfrm>
+            <a:off x="182880" y="6309720"/>
+            <a:ext cx="365760" cy="399960"/>
+          </a:xfrm>
+          <a:prstGeom prst="rect">
+            <a:avLst/>
+          </a:prstGeom>
+          <a:noFill/>
+          <a:ln>
+            <a:noFill/>
+          </a:ln>
+        </p:spPr>
+        <p:txBody>
+          <a:bodyPr lIns="90000" rIns="90000" tIns="45000" bIns="45000"/>
+          <a:p>
+            <a:r>
+              <a:rPr b="1" lang="en-US" sz="2200" spc="-1" strike="noStrike">
+                <a:solidFill>
+                  <a:srgbClr val="ce181e"/>
+                </a:solidFill>
+                <a:latin typeface="Arial"/>
+              </a:rPr>
+              <a:t>3</a:t>
+            </a:r>
+            <a:endParaRPr b="1" lang="en-US" sz="2200" spc="-1" strike="noStrike">
+              <a:solidFill>
+                <a:srgbClr val="ce181e"/>
+              </a:solidFill>
               <a:latin typeface="Arial"/>
             </a:endParaRPr>
           </a:p>
@@ -13450,14 +15078,14 @@
       </p:grpSpPr>
       <p:sp>
         <p:nvSpPr>
-          <p:cNvPr id="87" name="CustomShape 1"/>
+          <p:cNvPr id="91" name="CustomShape 1"/>
           <p:cNvSpPr/>
           <p:nvPr/>
         </p:nvSpPr>
         <p:spPr>
           <a:xfrm>
             <a:off x="838080" y="5040"/>
-            <a:ext cx="10513800" cy="1323720"/>
+            <a:ext cx="10513080" cy="1323000"/>
           </a:xfrm>
           <a:prstGeom prst="rect">
             <a:avLst/>
@@ -13499,14 +15127,14 @@
       </p:sp>
       <p:sp>
         <p:nvSpPr>
-          <p:cNvPr id="88" name="CustomShape 2"/>
+          <p:cNvPr id="92" name="CustomShape 2"/>
           <p:cNvSpPr/>
           <p:nvPr/>
         </p:nvSpPr>
         <p:spPr>
           <a:xfrm>
             <a:off x="838080" y="1393560"/>
-            <a:ext cx="10513800" cy="1532520"/>
+            <a:ext cx="10513080" cy="1531800"/>
           </a:xfrm>
           <a:prstGeom prst="rect">
             <a:avLst/>
@@ -13590,7 +15218,7 @@
       </p:sp>
       <p:graphicFrame>
         <p:nvGraphicFramePr>
-          <p:cNvPr id="89" name="Table 3"/>
+          <p:cNvPr id="93" name="Table 3"/>
           <p:cNvGraphicFramePr/>
           <p:nvPr/>
         </p:nvGraphicFramePr>
@@ -14120,6 +15748,46 @@
           </a:graphicData>
         </a:graphic>
       </p:graphicFrame>
+      <p:sp>
+        <p:nvSpPr>
+          <p:cNvPr id="94" name="TextShape 4"/>
+          <p:cNvSpPr txBox="1"/>
+          <p:nvPr/>
+        </p:nvSpPr>
+        <p:spPr>
+          <a:xfrm>
+            <a:off x="182880" y="6309720"/>
+            <a:ext cx="365760" cy="399960"/>
+          </a:xfrm>
+          <a:prstGeom prst="rect">
+            <a:avLst/>
+          </a:prstGeom>
+          <a:noFill/>
+          <a:ln>
+            <a:noFill/>
+          </a:ln>
+        </p:spPr>
+        <p:txBody>
+          <a:bodyPr lIns="90000" rIns="90000" tIns="45000" bIns="45000"/>
+          <a:p>
+            <a:r>
+              <a:rPr b="1" lang="en-US" sz="2200" spc="-1" strike="noStrike">
+                <a:solidFill>
+                  <a:srgbClr val="ce181e"/>
+                </a:solidFill>
+                <a:latin typeface="Arial"/>
+              </a:rPr>
+              <a:t>4</a:t>
+            </a:r>
+            <a:endParaRPr b="1" lang="en-US" sz="2200" spc="-1" strike="noStrike">
+              <a:solidFill>
+                <a:srgbClr val="ce181e"/>
+              </a:solidFill>
+              <a:latin typeface="Arial"/>
+            </a:endParaRPr>
+          </a:p>
+        </p:txBody>
+      </p:sp>
     </p:spTree>
   </p:cSld>
   <p:timing>
@@ -14171,14 +15839,14 @@
       </p:grpSpPr>
       <p:sp>
         <p:nvSpPr>
-          <p:cNvPr id="90" name="CustomShape 1"/>
+          <p:cNvPr id="95" name="CustomShape 1"/>
           <p:cNvSpPr/>
           <p:nvPr/>
         </p:nvSpPr>
         <p:spPr>
           <a:xfrm>
             <a:off x="838080" y="-66960"/>
-            <a:ext cx="10513800" cy="1323720"/>
+            <a:ext cx="10513080" cy="1323000"/>
           </a:xfrm>
           <a:prstGeom prst="rect">
             <a:avLst/>
@@ -14220,14 +15888,14 @@
       </p:sp>
       <p:sp>
         <p:nvSpPr>
-          <p:cNvPr id="91" name="CustomShape 2"/>
+          <p:cNvPr id="96" name="CustomShape 2"/>
           <p:cNvSpPr/>
           <p:nvPr/>
         </p:nvSpPr>
         <p:spPr>
           <a:xfrm>
             <a:off x="782280" y="800640"/>
-            <a:ext cx="10922040" cy="5852160"/>
+            <a:ext cx="10921320" cy="5851440"/>
           </a:xfrm>
           <a:prstGeom prst="rect">
             <a:avLst/>
@@ -14274,8 +15942,18 @@
                 <a:latin typeface="Calibri Light"/>
                 <a:ea typeface="DejaVu Sans"/>
               </a:rPr>
-              <a:t>Step 1: M</a:t>
-            </a:r>
+              <a:t>Step 1: Manipulating words ending with S</a:t>
+            </a:r>
+            <a:endParaRPr b="0" lang="en-US" sz="4400" spc="-1" strike="noStrike">
+              <a:latin typeface="Arial"/>
+            </a:endParaRPr>
+          </a:p>
+          <a:p>
+            <a:pPr>
+              <a:lnSpc>
+                <a:spcPct val="90000"/>
+              </a:lnSpc>
+            </a:pPr>
             <a:r>
               <a:rPr b="1" lang="en-US" sz="4400" spc="-1" strike="noStrike">
                 <a:solidFill>
@@ -14284,7 +15962,7 @@
                 <a:latin typeface="Calibri Light"/>
                 <a:ea typeface="DejaVu Sans"/>
               </a:rPr>
-              <a:t>anipulating words ending with S</a:t>
+              <a:t>Step 2a: Handling Past tense, Progressive</a:t>
             </a:r>
             <a:endParaRPr b="0" lang="en-US" sz="4400" spc="-1" strike="noStrike">
               <a:latin typeface="Arial"/>
@@ -14304,7 +15982,7 @@
                 <a:latin typeface="Calibri Light"/>
                 <a:ea typeface="DejaVu Sans"/>
               </a:rPr>
-              <a:t>Step 2a: Handling Past tense, Progressive</a:t>
+              <a:t>Step 2b: Cleanup</a:t>
             </a:r>
             <a:endParaRPr b="0" lang="en-US" sz="4400" spc="-1" strike="noStrike">
               <a:latin typeface="Arial"/>
@@ -14324,13 +16002,18 @@
                 <a:latin typeface="Calibri Light"/>
                 <a:ea typeface="DejaVu Sans"/>
               </a:rPr>
-              <a:t>Step 2b: Cleanup</a:t>
+              <a:t>Step 3: Y Elimination</a:t>
             </a:r>
             <a:endParaRPr b="0" lang="en-US" sz="4400" spc="-1" strike="noStrike">
               <a:latin typeface="Arial"/>
             </a:endParaRPr>
           </a:p>
           <a:p>
+            <a:pPr>
+              <a:lnSpc>
+                <a:spcPct val="90000"/>
+              </a:lnSpc>
+            </a:pPr>
             <a:r>
               <a:rPr b="1" lang="en-US" sz="4400" spc="-1" strike="noStrike">
                 <a:solidFill>
@@ -14339,13 +16022,18 @@
                 <a:latin typeface="Calibri Light"/>
                 <a:ea typeface="DejaVu Sans"/>
               </a:rPr>
-              <a:t>Step 3: Y Elimination</a:t>
+              <a:t>Step 4: Derivational Morphology 1</a:t>
             </a:r>
             <a:endParaRPr b="0" lang="en-US" sz="4400" spc="-1" strike="noStrike">
               <a:latin typeface="Arial"/>
             </a:endParaRPr>
           </a:p>
           <a:p>
+            <a:pPr>
+              <a:lnSpc>
+                <a:spcPct val="90000"/>
+              </a:lnSpc>
+            </a:pPr>
             <a:r>
               <a:rPr b="1" lang="en-US" sz="4400" spc="-1" strike="noStrike">
                 <a:solidFill>
@@ -14354,13 +16042,18 @@
                 <a:latin typeface="Calibri Light"/>
                 <a:ea typeface="DejaVu Sans"/>
               </a:rPr>
-              <a:t>Step 4: Derivational Morphology 1</a:t>
+              <a:t>Step 5: Derivational Morphology 2</a:t>
             </a:r>
             <a:endParaRPr b="0" lang="en-US" sz="4400" spc="-1" strike="noStrike">
               <a:latin typeface="Arial"/>
             </a:endParaRPr>
           </a:p>
           <a:p>
+            <a:pPr>
+              <a:lnSpc>
+                <a:spcPct val="90000"/>
+              </a:lnSpc>
+            </a:pPr>
             <a:r>
               <a:rPr b="1" lang="en-US" sz="4400" spc="-1" strike="noStrike">
                 <a:solidFill>
@@ -14369,13 +16062,18 @@
                 <a:latin typeface="Calibri Light"/>
                 <a:ea typeface="DejaVu Sans"/>
               </a:rPr>
-              <a:t>Step 5: Derivational Morphology 2</a:t>
+              <a:t>Step 6: Derivational Morphology 3</a:t>
             </a:r>
             <a:endParaRPr b="0" lang="en-US" sz="4400" spc="-1" strike="noStrike">
               <a:latin typeface="Arial"/>
             </a:endParaRPr>
           </a:p>
           <a:p>
+            <a:pPr>
+              <a:lnSpc>
+                <a:spcPct val="90000"/>
+              </a:lnSpc>
+            </a:pPr>
             <a:r>
               <a:rPr b="1" lang="en-US" sz="4400" spc="-1" strike="noStrike">
                 <a:solidFill>
@@ -14384,13 +16082,18 @@
                 <a:latin typeface="Calibri Light"/>
                 <a:ea typeface="DejaVu Sans"/>
               </a:rPr>
-              <a:t>Step 6: Derivational Morphology 3</a:t>
+              <a:t>Step 7a: Cleanup</a:t>
             </a:r>
             <a:endParaRPr b="0" lang="en-US" sz="4400" spc="-1" strike="noStrike">
               <a:latin typeface="Arial"/>
             </a:endParaRPr>
           </a:p>
           <a:p>
+            <a:pPr>
+              <a:lnSpc>
+                <a:spcPct val="90000"/>
+              </a:lnSpc>
+            </a:pPr>
             <a:r>
               <a:rPr b="1" lang="en-US" sz="4400" spc="-1" strike="noStrike">
                 <a:solidFill>
@@ -14399,34 +16102,37 @@
                 <a:latin typeface="Calibri Light"/>
                 <a:ea typeface="DejaVu Sans"/>
               </a:rPr>
-              <a:t>Step 7a: Cleanup</a:t>
+              <a:t>Step 7b: Cleanup</a:t>
             </a:r>
             <a:endParaRPr b="0" lang="en-US" sz="4400" spc="-1" strike="noStrike">
               <a:latin typeface="Arial"/>
             </a:endParaRPr>
           </a:p>
           <a:p>
-            <a:r>
-              <a:rPr b="1" lang="en-US" sz="4400" spc="-1" strike="noStrike">
-                <a:solidFill>
-                  <a:srgbClr val="000000"/>
-                </a:solidFill>
-                <a:latin typeface="Calibri Light"/>
-                <a:ea typeface="DejaVu Sans"/>
-              </a:rPr>
-              <a:t>Step 7b: Cleanup</a:t>
-            </a:r>
+            <a:pPr>
+              <a:lnSpc>
+                <a:spcPct val="90000"/>
+              </a:lnSpc>
+            </a:pPr>
             <a:endParaRPr b="0" lang="en-US" sz="4400" spc="-1" strike="noStrike">
               <a:latin typeface="Arial"/>
             </a:endParaRPr>
           </a:p>
           <a:p>
+            <a:pPr marL="742680" indent="-284400">
+              <a:lnSpc>
+                <a:spcPct val="100000"/>
+              </a:lnSpc>
+              <a:spcBef>
+                <a:spcPts val="448"/>
+              </a:spcBef>
+            </a:pPr>
             <a:endParaRPr b="0" lang="en-US" sz="4400" spc="-1" strike="noStrike">
               <a:latin typeface="Arial"/>
             </a:endParaRPr>
           </a:p>
           <a:p>
-            <a:pPr marL="742680" indent="-285120">
+            <a:pPr marL="742680" indent="-284400">
               <a:lnSpc>
                 <a:spcPct val="100000"/>
               </a:lnSpc>
@@ -14439,7 +16145,7 @@
             </a:endParaRPr>
           </a:p>
           <a:p>
-            <a:pPr>
+            <a:pPr marL="742680" indent="-284400">
               <a:lnSpc>
                 <a:spcPct val="100000"/>
               </a:lnSpc>
@@ -14452,28 +16158,55 @@
             </a:endParaRPr>
           </a:p>
           <a:p>
-            <a:pPr>
+            <a:pPr marL="342720" indent="-341640">
               <a:lnSpc>
                 <a:spcPct val="100000"/>
               </a:lnSpc>
               <a:spcBef>
-                <a:spcPts val="448"/>
+                <a:spcPts val="499"/>
               </a:spcBef>
             </a:pPr>
             <a:endParaRPr b="0" lang="en-US" sz="4400" spc="-1" strike="noStrike">
               <a:latin typeface="Arial"/>
             </a:endParaRPr>
           </a:p>
-          <a:p>
-            <a:pPr marL="342720" indent="-342360">
-              <a:lnSpc>
-                <a:spcPct val="100000"/>
-              </a:lnSpc>
-              <a:spcBef>
-                <a:spcPts val="499"/>
-              </a:spcBef>
-            </a:pPr>
-            <a:endParaRPr b="0" lang="en-US" sz="4400" spc="-1" strike="noStrike">
+        </p:txBody>
+      </p:sp>
+      <p:sp>
+        <p:nvSpPr>
+          <p:cNvPr id="97" name="TextShape 3"/>
+          <p:cNvSpPr txBox="1"/>
+          <p:nvPr/>
+        </p:nvSpPr>
+        <p:spPr>
+          <a:xfrm>
+            <a:off x="182880" y="6309720"/>
+            <a:ext cx="365760" cy="399960"/>
+          </a:xfrm>
+          <a:prstGeom prst="rect">
+            <a:avLst/>
+          </a:prstGeom>
+          <a:noFill/>
+          <a:ln>
+            <a:noFill/>
+          </a:ln>
+        </p:spPr>
+        <p:txBody>
+          <a:bodyPr lIns="90000" rIns="90000" tIns="45000" bIns="45000"/>
+          <a:p>
+            <a:r>
+              <a:rPr b="1" lang="en-US" sz="2200" spc="-1" strike="noStrike">
+                <a:solidFill>
+                  <a:srgbClr val="ce181e"/>
+                </a:solidFill>
+                <a:latin typeface="Arial"/>
+              </a:rPr>
+              <a:t>5</a:t>
+            </a:r>
+            <a:endParaRPr b="1" lang="en-US" sz="2200" spc="-1" strike="noStrike">
+              <a:solidFill>
+                <a:srgbClr val="ce181e"/>
+              </a:solidFill>
               <a:latin typeface="Arial"/>
             </a:endParaRPr>
           </a:p>
@@ -14530,14 +16263,14 @@
       </p:grpSpPr>
       <p:sp>
         <p:nvSpPr>
-          <p:cNvPr id="92" name="CustomShape 1"/>
+          <p:cNvPr id="98" name="CustomShape 1"/>
           <p:cNvSpPr/>
           <p:nvPr/>
         </p:nvSpPr>
         <p:spPr>
           <a:xfrm>
             <a:off x="838080" y="365040"/>
-            <a:ext cx="10513800" cy="1323720"/>
+            <a:ext cx="10513080" cy="1323000"/>
           </a:xfrm>
           <a:prstGeom prst="rect">
             <a:avLst/>
@@ -14579,14 +16312,14 @@
       </p:sp>
       <p:sp>
         <p:nvSpPr>
-          <p:cNvPr id="93" name="CustomShape 2"/>
+          <p:cNvPr id="99" name="CustomShape 2"/>
           <p:cNvSpPr/>
           <p:nvPr/>
         </p:nvSpPr>
         <p:spPr>
           <a:xfrm>
             <a:off x="782280" y="1463040"/>
-            <a:ext cx="8178480" cy="4495320"/>
+            <a:ext cx="8177760" cy="4494600"/>
           </a:xfrm>
           <a:prstGeom prst="rect">
             <a:avLst/>
@@ -14620,7 +16353,7 @@
             </a:endParaRPr>
           </a:p>
           <a:p>
-            <a:pPr marL="432000" indent="-323640">
+            <a:pPr marL="432000" indent="-322920">
               <a:lnSpc>
                 <a:spcPct val="100000"/>
               </a:lnSpc>
@@ -14640,6 +16373,7 @@
                   <a:srgbClr val="ff0000"/>
                 </a:solidFill>
                 <a:latin typeface="Arial"/>
+                <a:ea typeface="DejaVu Sans"/>
               </a:rPr>
               <a:t>SSES -&gt; SS</a:t>
             </a:r>
@@ -14648,7 +16382,7 @@
             </a:endParaRPr>
           </a:p>
           <a:p>
-            <a:pPr lvl="1" marL="864000" indent="-323640">
+            <a:pPr lvl="1" marL="864000" indent="-322920">
               <a:lnSpc>
                 <a:spcPct val="100000"/>
               </a:lnSpc>
@@ -14668,6 +16402,7 @@
                   <a:srgbClr val="ff0000"/>
                 </a:solidFill>
                 <a:latin typeface="Arial"/>
+                <a:ea typeface="DejaVu Sans"/>
               </a:rPr>
               <a:t>caresses</a:t>
             </a:r>
@@ -14677,6 +16412,7 @@
                   <a:srgbClr val="ff0000"/>
                 </a:solidFill>
                 <a:latin typeface="Arial"/>
+                <a:ea typeface="DejaVu Sans"/>
               </a:rPr>
               <a:t> -&gt; </a:t>
             </a:r>
@@ -14686,6 +16422,7 @@
                   <a:srgbClr val="ff0000"/>
                 </a:solidFill>
                 <a:latin typeface="Arial"/>
+                <a:ea typeface="DejaVu Sans"/>
               </a:rPr>
               <a:t>caress</a:t>
             </a:r>
@@ -14695,6 +16432,7 @@
                   <a:srgbClr val="ff0000"/>
                 </a:solidFill>
                 <a:latin typeface="Arial"/>
+                <a:ea typeface="DejaVu Sans"/>
               </a:rPr>
               <a:t> </a:t>
             </a:r>
@@ -14703,7 +16441,7 @@
             </a:endParaRPr>
           </a:p>
           <a:p>
-            <a:pPr marL="432000" indent="-323640">
+            <a:pPr marL="432000" indent="-322920">
               <a:lnSpc>
                 <a:spcPct val="100000"/>
               </a:lnSpc>
@@ -14723,6 +16461,7 @@
                   <a:srgbClr val="ff0000"/>
                 </a:solidFill>
                 <a:latin typeface="Arial"/>
+                <a:ea typeface="DejaVu Sans"/>
               </a:rPr>
               <a:t>IES -&gt; I</a:t>
             </a:r>
@@ -14731,7 +16470,7 @@
             </a:endParaRPr>
           </a:p>
           <a:p>
-            <a:pPr lvl="1" marL="864000" indent="-323640">
+            <a:pPr lvl="1" marL="864000" indent="-322920">
               <a:lnSpc>
                 <a:spcPct val="100000"/>
               </a:lnSpc>
@@ -14751,6 +16490,7 @@
                   <a:srgbClr val="ff0000"/>
                 </a:solidFill>
                 <a:latin typeface="Arial"/>
+                <a:ea typeface="DejaVu Sans"/>
               </a:rPr>
               <a:t>ponies</a:t>
             </a:r>
@@ -14760,6 +16500,7 @@
                   <a:srgbClr val="ff0000"/>
                 </a:solidFill>
                 <a:latin typeface="Arial"/>
+                <a:ea typeface="DejaVu Sans"/>
               </a:rPr>
               <a:t> -&gt; </a:t>
             </a:r>
@@ -14769,6 +16510,7 @@
                   <a:srgbClr val="ff0000"/>
                 </a:solidFill>
                 <a:latin typeface="Arial"/>
+                <a:ea typeface="DejaVu Sans"/>
               </a:rPr>
               <a:t>poni</a:t>
             </a:r>
@@ -14777,7 +16519,7 @@
             </a:endParaRPr>
           </a:p>
           <a:p>
-            <a:pPr lvl="1" marL="864000" indent="-323640">
+            <a:pPr lvl="1" marL="864000" indent="-322920">
               <a:lnSpc>
                 <a:spcPct val="100000"/>
               </a:lnSpc>
@@ -14797,6 +16539,7 @@
                   <a:srgbClr val="ff0000"/>
                 </a:solidFill>
                 <a:latin typeface="Arial"/>
+                <a:ea typeface="DejaVu Sans"/>
               </a:rPr>
               <a:t>ties</a:t>
             </a:r>
@@ -14806,6 +16549,7 @@
                   <a:srgbClr val="ff0000"/>
                 </a:solidFill>
                 <a:latin typeface="Arial"/>
+                <a:ea typeface="DejaVu Sans"/>
               </a:rPr>
               <a:t> -&gt; </a:t>
             </a:r>
@@ -14815,6 +16559,7 @@
                   <a:srgbClr val="ff0000"/>
                 </a:solidFill>
                 <a:latin typeface="Arial"/>
+                <a:ea typeface="DejaVu Sans"/>
               </a:rPr>
               <a:t>ti</a:t>
             </a:r>
@@ -14823,7 +16568,7 @@
             </a:endParaRPr>
           </a:p>
           <a:p>
-            <a:pPr marL="432000" indent="-323640">
+            <a:pPr marL="432000" indent="-322920">
               <a:lnSpc>
                 <a:spcPct val="100000"/>
               </a:lnSpc>
@@ -14843,6 +16588,7 @@
                   <a:srgbClr val="ff0000"/>
                 </a:solidFill>
                 <a:latin typeface="Arial"/>
+                <a:ea typeface="DejaVu Sans"/>
               </a:rPr>
               <a:t>SS -&gt; SS</a:t>
             </a:r>
@@ -14851,7 +16597,7 @@
             </a:endParaRPr>
           </a:p>
           <a:p>
-            <a:pPr lvl="1" marL="864000" indent="-323640">
+            <a:pPr lvl="1" marL="864000" indent="-322920">
               <a:lnSpc>
                 <a:spcPct val="100000"/>
               </a:lnSpc>
@@ -14871,6 +16617,7 @@
                   <a:srgbClr val="ff0000"/>
                 </a:solidFill>
                 <a:latin typeface="Arial"/>
+                <a:ea typeface="DejaVu Sans"/>
               </a:rPr>
               <a:t>caress</a:t>
             </a:r>
@@ -14880,6 +16627,7 @@
                   <a:srgbClr val="ff0000"/>
                 </a:solidFill>
                 <a:latin typeface="Arial"/>
+                <a:ea typeface="DejaVu Sans"/>
               </a:rPr>
               <a:t> -&gt; </a:t>
             </a:r>
@@ -14889,6 +16637,7 @@
                   <a:srgbClr val="ff0000"/>
                 </a:solidFill>
                 <a:latin typeface="Arial"/>
+                <a:ea typeface="DejaVu Sans"/>
               </a:rPr>
               <a:t>caress</a:t>
             </a:r>
@@ -14897,7 +16646,7 @@
             </a:endParaRPr>
           </a:p>
           <a:p>
-            <a:pPr marL="432000" indent="-323640">
+            <a:pPr marL="432000" indent="-322920">
               <a:lnSpc>
                 <a:spcPct val="100000"/>
               </a:lnSpc>
@@ -14917,6 +16666,7 @@
                   <a:srgbClr val="ff0000"/>
                 </a:solidFill>
                 <a:latin typeface="Arial"/>
+                <a:ea typeface="DejaVu Sans"/>
               </a:rPr>
               <a:t>S -&gt; NULL</a:t>
             </a:r>
@@ -14925,7 +16675,7 @@
             </a:endParaRPr>
           </a:p>
           <a:p>
-            <a:pPr lvl="1" marL="864000" indent="-323640">
+            <a:pPr lvl="1" marL="864000" indent="-322920">
               <a:lnSpc>
                 <a:spcPct val="100000"/>
               </a:lnSpc>
@@ -14945,6 +16695,7 @@
                   <a:srgbClr val="ff0000"/>
                 </a:solidFill>
                 <a:latin typeface="Arial"/>
+                <a:ea typeface="DejaVu Sans"/>
               </a:rPr>
               <a:t>cats</a:t>
             </a:r>
@@ -14954,6 +16705,7 @@
                   <a:srgbClr val="ff0000"/>
                 </a:solidFill>
                 <a:latin typeface="Arial"/>
+                <a:ea typeface="DejaVu Sans"/>
               </a:rPr>
               <a:t> -&gt; </a:t>
             </a:r>
@@ -14963,6 +16715,7 @@
                   <a:srgbClr val="ff0000"/>
                 </a:solidFill>
                 <a:latin typeface="Arial"/>
+                <a:ea typeface="DejaVu Sans"/>
               </a:rPr>
               <a:t>cat</a:t>
             </a:r>
@@ -14971,7 +16724,7 @@
             </a:endParaRPr>
           </a:p>
           <a:p>
-            <a:pPr marL="742680" indent="-285120">
+            <a:pPr marL="742680" indent="-284400">
               <a:lnSpc>
                 <a:spcPct val="100000"/>
               </a:lnSpc>
@@ -14984,7 +16737,7 @@
             </a:endParaRPr>
           </a:p>
           <a:p>
-            <a:pPr>
+            <a:pPr marL="742680" indent="-284400">
               <a:lnSpc>
                 <a:spcPct val="100000"/>
               </a:lnSpc>
@@ -14997,7 +16750,7 @@
             </a:endParaRPr>
           </a:p>
           <a:p>
-            <a:pPr>
+            <a:pPr marL="742680" indent="-284400">
               <a:lnSpc>
                 <a:spcPct val="100000"/>
               </a:lnSpc>
@@ -15010,7 +16763,7 @@
             </a:endParaRPr>
           </a:p>
           <a:p>
-            <a:pPr marL="342720" indent="-342360">
+            <a:pPr marL="342720" indent="-341640">
               <a:lnSpc>
                 <a:spcPct val="100000"/>
               </a:lnSpc>
@@ -15019,6 +16772,46 @@
               </a:spcBef>
             </a:pPr>
             <a:endParaRPr b="0" lang="en-US" sz="2800" spc="-1" strike="noStrike">
+              <a:latin typeface="Arial"/>
+            </a:endParaRPr>
+          </a:p>
+        </p:txBody>
+      </p:sp>
+      <p:sp>
+        <p:nvSpPr>
+          <p:cNvPr id="100" name="TextShape 3"/>
+          <p:cNvSpPr txBox="1"/>
+          <p:nvPr/>
+        </p:nvSpPr>
+        <p:spPr>
+          <a:xfrm>
+            <a:off x="182880" y="6309720"/>
+            <a:ext cx="365760" cy="399960"/>
+          </a:xfrm>
+          <a:prstGeom prst="rect">
+            <a:avLst/>
+          </a:prstGeom>
+          <a:noFill/>
+          <a:ln>
+            <a:noFill/>
+          </a:ln>
+        </p:spPr>
+        <p:txBody>
+          <a:bodyPr lIns="90000" rIns="90000" tIns="45000" bIns="45000"/>
+          <a:p>
+            <a:r>
+              <a:rPr b="1" lang="en-US" sz="2200" spc="-1" strike="noStrike">
+                <a:solidFill>
+                  <a:srgbClr val="ce181e"/>
+                </a:solidFill>
+                <a:latin typeface="Arial"/>
+              </a:rPr>
+              <a:t>6</a:t>
+            </a:r>
+            <a:endParaRPr b="1" lang="en-US" sz="2200" spc="-1" strike="noStrike">
+              <a:solidFill>
+                <a:srgbClr val="ce181e"/>
+              </a:solidFill>
               <a:latin typeface="Arial"/>
             </a:endParaRPr>
           </a:p>
@@ -15075,14 +16868,14 @@
       </p:grpSpPr>
       <p:sp>
         <p:nvSpPr>
-          <p:cNvPr id="94" name="CustomShape 1"/>
+          <p:cNvPr id="101" name="CustomShape 1"/>
           <p:cNvSpPr/>
           <p:nvPr/>
         </p:nvSpPr>
         <p:spPr>
           <a:xfrm>
             <a:off x="838080" y="-30960"/>
-            <a:ext cx="10513800" cy="1323720"/>
+            <a:ext cx="10513080" cy="1323000"/>
           </a:xfrm>
           <a:prstGeom prst="rect">
             <a:avLst/>
@@ -15124,14 +16917,14 @@
       </p:sp>
       <p:sp>
         <p:nvSpPr>
-          <p:cNvPr id="95" name="CustomShape 2"/>
+          <p:cNvPr id="102" name="CustomShape 2"/>
           <p:cNvSpPr/>
           <p:nvPr/>
         </p:nvSpPr>
         <p:spPr>
           <a:xfrm>
             <a:off x="549000" y="731520"/>
-            <a:ext cx="10332360" cy="5760360"/>
+            <a:ext cx="10331640" cy="5759640"/>
           </a:xfrm>
           <a:prstGeom prst="rect">
             <a:avLst/>
@@ -15165,7 +16958,7 @@
             </a:endParaRPr>
           </a:p>
           <a:p>
-            <a:pPr marL="432000" indent="-323640">
+            <a:pPr marL="432000" indent="-322920">
               <a:lnSpc>
                 <a:spcPct val="100000"/>
               </a:lnSpc>
@@ -15185,6 +16978,7 @@
                   <a:srgbClr val="ff0000"/>
                 </a:solidFill>
                 <a:latin typeface="Arial"/>
+                <a:ea typeface="DejaVu Sans"/>
               </a:rPr>
               <a:t>(m&gt;1) EED -&gt; EE</a:t>
             </a:r>
@@ -15193,7 +16987,7 @@
             </a:endParaRPr>
           </a:p>
           <a:p>
-            <a:pPr lvl="1" marL="864000" indent="-323640">
+            <a:pPr lvl="1" marL="864000" indent="-322920">
               <a:lnSpc>
                 <a:spcPct val="100000"/>
               </a:lnSpc>
@@ -15214,6 +17008,7 @@
                 </a:solidFill>
                 <a:uFillTx/>
                 <a:latin typeface="Arial"/>
+                <a:ea typeface="DejaVu Sans"/>
               </a:rPr>
               <a:t>Condition verified</a:t>
             </a:r>
@@ -15223,6 +17018,7 @@
                   <a:srgbClr val="ff0000"/>
                 </a:solidFill>
                 <a:latin typeface="Arial"/>
+                <a:ea typeface="DejaVu Sans"/>
               </a:rPr>
               <a:t>: agreed</a:t>
             </a:r>
@@ -15232,6 +17028,7 @@
                   <a:srgbClr val="ff0000"/>
                 </a:solidFill>
                 <a:latin typeface="Arial"/>
+                <a:ea typeface="DejaVu Sans"/>
               </a:rPr>
               <a:t> -&gt; </a:t>
             </a:r>
@@ -15241,6 +17038,7 @@
                   <a:srgbClr val="ff0000"/>
                 </a:solidFill>
                 <a:latin typeface="Arial"/>
+                <a:ea typeface="DejaVu Sans"/>
               </a:rPr>
               <a:t>agree</a:t>
             </a:r>
@@ -15249,7 +17047,7 @@
             </a:endParaRPr>
           </a:p>
           <a:p>
-            <a:pPr lvl="1" marL="864000" indent="-323640">
+            <a:pPr lvl="1" marL="864000" indent="-322920">
               <a:lnSpc>
                 <a:spcPct val="100000"/>
               </a:lnSpc>
@@ -15270,6 +17068,7 @@
                 </a:solidFill>
                 <a:uFillTx/>
                 <a:latin typeface="Arial"/>
+                <a:ea typeface="DejaVu Sans"/>
               </a:rPr>
               <a:t>Condition not verified</a:t>
             </a:r>
@@ -15279,6 +17078,7 @@
                   <a:srgbClr val="ff0000"/>
                 </a:solidFill>
                 <a:latin typeface="Arial"/>
+                <a:ea typeface="DejaVu Sans"/>
               </a:rPr>
               <a:t>: feed -&gt; feed</a:t>
             </a:r>
@@ -15288,6 +17088,7 @@
                   <a:srgbClr val="ff0000"/>
                 </a:solidFill>
                 <a:latin typeface="Arial"/>
+                <a:ea typeface="DejaVu Sans"/>
               </a:rPr>
               <a:t> </a:t>
             </a:r>
@@ -15296,7 +17097,7 @@
             </a:endParaRPr>
           </a:p>
           <a:p>
-            <a:pPr marL="432000" indent="-323640">
+            <a:pPr marL="432000" indent="-322920">
               <a:lnSpc>
                 <a:spcPct val="100000"/>
               </a:lnSpc>
@@ -15316,6 +17117,7 @@
                   <a:srgbClr val="ff0000"/>
                 </a:solidFill>
                 <a:latin typeface="Arial"/>
+                <a:ea typeface="DejaVu Sans"/>
               </a:rPr>
               <a:t>(*V*) ED -&gt; NULL</a:t>
             </a:r>
@@ -15324,7 +17126,7 @@
             </a:endParaRPr>
           </a:p>
           <a:p>
-            <a:pPr lvl="1" marL="864000" indent="-323640">
+            <a:pPr lvl="1" marL="864000" indent="-322920">
               <a:lnSpc>
                 <a:spcPct val="100000"/>
               </a:lnSpc>
@@ -15345,6 +17147,7 @@
                 </a:solidFill>
                 <a:uFillTx/>
                 <a:latin typeface="Arial"/>
+                <a:ea typeface="DejaVu Sans"/>
               </a:rPr>
               <a:t>Condition verified</a:t>
             </a:r>
@@ -15354,6 +17157,7 @@
                   <a:srgbClr val="ff0000"/>
                 </a:solidFill>
                 <a:latin typeface="Arial"/>
+                <a:ea typeface="DejaVu Sans"/>
               </a:rPr>
               <a:t>: plastered</a:t>
             </a:r>
@@ -15363,6 +17167,7 @@
                   <a:srgbClr val="ff0000"/>
                 </a:solidFill>
                 <a:latin typeface="Arial"/>
+                <a:ea typeface="DejaVu Sans"/>
               </a:rPr>
               <a:t> -&gt; </a:t>
             </a:r>
@@ -15372,6 +17177,7 @@
                   <a:srgbClr val="ff0000"/>
                 </a:solidFill>
                 <a:latin typeface="Arial"/>
+                <a:ea typeface="DejaVu Sans"/>
               </a:rPr>
               <a:t>plaster</a:t>
             </a:r>
@@ -15380,7 +17186,7 @@
             </a:endParaRPr>
           </a:p>
           <a:p>
-            <a:pPr lvl="1" marL="864000" indent="-323640">
+            <a:pPr lvl="1" marL="864000" indent="-322920">
               <a:lnSpc>
                 <a:spcPct val="100000"/>
               </a:lnSpc>
@@ -15401,6 +17207,7 @@
                 </a:solidFill>
                 <a:uFillTx/>
                 <a:latin typeface="Arial"/>
+                <a:ea typeface="DejaVu Sans"/>
               </a:rPr>
               <a:t>Condition not verified</a:t>
             </a:r>
@@ -15410,6 +17217,7 @@
                   <a:srgbClr val="ff0000"/>
                 </a:solidFill>
                 <a:latin typeface="Arial"/>
+                <a:ea typeface="DejaVu Sans"/>
               </a:rPr>
               <a:t>: bled -&gt; bled</a:t>
             </a:r>
@@ -15418,7 +17226,7 @@
             </a:endParaRPr>
           </a:p>
           <a:p>
-            <a:pPr marL="432000" indent="-323640">
+            <a:pPr marL="432000" indent="-322920">
               <a:lnSpc>
                 <a:spcPct val="100000"/>
               </a:lnSpc>
@@ -15438,6 +17246,7 @@
                   <a:srgbClr val="ff0000"/>
                 </a:solidFill>
                 <a:latin typeface="Arial"/>
+                <a:ea typeface="DejaVu Sans"/>
               </a:rPr>
               <a:t>(*V*) ING -&gt; NULL </a:t>
             </a:r>
@@ -15446,7 +17255,7 @@
             </a:endParaRPr>
           </a:p>
           <a:p>
-            <a:pPr lvl="1" marL="864000" indent="-323640">
+            <a:pPr lvl="1" marL="864000" indent="-322920">
               <a:lnSpc>
                 <a:spcPct val="100000"/>
               </a:lnSpc>
@@ -15467,6 +17276,7 @@
                 </a:solidFill>
                 <a:uFillTx/>
                 <a:latin typeface="Arial"/>
+                <a:ea typeface="DejaVu Sans"/>
               </a:rPr>
               <a:t>Condition verified</a:t>
             </a:r>
@@ -15476,6 +17286,7 @@
                   <a:srgbClr val="ff0000"/>
                 </a:solidFill>
                 <a:latin typeface="Arial"/>
+                <a:ea typeface="DejaVu Sans"/>
               </a:rPr>
               <a:t>: motoring </a:t>
             </a:r>
@@ -15485,6 +17296,7 @@
                   <a:srgbClr val="ff0000"/>
                 </a:solidFill>
                 <a:latin typeface="Arial"/>
+                <a:ea typeface="DejaVu Sans"/>
               </a:rPr>
               <a:t>-&gt; </a:t>
             </a:r>
@@ -15494,6 +17306,7 @@
                   <a:srgbClr val="ff0000"/>
                 </a:solidFill>
                 <a:latin typeface="Arial"/>
+                <a:ea typeface="DejaVu Sans"/>
               </a:rPr>
               <a:t>motor</a:t>
             </a:r>
@@ -15502,7 +17315,7 @@
             </a:endParaRPr>
           </a:p>
           <a:p>
-            <a:pPr lvl="1" marL="864000" indent="-323640">
+            <a:pPr lvl="1" marL="864000" indent="-322920">
               <a:lnSpc>
                 <a:spcPct val="100000"/>
               </a:lnSpc>
@@ -15523,6 +17336,7 @@
                 </a:solidFill>
                 <a:uFillTx/>
                 <a:latin typeface="Arial"/>
+                <a:ea typeface="DejaVu Sans"/>
               </a:rPr>
               <a:t>Condition not verified</a:t>
             </a:r>
@@ -15532,6 +17346,7 @@
                   <a:srgbClr val="ff0000"/>
                 </a:solidFill>
                 <a:latin typeface="Arial"/>
+                <a:ea typeface="DejaVu Sans"/>
               </a:rPr>
               <a:t>: sing -&gt; sing </a:t>
             </a:r>
@@ -15540,7 +17355,7 @@
             </a:endParaRPr>
           </a:p>
           <a:p>
-            <a:pPr marL="742680" indent="-285120">
+            <a:pPr marL="742680" indent="-284400">
               <a:lnSpc>
                 <a:spcPct val="100000"/>
               </a:lnSpc>
@@ -15549,6 +17364,46 @@
               </a:spcBef>
             </a:pPr>
             <a:endParaRPr b="0" lang="en-US" sz="2800" spc="-1" strike="noStrike">
+              <a:latin typeface="Arial"/>
+            </a:endParaRPr>
+          </a:p>
+        </p:txBody>
+      </p:sp>
+      <p:sp>
+        <p:nvSpPr>
+          <p:cNvPr id="103" name="TextShape 3"/>
+          <p:cNvSpPr txBox="1"/>
+          <p:nvPr/>
+        </p:nvSpPr>
+        <p:spPr>
+          <a:xfrm>
+            <a:off x="182880" y="6309720"/>
+            <a:ext cx="365760" cy="399960"/>
+          </a:xfrm>
+          <a:prstGeom prst="rect">
+            <a:avLst/>
+          </a:prstGeom>
+          <a:noFill/>
+          <a:ln>
+            <a:noFill/>
+          </a:ln>
+        </p:spPr>
+        <p:txBody>
+          <a:bodyPr lIns="90000" rIns="90000" tIns="45000" bIns="45000"/>
+          <a:p>
+            <a:r>
+              <a:rPr b="1" lang="en-US" sz="2200" spc="-1" strike="noStrike">
+                <a:solidFill>
+                  <a:srgbClr val="ce181e"/>
+                </a:solidFill>
+                <a:latin typeface="Arial"/>
+              </a:rPr>
+              <a:t>7</a:t>
+            </a:r>
+            <a:endParaRPr b="1" lang="en-US" sz="2200" spc="-1" strike="noStrike">
+              <a:solidFill>
+                <a:srgbClr val="ce181e"/>
+              </a:solidFill>
               <a:latin typeface="Arial"/>
             </a:endParaRPr>
           </a:p>
